--- a/Slides/src/2017/agile-dev-processes-4-principles.pptx
+++ b/Slides/src/2017/agile-dev-processes-4-principles.pptx
@@ -7,44 +7,47 @@
     <p:sldMasterId id="2147483685" r:id="rId3"/>
   </p:sldMasterIdLst>
   <p:notesMasterIdLst>
-    <p:notesMasterId r:id="rId39"/>
+    <p:notesMasterId r:id="rId42"/>
   </p:notesMasterIdLst>
   <p:sldIdLst>
     <p:sldId id="256" r:id="rId4"/>
     <p:sldId id="317" r:id="rId5"/>
     <p:sldId id="270" r:id="rId6"/>
-    <p:sldId id="323" r:id="rId7"/>
-    <p:sldId id="322" r:id="rId8"/>
-    <p:sldId id="263" r:id="rId9"/>
-    <p:sldId id="262" r:id="rId10"/>
-    <p:sldId id="324" r:id="rId11"/>
-    <p:sldId id="325" r:id="rId12"/>
-    <p:sldId id="264" r:id="rId13"/>
-    <p:sldId id="265" r:id="rId14"/>
-    <p:sldId id="258" r:id="rId15"/>
-    <p:sldId id="259" r:id="rId16"/>
-    <p:sldId id="293" r:id="rId17"/>
-    <p:sldId id="294" r:id="rId18"/>
-    <p:sldId id="295" r:id="rId19"/>
-    <p:sldId id="296" r:id="rId20"/>
-    <p:sldId id="297" r:id="rId21"/>
-    <p:sldId id="298" r:id="rId22"/>
-    <p:sldId id="309" r:id="rId23"/>
-    <p:sldId id="299" r:id="rId24"/>
-    <p:sldId id="310" r:id="rId25"/>
-    <p:sldId id="300" r:id="rId26"/>
-    <p:sldId id="311" r:id="rId27"/>
-    <p:sldId id="301" r:id="rId28"/>
-    <p:sldId id="312" r:id="rId29"/>
-    <p:sldId id="302" r:id="rId30"/>
-    <p:sldId id="313" r:id="rId31"/>
-    <p:sldId id="314" r:id="rId32"/>
-    <p:sldId id="303" r:id="rId33"/>
-    <p:sldId id="316" r:id="rId34"/>
-    <p:sldId id="304" r:id="rId35"/>
-    <p:sldId id="305" r:id="rId36"/>
-    <p:sldId id="306" r:id="rId37"/>
-    <p:sldId id="320" r:id="rId38"/>
+    <p:sldId id="328" r:id="rId7"/>
+    <p:sldId id="326" r:id="rId8"/>
+    <p:sldId id="323" r:id="rId9"/>
+    <p:sldId id="322" r:id="rId10"/>
+    <p:sldId id="263" r:id="rId11"/>
+    <p:sldId id="262" r:id="rId12"/>
+    <p:sldId id="324" r:id="rId13"/>
+    <p:sldId id="325" r:id="rId14"/>
+    <p:sldId id="264" r:id="rId15"/>
+    <p:sldId id="265" r:id="rId16"/>
+    <p:sldId id="258" r:id="rId17"/>
+    <p:sldId id="259" r:id="rId18"/>
+    <p:sldId id="293" r:id="rId19"/>
+    <p:sldId id="294" r:id="rId20"/>
+    <p:sldId id="295" r:id="rId21"/>
+    <p:sldId id="296" r:id="rId22"/>
+    <p:sldId id="297" r:id="rId23"/>
+    <p:sldId id="298" r:id="rId24"/>
+    <p:sldId id="309" r:id="rId25"/>
+    <p:sldId id="299" r:id="rId26"/>
+    <p:sldId id="310" r:id="rId27"/>
+    <p:sldId id="300" r:id="rId28"/>
+    <p:sldId id="311" r:id="rId29"/>
+    <p:sldId id="301" r:id="rId30"/>
+    <p:sldId id="312" r:id="rId31"/>
+    <p:sldId id="302" r:id="rId32"/>
+    <p:sldId id="313" r:id="rId33"/>
+    <p:sldId id="314" r:id="rId34"/>
+    <p:sldId id="303" r:id="rId35"/>
+    <p:sldId id="316" r:id="rId36"/>
+    <p:sldId id="304" r:id="rId37"/>
+    <p:sldId id="305" r:id="rId38"/>
+    <p:sldId id="306" r:id="rId39"/>
+    <p:sldId id="327" r:id="rId40"/>
+    <p:sldId id="320" r:id="rId41"/>
   </p:sldIdLst>
   <p:sldSz cx="9144000" cy="6858000" type="screen4x3"/>
   <p:notesSz cx="6858000" cy="9144000"/>
@@ -558,6 +561,106 @@
           <a:p>
             <a:r>
               <a:rPr lang="en-US" dirty="0" smtClean="0"/>
+              <a:t>Discuss with your </a:t>
+            </a:r>
+            <a:r>
+              <a:rPr lang="en-US" dirty="0" err="1" smtClean="0"/>
+              <a:t>neighbour</a:t>
+            </a:r>
+            <a:r>
+              <a:rPr lang="en-US" dirty="0" smtClean="0"/>
+              <a:t>:</a:t>
+            </a:r>
+            <a:r>
+              <a:rPr lang="en-US" baseline="0" dirty="0" smtClean="0"/>
+              <a:t> Name 2 that are easy and 2 that are difficult to adhere to in your project.</a:t>
+            </a:r>
+            <a:endParaRPr lang="en-US" dirty="0"/>
+          </a:p>
+        </p:txBody>
+      </p:sp>
+      <p:sp>
+        <p:nvSpPr>
+          <p:cNvPr id="4" name="Slide Number Placeholder 3"/>
+          <p:cNvSpPr>
+            <a:spLocks noGrp="1"/>
+          </p:cNvSpPr>
+          <p:nvPr>
+            <p:ph type="sldNum" sz="quarter" idx="10"/>
+          </p:nvPr>
+        </p:nvSpPr>
+        <p:spPr/>
+        <p:txBody>
+          <a:bodyPr/>
+          <a:lstStyle/>
+          <a:p>
+            <a:fld id="{A9520E84-6A11-F642-B0FE-2FE63DD63793}" type="slidenum">
+              <a:rPr lang="en-US" smtClean="0"/>
+              <a:t>6</a:t>
+            </a:fld>
+            <a:endParaRPr lang="en-US"/>
+          </a:p>
+        </p:txBody>
+      </p:sp>
+    </p:spTree>
+    <p:extLst>
+      <p:ext uri="{BB962C8B-B14F-4D97-AF65-F5344CB8AC3E}">
+        <p14:creationId xmlns:p14="http://schemas.microsoft.com/office/powerpoint/2010/main" val="1511418104"/>
+      </p:ext>
+    </p:extLst>
+  </p:cSld>
+  <p:clrMapOvr>
+    <a:masterClrMapping/>
+  </p:clrMapOvr>
+</p:notes>
+</file>
+
+<file path=ppt/notesSlides/notesSlide2.xml><?xml version="1.0" encoding="utf-8"?>
+<p:notes xmlns:a="http://schemas.openxmlformats.org/drawingml/2006/main" xmlns:r="http://schemas.openxmlformats.org/officeDocument/2006/relationships" xmlns:p="http://schemas.openxmlformats.org/presentationml/2006/main">
+  <p:cSld>
+    <p:spTree>
+      <p:nvGrpSpPr>
+        <p:cNvPr id="1" name=""/>
+        <p:cNvGrpSpPr/>
+        <p:nvPr/>
+      </p:nvGrpSpPr>
+      <p:grpSpPr>
+        <a:xfrm>
+          <a:off x="0" y="0"/>
+          <a:ext cx="0" cy="0"/>
+          <a:chOff x="0" y="0"/>
+          <a:chExt cx="0" cy="0"/>
+        </a:xfrm>
+      </p:grpSpPr>
+      <p:sp>
+        <p:nvSpPr>
+          <p:cNvPr id="2" name="Slide Image Placeholder 1"/>
+          <p:cNvSpPr>
+            <a:spLocks noGrp="1" noRot="1" noChangeAspect="1"/>
+          </p:cNvSpPr>
+          <p:nvPr>
+            <p:ph type="sldImg"/>
+          </p:nvPr>
+        </p:nvSpPr>
+        <p:spPr/>
+      </p:sp>
+      <p:sp>
+        <p:nvSpPr>
+          <p:cNvPr id="3" name="Notes Placeholder 2"/>
+          <p:cNvSpPr>
+            <a:spLocks noGrp="1"/>
+          </p:cNvSpPr>
+          <p:nvPr>
+            <p:ph type="body" idx="1"/>
+          </p:nvPr>
+        </p:nvSpPr>
+        <p:spPr/>
+        <p:txBody>
+          <a:bodyPr/>
+          <a:lstStyle/>
+          <a:p>
+            <a:r>
+              <a:rPr lang="en-US" dirty="0" smtClean="0"/>
               <a:t>Task: For each of the principles, compare</a:t>
             </a:r>
             <a:r>
@@ -599,7 +702,7 @@
           <a:p>
             <a:fld id="{A9520E84-6A11-F642-B0FE-2FE63DD63793}" type="slidenum">
               <a:rPr lang="en-US" smtClean="0"/>
-              <a:t>34</a:t>
+              <a:t>36</a:t>
             </a:fld>
             <a:endParaRPr lang="en-US"/>
           </a:p>
@@ -7870,14 +7973,14 @@
           </a:sp3d>
           <a:extLst>
             <a:ext uri="{909E8E84-426E-40dd-AFC4-6F175D3DCCD1}">
-              <a14:hiddenFill xmlns:a14="http://schemas.microsoft.com/office/drawing/2010/main" xmlns="">
+              <a14:hiddenFill xmlns="" xmlns:a14="http://schemas.microsoft.com/office/drawing/2010/main">
                 <a:solidFill>
                   <a:schemeClr val="accent1"/>
                 </a:solidFill>
               </a14:hiddenFill>
             </a:ext>
             <a:ext uri="{91240B29-F687-4f45-9708-019B960494DF}">
-              <a14:hiddenLine xmlns:a14="http://schemas.microsoft.com/office/drawing/2010/main" xmlns="" w="9525">
+              <a14:hiddenLine xmlns="" xmlns:a14="http://schemas.microsoft.com/office/drawing/2010/main" w="9525">
                 <a:solidFill>
                   <a:schemeClr val="tx1"/>
                 </a:solidFill>
@@ -11425,11 +11528,11 @@
   <p:clrMapOvr>
     <a:masterClrMapping/>
   </p:clrMapOvr>
-  <mc:AlternateContent xmlns:mc="http://schemas.openxmlformats.org/markup-compatibility/2006">
-    <mc:Choice xmlns:p14="http://schemas.microsoft.com/office/powerpoint/2010/main" Requires="p14">
+  <mc:AlternateContent xmlns:mc="http://schemas.openxmlformats.org/markup-compatibility/2006" xmlns:p14="http://schemas.microsoft.com/office/powerpoint/2010/main">
+    <mc:Choice Requires="p14">
       <p:transition spd="slow" p14:dur="2000"/>
     </mc:Choice>
-    <mc:Fallback>
+    <mc:Fallback xmlns="">
       <p:transition spd="slow"/>
     </mc:Fallback>
   </mc:AlternateContent>
@@ -11477,7 +11580,7 @@
           <a:p>
             <a:r>
               <a:rPr lang="en-US" dirty="0" smtClean="0"/>
-              <a:t>Scrum Principles</a:t>
+              <a:t>Planning Game</a:t>
             </a:r>
             <a:endParaRPr lang="en-US" dirty="0"/>
           </a:p>
@@ -11495,86 +11598,312 @@
         </p:nvSpPr>
         <p:spPr/>
         <p:txBody>
-          <a:bodyPr anchor="ctr">
-            <a:normAutofit lnSpcReduction="10000"/>
+          <a:bodyPr>
+            <a:normAutofit fontScale="70000" lnSpcReduction="20000"/>
           </a:bodyPr>
           <a:lstStyle/>
           <a:p>
             <a:r>
               <a:rPr lang="en-US" dirty="0" smtClean="0"/>
-              <a:t>Reflection</a:t>
+              <a:t>Basic idea</a:t>
             </a:r>
           </a:p>
           <a:p>
             <a:pPr lvl="1"/>
             <a:r>
               <a:rPr lang="en-US" dirty="0" smtClean="0"/>
-              <a:t>Stop and review product &amp; process</a:t>
+              <a:t>Create a rough iteration plan</a:t>
             </a:r>
           </a:p>
           <a:p>
             <a:pPr lvl="1"/>
-            <a:endParaRPr lang="en-US" dirty="0" smtClean="0"/>
-          </a:p>
-          <a:p>
             <a:r>
               <a:rPr lang="en-US" dirty="0" smtClean="0"/>
-              <a:t>Self-correction</a:t>
+              <a:t>Plan next iteration in detail</a:t>
+            </a:r>
+          </a:p>
+          <a:p>
+            <a:r>
+              <a:rPr lang="en-US" dirty="0" smtClean="0"/>
+              <a:t>Players</a:t>
             </a:r>
           </a:p>
           <a:p>
             <a:pPr lvl="1"/>
             <a:r>
               <a:rPr lang="en-US" dirty="0" smtClean="0"/>
-              <a:t>Based on reflection</a:t>
+              <a:t>Onsite Customer</a:t>
             </a:r>
           </a:p>
           <a:p>
             <a:pPr lvl="1"/>
-            <a:endParaRPr lang="en-US" dirty="0" smtClean="0"/>
-          </a:p>
-          <a:p>
             <a:r>
               <a:rPr lang="en-US" dirty="0" smtClean="0"/>
-              <a:t>Visibility</a:t>
+              <a:t>Team</a:t>
             </a:r>
           </a:p>
           <a:p>
             <a:pPr lvl="1"/>
             <a:r>
               <a:rPr lang="en-US" dirty="0" smtClean="0"/>
-              <a:t>Everything is visible (=known) for all stakeholders, e.g. plans, schedules, issues, </a:t>
-            </a:r>
+              <a:t>(Coach)</a:t>
+            </a:r>
+          </a:p>
+          <a:p>
             <a:r>
               <a:rPr lang="en-US" dirty="0" smtClean="0"/>
-              <a:t>…</a:t>
-            </a:r>
-            <a:endParaRPr lang="en-US" dirty="0" smtClean="0"/>
-          </a:p>
-        </p:txBody>
-      </p:sp>
+              <a:t>Moves</a:t>
+            </a:r>
+          </a:p>
+          <a:p>
+            <a:pPr lvl="1"/>
+            <a:r>
+              <a:rPr lang="en-US" dirty="0" smtClean="0"/>
+              <a:t>Write User stories (OC + Team)</a:t>
+            </a:r>
+          </a:p>
+          <a:p>
+            <a:pPr lvl="1"/>
+            <a:r>
+              <a:rPr lang="en-US" dirty="0" smtClean="0"/>
+              <a:t>[do some filtering]</a:t>
+            </a:r>
+          </a:p>
+          <a:p>
+            <a:pPr lvl="1"/>
+            <a:r>
+              <a:rPr lang="en-US" dirty="0" smtClean="0"/>
+              <a:t>OC ranks US by business value [assign Fibonacci numbers]</a:t>
+            </a:r>
+          </a:p>
+          <a:p>
+            <a:pPr lvl="1"/>
+            <a:r>
+              <a:rPr lang="en-US" dirty="0" smtClean="0"/>
+              <a:t>Team assigns story points [Planning poker]</a:t>
+            </a:r>
+          </a:p>
+          <a:p>
+            <a:pPr lvl="1"/>
+            <a:r>
+              <a:rPr lang="en-US" dirty="0" smtClean="0"/>
+              <a:t>OC put story cards in strictly prioritized order</a:t>
+            </a:r>
+          </a:p>
+          <a:p>
+            <a:pPr lvl="1"/>
+            <a:r>
+              <a:rPr lang="en-US" dirty="0" smtClean="0"/>
+              <a:t>Team selects the top n stories to match their velocity</a:t>
+            </a:r>
+            <a:endParaRPr lang="en-US" dirty="0"/>
+          </a:p>
+          <a:p>
+            <a:endParaRPr lang="en-US" dirty="0"/>
+          </a:p>
+        </p:txBody>
+      </p:sp>
+      <p:sp>
+        <p:nvSpPr>
+          <p:cNvPr id="4" name="Footer Placeholder 3"/>
+          <p:cNvSpPr>
+            <a:spLocks noGrp="1"/>
+          </p:cNvSpPr>
+          <p:nvPr>
+            <p:ph type="ftr" sz="quarter" idx="11"/>
+          </p:nvPr>
+        </p:nvSpPr>
+        <p:spPr/>
+        <p:txBody>
+          <a:bodyPr/>
+          <a:lstStyle/>
+          <a:p>
+            <a:r>
+              <a:rPr lang="en-US" smtClean="0">
+                <a:solidFill>
+                  <a:prstClr val="black">
+                    <a:tint val="75000"/>
+                  </a:prstClr>
+                </a:solidFill>
+              </a:rPr>
+              <a:t>Eric Knauss - Continuous X 4 WASP</a:t>
+            </a:r>
+            <a:endParaRPr lang="en-US">
+              <a:solidFill>
+                <a:prstClr val="black">
+                  <a:tint val="75000"/>
+                </a:prstClr>
+              </a:solidFill>
+            </a:endParaRPr>
+          </a:p>
+        </p:txBody>
+      </p:sp>
+      <p:sp>
+        <p:nvSpPr>
+          <p:cNvPr id="5" name="Slide Number Placeholder 4"/>
+          <p:cNvSpPr>
+            <a:spLocks noGrp="1"/>
+          </p:cNvSpPr>
+          <p:nvPr>
+            <p:ph type="sldNum" sz="quarter" idx="12"/>
+          </p:nvPr>
+        </p:nvSpPr>
+        <p:spPr/>
+        <p:txBody>
+          <a:bodyPr/>
+          <a:lstStyle/>
+          <a:p>
+            <a:fld id="{112474B8-E05E-194A-B83E-2067B031ADBA}" type="slidenum">
+              <a:rPr lang="en-US" smtClean="0">
+                <a:solidFill>
+                  <a:prstClr val="black">
+                    <a:tint val="75000"/>
+                  </a:prstClr>
+                </a:solidFill>
+              </a:rPr>
+              <a:pPr/>
+              <a:t>10</a:t>
+            </a:fld>
+            <a:endParaRPr lang="en-US">
+              <a:solidFill>
+                <a:prstClr val="black">
+                  <a:tint val="75000"/>
+                </a:prstClr>
+              </a:solidFill>
+            </a:endParaRPr>
+          </a:p>
+        </p:txBody>
+      </p:sp>
+      <p:pic>
+        <p:nvPicPr>
+          <p:cNvPr id="6" name="Picture 5" descr="IMG_2028.JPG"/>
+          <p:cNvPicPr>
+            <a:picLocks noChangeAspect="1"/>
+          </p:cNvPicPr>
+          <p:nvPr/>
+        </p:nvPicPr>
+        <p:blipFill>
+          <a:blip r:embed="rId2" cstate="print">
+            <a:extLst>
+              <a:ext uri="{28A0092B-C50C-407E-A947-70E740481C1C}">
+                <a14:useLocalDpi xmlns:a14="http://schemas.microsoft.com/office/drawing/2010/main"/>
+              </a:ext>
+            </a:extLst>
+          </a:blip>
+          <a:stretch>
+            <a:fillRect/>
+          </a:stretch>
+        </p:blipFill>
+        <p:spPr>
+          <a:xfrm rot="173734">
+            <a:off x="4953524" y="987493"/>
+            <a:ext cx="3666168" cy="2749626"/>
+          </a:xfrm>
+          <a:prstGeom prst="rect">
+            <a:avLst/>
+          </a:prstGeom>
+          <a:ln>
+            <a:noFill/>
+          </a:ln>
+          <a:effectLst>
+            <a:outerShdw blurRad="292100" dist="139700" dir="2700000" algn="tl" rotWithShape="0">
+              <a:srgbClr val="333333">
+                <a:alpha val="65000"/>
+              </a:srgbClr>
+            </a:outerShdw>
+          </a:effectLst>
+        </p:spPr>
+      </p:pic>
     </p:spTree>
     <p:extLst>
       <p:ext uri="{BB962C8B-B14F-4D97-AF65-F5344CB8AC3E}">
-        <p14:creationId xmlns:p14="http://schemas.microsoft.com/office/powerpoint/2010/main" val="785793645"/>
+        <p14:creationId xmlns:p14="http://schemas.microsoft.com/office/powerpoint/2010/main" val="1280674312"/>
       </p:ext>
     </p:extLst>
   </p:cSld>
   <p:clrMapOvr>
     <a:masterClrMapping/>
   </p:clrMapOvr>
-  <mc:AlternateContent xmlns:mc="http://schemas.openxmlformats.org/markup-compatibility/2006">
-    <mc:Choice xmlns:p14="http://schemas.microsoft.com/office/powerpoint/2010/main" Requires="p14">
-      <p:transition spd="slow" p14:dur="2000"/>
-    </mc:Choice>
-    <mc:Fallback>
-      <p:transition spd="slow"/>
-    </mc:Fallback>
-  </mc:AlternateContent>
   <p:timing>
     <p:tnLst>
       <p:par>
-        <p:cTn id="1" dur="indefinite" restart="never" nodeType="tmRoot"/>
+        <p:cTn id="1" dur="indefinite" restart="never" nodeType="tmRoot">
+          <p:childTnLst>
+            <p:seq concurrent="1" nextAc="seek">
+              <p:cTn id="2" dur="indefinite" nodeType="mainSeq">
+                <p:childTnLst>
+                  <p:par>
+                    <p:cTn id="3" fill="hold">
+                      <p:stCondLst>
+                        <p:cond delay="indefinite"/>
+                      </p:stCondLst>
+                      <p:childTnLst>
+                        <p:par>
+                          <p:cTn id="4" fill="hold">
+                            <p:stCondLst>
+                              <p:cond delay="0"/>
+                            </p:stCondLst>
+                            <p:childTnLst>
+                              <p:par>
+                                <p:cTn id="5" presetID="10" presetClass="entr" presetSubtype="0" fill="hold" nodeType="clickEffect">
+                                  <p:stCondLst>
+                                    <p:cond delay="0"/>
+                                  </p:stCondLst>
+                                  <p:childTnLst>
+                                    <p:set>
+                                      <p:cBhvr>
+                                        <p:cTn id="6" dur="1" fill="hold">
+                                          <p:stCondLst>
+                                            <p:cond delay="0"/>
+                                          </p:stCondLst>
+                                        </p:cTn>
+                                        <p:tgtEl>
+                                          <p:spTgt spid="6"/>
+                                        </p:tgtEl>
+                                        <p:attrNameLst>
+                                          <p:attrName>style.visibility</p:attrName>
+                                        </p:attrNameLst>
+                                      </p:cBhvr>
+                                      <p:to>
+                                        <p:strVal val="visible"/>
+                                      </p:to>
+                                    </p:set>
+                                    <p:animEffect transition="in" filter="fade">
+                                      <p:cBhvr>
+                                        <p:cTn id="7" dur="500"/>
+                                        <p:tgtEl>
+                                          <p:spTgt spid="6"/>
+                                        </p:tgtEl>
+                                      </p:cBhvr>
+                                    </p:animEffect>
+                                  </p:childTnLst>
+                                </p:cTn>
+                              </p:par>
+                            </p:childTnLst>
+                          </p:cTn>
+                        </p:par>
+                      </p:childTnLst>
+                    </p:cTn>
+                  </p:par>
+                </p:childTnLst>
+              </p:cTn>
+              <p:prevCondLst>
+                <p:cond evt="onPrev" delay="0">
+                  <p:tgtEl>
+                    <p:sldTgt/>
+                  </p:tgtEl>
+                </p:cond>
+              </p:prevCondLst>
+              <p:nextCondLst>
+                <p:cond evt="onNext" delay="0">
+                  <p:tgtEl>
+                    <p:sldTgt/>
+                  </p:tgtEl>
+                </p:cond>
+              </p:nextCondLst>
+            </p:seq>
+          </p:childTnLst>
+        </p:cTn>
       </p:par>
     </p:tnLst>
   </p:timing>
@@ -11615,7 +11944,7 @@
           <a:p>
             <a:r>
               <a:rPr lang="en-US" dirty="0" smtClean="0"/>
-              <a:t>Scrum practices</a:t>
+              <a:t>Pair Programming</a:t>
             </a:r>
             <a:endParaRPr lang="en-US" dirty="0"/>
           </a:p>
@@ -11633,119 +11962,331 @@
         </p:nvSpPr>
         <p:spPr/>
         <p:txBody>
-          <a:bodyPr anchor="ctr">
+          <a:bodyPr>
             <a:normAutofit fontScale="70000" lnSpcReduction="20000"/>
           </a:bodyPr>
           <a:lstStyle/>
           <a:p>
             <a:r>
-              <a:rPr lang="en-US" dirty="0"/>
-              <a:t>Product backlog vs. Sprint </a:t>
-            </a:r>
-            <a:r>
               <a:rPr lang="en-US" dirty="0" smtClean="0"/>
-              <a:t>backlog</a:t>
+              <a:t>Basic idea</a:t>
             </a:r>
           </a:p>
           <a:p>
             <a:pPr lvl="1"/>
-            <a:endParaRPr lang="en-US" dirty="0"/>
-          </a:p>
-          <a:p>
             <a:r>
               <a:rPr lang="en-US" dirty="0" smtClean="0"/>
-              <a:t>Sprint planning</a:t>
+              <a:t>Two </a:t>
+            </a:r>
+            <a:r>
+              <a:rPr lang="en-US" dirty="0" smtClean="0"/>
+              <a:t>people on one </a:t>
+            </a:r>
+            <a:r>
+              <a:rPr lang="en-US" dirty="0" smtClean="0"/>
+              <a:t>computer</a:t>
             </a:r>
           </a:p>
           <a:p>
             <a:pPr lvl="1"/>
             <a:r>
-              <a:rPr lang="en-US" dirty="0"/>
-              <a:t>Planning poker: estimate cost</a:t>
-            </a:r>
+              <a:rPr lang="en-US" dirty="0" smtClean="0"/>
+              <a:t>Take </a:t>
+            </a:r>
+            <a:r>
+              <a:rPr lang="en-US" b="1" dirty="0" smtClean="0"/>
+              <a:t>one</a:t>
+            </a:r>
+            <a:r>
+              <a:rPr lang="en-US" dirty="0" smtClean="0"/>
+              <a:t> user story </a:t>
+            </a:r>
+            <a:r>
+              <a:rPr lang="en-US" b="1" dirty="0" smtClean="0"/>
+              <a:t>with them</a:t>
+            </a:r>
+            <a:endParaRPr lang="en-US" b="1" dirty="0" smtClean="0"/>
           </a:p>
           <a:p>
             <a:pPr lvl="1"/>
             <a:r>
-              <a:rPr lang="en-US" dirty="0"/>
-              <a:t>ROI (Return on Investment): cost vs. </a:t>
-            </a:r>
-            <a:r>
               <a:rPr lang="en-US" dirty="0" smtClean="0"/>
-              <a:t>benefit</a:t>
-            </a:r>
+              <a:t>Review each other</a:t>
+            </a:r>
+          </a:p>
+          <a:p>
+            <a:pPr lvl="1"/>
+            <a:r>
+              <a:rPr lang="en-US" dirty="0" smtClean="0"/>
+              <a:t>Share knowledge</a:t>
+            </a:r>
+          </a:p>
+          <a:p>
+            <a:r>
+              <a:rPr lang="en-US" dirty="0" smtClean="0"/>
+              <a:t>Related concepts</a:t>
+            </a:r>
+          </a:p>
+          <a:p>
+            <a:pPr lvl="1"/>
+            <a:r>
+              <a:rPr lang="en-US" dirty="0" smtClean="0"/>
+              <a:t>User story as vertical increment</a:t>
+            </a:r>
+          </a:p>
+          <a:p>
+            <a:pPr lvl="1"/>
+            <a:r>
+              <a:rPr lang="en-US" dirty="0" smtClean="0"/>
+              <a:t>Truck factor</a:t>
+            </a:r>
+          </a:p>
+          <a:p>
+            <a:r>
+              <a:rPr lang="en-US" dirty="0" smtClean="0"/>
+              <a:t>Sentiment in research</a:t>
+            </a:r>
+          </a:p>
+          <a:p>
+            <a:pPr lvl="1"/>
+            <a:r>
+              <a:rPr lang="en-US" dirty="0" smtClean="0"/>
+              <a:t>Studies with contradictory results, clearly leaning towards rejecting the idea of using pair programming in general</a:t>
+            </a:r>
+          </a:p>
+          <a:p>
+            <a:pPr lvl="1"/>
+            <a:r>
+              <a:rPr lang="en-US" dirty="0" smtClean="0"/>
+              <a:t>But Long term aspects of knowledge management not/insufficiently covered</a:t>
+            </a:r>
+          </a:p>
+          <a:p>
+            <a:pPr lvl="1"/>
+            <a:r>
+              <a:rPr lang="en-US" dirty="0" smtClean="0"/>
+              <a:t>Good results for specific use cases (exploration, difficult task, knowledge sharing, </a:t>
+            </a:r>
+            <a:r>
+              <a:rPr lang="mr-IN" dirty="0" smtClean="0"/>
+              <a:t>…</a:t>
+            </a:r>
+            <a:r>
+              <a:rPr lang="en-CA" dirty="0" smtClean="0"/>
+              <a:t>)</a:t>
+            </a:r>
+            <a:endParaRPr lang="en-US" dirty="0" smtClean="0"/>
           </a:p>
           <a:p>
             <a:pPr lvl="1"/>
             <a:endParaRPr lang="en-US" dirty="0" smtClean="0"/>
           </a:p>
           <a:p>
-            <a:r>
-              <a:rPr lang="en-US" dirty="0" smtClean="0"/>
-              <a:t>Retrospective</a:t>
-            </a:r>
-          </a:p>
-          <a:p>
-            <a:pPr lvl="1"/>
-            <a:endParaRPr lang="en-US" dirty="0" smtClean="0"/>
-          </a:p>
-          <a:p>
-            <a:r>
-              <a:rPr lang="en-US" dirty="0"/>
-              <a:t>Fixed sprint </a:t>
-            </a:r>
-            <a:r>
-              <a:rPr lang="en-US" dirty="0" smtClean="0"/>
-              <a:t>length</a:t>
-            </a:r>
-          </a:p>
-          <a:p>
-            <a:pPr lvl="1"/>
             <a:endParaRPr lang="en-US" dirty="0"/>
           </a:p>
-          <a:p>
-            <a:r>
-              <a:rPr lang="en-US" dirty="0" smtClean="0"/>
-              <a:t>Burn-down charts</a:t>
-            </a:r>
-          </a:p>
-          <a:p>
-            <a:pPr lvl="1"/>
-            <a:endParaRPr lang="en-US" dirty="0" smtClean="0"/>
-          </a:p>
-          <a:p>
-            <a:r>
-              <a:rPr lang="en-US" dirty="0" smtClean="0"/>
-              <a:t>Daily scrum: no longer than 15min</a:t>
-            </a:r>
-          </a:p>
-          <a:p>
-            <a:endParaRPr lang="en-US" dirty="0"/>
-          </a:p>
-        </p:txBody>
-      </p:sp>
+        </p:txBody>
+      </p:sp>
+      <p:sp>
+        <p:nvSpPr>
+          <p:cNvPr id="4" name="Footer Placeholder 3"/>
+          <p:cNvSpPr>
+            <a:spLocks noGrp="1"/>
+          </p:cNvSpPr>
+          <p:nvPr>
+            <p:ph type="ftr" sz="quarter" idx="11"/>
+          </p:nvPr>
+        </p:nvSpPr>
+        <p:spPr/>
+        <p:txBody>
+          <a:bodyPr/>
+          <a:lstStyle/>
+          <a:p>
+            <a:r>
+              <a:rPr lang="en-US" smtClean="0">
+                <a:solidFill>
+                  <a:prstClr val="black">
+                    <a:tint val="75000"/>
+                  </a:prstClr>
+                </a:solidFill>
+              </a:rPr>
+              <a:t>Eric Knauss - Continuous X 4 WASP</a:t>
+            </a:r>
+            <a:endParaRPr lang="en-US">
+              <a:solidFill>
+                <a:prstClr val="black">
+                  <a:tint val="75000"/>
+                </a:prstClr>
+              </a:solidFill>
+            </a:endParaRPr>
+          </a:p>
+        </p:txBody>
+      </p:sp>
+      <p:sp>
+        <p:nvSpPr>
+          <p:cNvPr id="5" name="Slide Number Placeholder 4"/>
+          <p:cNvSpPr>
+            <a:spLocks noGrp="1"/>
+          </p:cNvSpPr>
+          <p:nvPr>
+            <p:ph type="sldNum" sz="quarter" idx="12"/>
+          </p:nvPr>
+        </p:nvSpPr>
+        <p:spPr/>
+        <p:txBody>
+          <a:bodyPr/>
+          <a:lstStyle/>
+          <a:p>
+            <a:fld id="{112474B8-E05E-194A-B83E-2067B031ADBA}" type="slidenum">
+              <a:rPr lang="en-US" smtClean="0">
+                <a:solidFill>
+                  <a:prstClr val="black">
+                    <a:tint val="75000"/>
+                  </a:prstClr>
+                </a:solidFill>
+              </a:rPr>
+              <a:pPr/>
+              <a:t>11</a:t>
+            </a:fld>
+            <a:endParaRPr lang="en-US">
+              <a:solidFill>
+                <a:prstClr val="black">
+                  <a:tint val="75000"/>
+                </a:prstClr>
+              </a:solidFill>
+            </a:endParaRPr>
+          </a:p>
+        </p:txBody>
+      </p:sp>
+      <p:pic>
+        <p:nvPicPr>
+          <p:cNvPr id="7" name="Picture 6" descr="IMG_1955.JPG"/>
+          <p:cNvPicPr>
+            <a:picLocks noChangeAspect="1"/>
+          </p:cNvPicPr>
+          <p:nvPr/>
+        </p:nvPicPr>
+        <p:blipFill>
+          <a:blip r:embed="rId2" cstate="print">
+            <a:extLst>
+              <a:ext uri="{28A0092B-C50C-407E-A947-70E740481C1C}">
+                <a14:useLocalDpi xmlns:a14="http://schemas.microsoft.com/office/drawing/2010/main"/>
+              </a:ext>
+            </a:extLst>
+          </a:blip>
+          <a:stretch>
+            <a:fillRect/>
+          </a:stretch>
+        </p:blipFill>
+        <p:spPr>
+          <a:xfrm rot="299337">
+            <a:off x="5046949" y="1066114"/>
+            <a:ext cx="3531377" cy="2648533"/>
+          </a:xfrm>
+          <a:prstGeom prst="rect">
+            <a:avLst/>
+          </a:prstGeom>
+          <a:ln>
+            <a:noFill/>
+          </a:ln>
+          <a:effectLst>
+            <a:outerShdw blurRad="292100" dist="139700" dir="2700000" algn="tl" rotWithShape="0">
+              <a:srgbClr val="333333">
+                <a:alpha val="65000"/>
+              </a:srgbClr>
+            </a:outerShdw>
+          </a:effectLst>
+        </p:spPr>
+      </p:pic>
     </p:spTree>
     <p:extLst>
       <p:ext uri="{BB962C8B-B14F-4D97-AF65-F5344CB8AC3E}">
-        <p14:creationId xmlns:p14="http://schemas.microsoft.com/office/powerpoint/2010/main" val="386566081"/>
+        <p14:creationId xmlns:p14="http://schemas.microsoft.com/office/powerpoint/2010/main" val="1429743726"/>
       </p:ext>
     </p:extLst>
   </p:cSld>
   <p:clrMapOvr>
     <a:masterClrMapping/>
   </p:clrMapOvr>
-  <mc:AlternateContent xmlns:mc="http://schemas.openxmlformats.org/markup-compatibility/2006">
-    <mc:Choice xmlns:p14="http://schemas.microsoft.com/office/powerpoint/2010/main" Requires="p14">
-      <p:transition spd="slow" p14:dur="2000"/>
-    </mc:Choice>
-    <mc:Fallback>
-      <p:transition spd="slow"/>
-    </mc:Fallback>
-  </mc:AlternateContent>
   <p:timing>
     <p:tnLst>
       <p:par>
-        <p:cTn id="1" dur="indefinite" restart="never" nodeType="tmRoot"/>
+        <p:cTn id="1" dur="indefinite" restart="never" nodeType="tmRoot">
+          <p:childTnLst>
+            <p:seq concurrent="1" nextAc="seek">
+              <p:cTn id="2" dur="indefinite" nodeType="mainSeq">
+                <p:childTnLst>
+                  <p:par>
+                    <p:cTn id="3" fill="hold">
+                      <p:stCondLst>
+                        <p:cond delay="indefinite"/>
+                      </p:stCondLst>
+                      <p:childTnLst>
+                        <p:par>
+                          <p:cTn id="4" fill="hold">
+                            <p:stCondLst>
+                              <p:cond delay="0"/>
+                            </p:stCondLst>
+                            <p:childTnLst>
+                              <p:par>
+                                <p:cTn id="5" presetID="10" presetClass="entr" presetSubtype="0" fill="hold" nodeType="clickEffect">
+                                  <p:stCondLst>
+                                    <p:cond delay="0"/>
+                                  </p:stCondLst>
+                                  <p:childTnLst>
+                                    <p:set>
+                                      <p:cBhvr>
+                                        <p:cTn id="6" dur="1" fill="hold">
+                                          <p:stCondLst>
+                                            <p:cond delay="0"/>
+                                          </p:stCondLst>
+                                        </p:cTn>
+                                        <p:tgtEl>
+                                          <p:spTgt spid="7"/>
+                                        </p:tgtEl>
+                                        <p:attrNameLst>
+                                          <p:attrName>style.visibility</p:attrName>
+                                        </p:attrNameLst>
+                                      </p:cBhvr>
+                                      <p:to>
+                                        <p:strVal val="visible"/>
+                                      </p:to>
+                                    </p:set>
+                                    <p:animEffect transition="in" filter="fade">
+                                      <p:cBhvr>
+                                        <p:cTn id="7" dur="500"/>
+                                        <p:tgtEl>
+                                          <p:spTgt spid="7"/>
+                                        </p:tgtEl>
+                                      </p:cBhvr>
+                                    </p:animEffect>
+                                  </p:childTnLst>
+                                </p:cTn>
+                              </p:par>
+                            </p:childTnLst>
+                          </p:cTn>
+                        </p:par>
+                      </p:childTnLst>
+                    </p:cTn>
+                  </p:par>
+                </p:childTnLst>
+              </p:cTn>
+              <p:prevCondLst>
+                <p:cond evt="onPrev" delay="0">
+                  <p:tgtEl>
+                    <p:sldTgt/>
+                  </p:tgtEl>
+                </p:cond>
+              </p:prevCondLst>
+              <p:nextCondLst>
+                <p:cond evt="onNext" delay="0">
+                  <p:tgtEl>
+                    <p:sldTgt/>
+                  </p:tgtEl>
+                </p:cond>
+              </p:nextCondLst>
+            </p:seq>
+          </p:childTnLst>
+        </p:cTn>
       </p:par>
     </p:tnLst>
   </p:timing>
@@ -11785,12 +12326,8 @@
           <a:lstStyle/>
           <a:p>
             <a:r>
-              <a:rPr lang="en-US" dirty="0" err="1" smtClean="0"/>
-              <a:t>Kanban</a:t>
-            </a:r>
-            <a:r>
               <a:rPr lang="en-US" dirty="0" smtClean="0"/>
-              <a:t> principles</a:t>
+              <a:t>Scrum Principles</a:t>
             </a:r>
             <a:endParaRPr lang="en-US" dirty="0"/>
           </a:p>
@@ -11809,90 +12346,73 @@
         <p:spPr/>
         <p:txBody>
           <a:bodyPr anchor="ctr">
-            <a:normAutofit fontScale="92500" lnSpcReduction="10000"/>
+            <a:normAutofit lnSpcReduction="10000"/>
           </a:bodyPr>
           <a:lstStyle/>
           <a:p>
             <a:r>
               <a:rPr lang="en-US" dirty="0" smtClean="0"/>
-              <a:t>Start with what you do now</a:t>
-            </a:r>
-          </a:p>
-          <a:p>
+              <a:t>Reflection</a:t>
+            </a:r>
+          </a:p>
+          <a:p>
+            <a:pPr lvl="1"/>
+            <a:r>
+              <a:rPr lang="en-US" dirty="0" smtClean="0"/>
+              <a:t>Stop and review product &amp; process</a:t>
+            </a:r>
+          </a:p>
+          <a:p>
+            <a:pPr lvl="1"/>
             <a:endParaRPr lang="en-US" dirty="0" smtClean="0"/>
           </a:p>
           <a:p>
             <a:r>
               <a:rPr lang="en-US" dirty="0" smtClean="0"/>
-              <a:t>Agree to pursue incremental, evolutionary change</a:t>
-            </a:r>
-          </a:p>
-          <a:p>
+              <a:t>Self-correction</a:t>
+            </a:r>
+          </a:p>
+          <a:p>
+            <a:pPr lvl="1"/>
+            <a:r>
+              <a:rPr lang="en-US" dirty="0" smtClean="0"/>
+              <a:t>Based on reflection</a:t>
+            </a:r>
+          </a:p>
+          <a:p>
+            <a:pPr lvl="1"/>
             <a:endParaRPr lang="en-US" dirty="0" smtClean="0"/>
           </a:p>
           <a:p>
             <a:r>
               <a:rPr lang="en-US" dirty="0" smtClean="0"/>
-              <a:t>Respect the current process, roles, responsibilities and titles</a:t>
-            </a:r>
-          </a:p>
-          <a:p>
-            <a:endParaRPr lang="en-US" dirty="0" smtClean="0"/>
-          </a:p>
-          <a:p>
+              <a:t>Visibility</a:t>
+            </a:r>
+          </a:p>
+          <a:p>
+            <a:pPr lvl="1"/>
             <a:r>
               <a:rPr lang="en-US" dirty="0" smtClean="0"/>
-              <a:t>Leadership at all levels</a:t>
-            </a:r>
-            <a:endParaRPr lang="en-US" dirty="0"/>
-          </a:p>
-        </p:txBody>
-      </p:sp>
-      <p:sp>
-        <p:nvSpPr>
-          <p:cNvPr id="4" name="TextBox 3"/>
-          <p:cNvSpPr txBox="1"/>
-          <p:nvPr/>
-        </p:nvSpPr>
-        <p:spPr>
-          <a:xfrm>
-            <a:off x="5491093" y="5966808"/>
-            <a:ext cx="3442018" cy="369332"/>
-          </a:xfrm>
-          <a:prstGeom prst="rect">
-            <a:avLst/>
-          </a:prstGeom>
-          <a:noFill/>
-        </p:spPr>
-        <p:txBody>
-          <a:bodyPr wrap="none" rtlCol="0">
-            <a:spAutoFit/>
-          </a:bodyPr>
-          <a:lstStyle/>
-          <a:p>
-            <a:r>
-              <a:rPr lang="en-US" dirty="0" smtClean="0"/>
-              <a:t>The following is based on [KS2009]</a:t>
-            </a:r>
-            <a:endParaRPr lang="en-US" dirty="0"/>
+              <a:t>Everything is visible (=known) for all stakeholders, e.g. plans, schedules, issues, …</a:t>
+            </a:r>
           </a:p>
         </p:txBody>
       </p:sp>
     </p:spTree>
     <p:extLst>
       <p:ext uri="{BB962C8B-B14F-4D97-AF65-F5344CB8AC3E}">
-        <p14:creationId xmlns:p14="http://schemas.microsoft.com/office/powerpoint/2010/main" val="3438241937"/>
+        <p14:creationId xmlns:p14="http://schemas.microsoft.com/office/powerpoint/2010/main" val="785793645"/>
       </p:ext>
     </p:extLst>
   </p:cSld>
   <p:clrMapOvr>
     <a:masterClrMapping/>
   </p:clrMapOvr>
-  <mc:AlternateContent xmlns:mc="http://schemas.openxmlformats.org/markup-compatibility/2006">
-    <mc:Choice xmlns:p14="http://schemas.microsoft.com/office/powerpoint/2010/main" Requires="p14">
+  <mc:AlternateContent xmlns:mc="http://schemas.openxmlformats.org/markup-compatibility/2006" xmlns:p14="http://schemas.microsoft.com/office/powerpoint/2010/main">
+    <mc:Choice Requires="p14">
       <p:transition spd="slow" p14:dur="2000"/>
     </mc:Choice>
-    <mc:Fallback>
+    <mc:Fallback xmlns="">
       <p:transition spd="slow"/>
     </mc:Fallback>
   </mc:AlternateContent>
@@ -11939,12 +12459,8 @@
           <a:lstStyle/>
           <a:p>
             <a:r>
-              <a:rPr lang="en-US" dirty="0" err="1" smtClean="0"/>
-              <a:t>Kanban</a:t>
-            </a:r>
-            <a:r>
               <a:rPr lang="en-US" dirty="0" smtClean="0"/>
-              <a:t> core practices</a:t>
+              <a:t>Scrum practices</a:t>
             </a:r>
             <a:endParaRPr lang="en-US" dirty="0"/>
           </a:p>
@@ -11962,103 +12478,93 @@
         </p:nvSpPr>
         <p:spPr/>
         <p:txBody>
-          <a:bodyPr>
+          <a:bodyPr anchor="ctr">
             <a:normAutofit fontScale="70000" lnSpcReduction="20000"/>
           </a:bodyPr>
           <a:lstStyle/>
           <a:p>
             <a:r>
+              <a:rPr lang="en-US" dirty="0"/>
+              <a:t>Product backlog vs. Sprint </a:t>
+            </a:r>
+            <a:r>
               <a:rPr lang="en-US" dirty="0" smtClean="0"/>
-              <a:t>Visualize</a:t>
+              <a:t>backlog</a:t>
             </a:r>
           </a:p>
           <a:p>
             <a:pPr lvl="1"/>
+            <a:endParaRPr lang="en-US" dirty="0"/>
+          </a:p>
+          <a:p>
             <a:r>
               <a:rPr lang="en-US" dirty="0" smtClean="0"/>
-              <a:t>Visualization of workflow allows to understand and improve it</a:t>
-            </a:r>
-          </a:p>
-          <a:p>
+              <a:t>Sprint planning</a:t>
+            </a:r>
+          </a:p>
+          <a:p>
+            <a:pPr lvl="1"/>
+            <a:r>
+              <a:rPr lang="en-US" dirty="0"/>
+              <a:t>Planning poker: estimate cost</a:t>
+            </a:r>
+          </a:p>
+          <a:p>
+            <a:pPr lvl="1"/>
+            <a:r>
+              <a:rPr lang="en-US" dirty="0"/>
+              <a:t>ROI (Return on Investment): cost vs. </a:t>
+            </a:r>
             <a:r>
               <a:rPr lang="en-US" dirty="0" smtClean="0"/>
-              <a:t>Limit Work-in-Progress</a:t>
+              <a:t>benefit</a:t>
             </a:r>
           </a:p>
           <a:p>
             <a:pPr lvl="1"/>
+            <a:endParaRPr lang="en-US" dirty="0" smtClean="0"/>
+          </a:p>
+          <a:p>
             <a:r>
               <a:rPr lang="en-US" dirty="0" smtClean="0"/>
-              <a:t>Limit the amount of </a:t>
-            </a:r>
-            <a:r>
-              <a:rPr lang="en-US" dirty="0" err="1" smtClean="0"/>
-              <a:t>workitems</a:t>
+              <a:t>Retrospective</a:t>
+            </a:r>
+          </a:p>
+          <a:p>
+            <a:pPr lvl="1"/>
+            <a:endParaRPr lang="en-US" dirty="0" smtClean="0"/>
+          </a:p>
+          <a:p>
+            <a:r>
+              <a:rPr lang="en-US" dirty="0"/>
+              <a:t>Fixed sprint </a:t>
             </a:r>
             <a:r>
               <a:rPr lang="en-US" dirty="0" smtClean="0"/>
-              <a:t> for each step</a:t>
+              <a:t>length</a:t>
             </a:r>
           </a:p>
           <a:p>
             <a:pPr lvl="1"/>
+            <a:endParaRPr lang="en-US" dirty="0"/>
+          </a:p>
+          <a:p>
             <a:r>
               <a:rPr lang="en-US" dirty="0" smtClean="0"/>
-              <a:t>Introduce a pull-system</a:t>
-            </a:r>
+              <a:t>Burn-down charts</a:t>
+            </a:r>
+          </a:p>
+          <a:p>
+            <a:pPr lvl="1"/>
+            <a:endParaRPr lang="en-US" dirty="0" smtClean="0"/>
           </a:p>
           <a:p>
             <a:r>
               <a:rPr lang="en-US" dirty="0" smtClean="0"/>
-              <a:t>Manage flow</a:t>
-            </a:r>
-          </a:p>
-          <a:p>
-            <a:pPr lvl="1"/>
-            <a:r>
-              <a:rPr lang="en-US" dirty="0" smtClean="0"/>
-              <a:t>Measure how </a:t>
-            </a:r>
-            <a:r>
-              <a:rPr lang="en-US" dirty="0" err="1" smtClean="0"/>
-              <a:t>workitems</a:t>
-            </a:r>
-            <a:r>
-              <a:rPr lang="en-US" dirty="0" smtClean="0"/>
-              <a:t> flow through the process and understand, if a change improves the situation</a:t>
-            </a:r>
-          </a:p>
-          <a:p>
-            <a:r>
-              <a:rPr lang="en-US" dirty="0" smtClean="0"/>
-              <a:t>Make policies explicit</a:t>
-            </a:r>
-          </a:p>
-          <a:p>
-            <a:r>
-              <a:rPr lang="en-US" dirty="0" smtClean="0"/>
-              <a:t>Implement feedback loops</a:t>
-            </a:r>
-          </a:p>
-          <a:p>
-            <a:pPr lvl="1"/>
-            <a:r>
-              <a:rPr lang="en-US" dirty="0" smtClean="0"/>
-              <a:t>Understand (as a team) how good the process is working</a:t>
-            </a:r>
-          </a:p>
-          <a:p>
-            <a:r>
-              <a:rPr lang="en-US" dirty="0" smtClean="0"/>
-              <a:t>Improve collaboratively, evolve experimentally</a:t>
-            </a:r>
-          </a:p>
-          <a:p>
-            <a:pPr lvl="1"/>
-            <a:r>
-              <a:rPr lang="en-US" dirty="0" smtClean="0"/>
-              <a:t>Whole team needs to share a theory on why  (small) change helps</a:t>
-            </a:r>
+              <a:t>Daily scrum: no longer than 15min</a:t>
+            </a:r>
+          </a:p>
+          <a:p>
             <a:endParaRPr lang="en-US" dirty="0"/>
           </a:p>
         </p:txBody>
@@ -12066,18 +12572,18 @@
     </p:spTree>
     <p:extLst>
       <p:ext uri="{BB962C8B-B14F-4D97-AF65-F5344CB8AC3E}">
-        <p14:creationId xmlns:p14="http://schemas.microsoft.com/office/powerpoint/2010/main" val="2213735265"/>
+        <p14:creationId xmlns:p14="http://schemas.microsoft.com/office/powerpoint/2010/main" val="386566081"/>
       </p:ext>
     </p:extLst>
   </p:cSld>
   <p:clrMapOvr>
     <a:masterClrMapping/>
   </p:clrMapOvr>
-  <mc:AlternateContent xmlns:mc="http://schemas.openxmlformats.org/markup-compatibility/2006">
-    <mc:Choice xmlns:p14="http://schemas.microsoft.com/office/powerpoint/2010/main" Requires="p14">
+  <mc:AlternateContent xmlns:mc="http://schemas.openxmlformats.org/markup-compatibility/2006" xmlns:p14="http://schemas.microsoft.com/office/powerpoint/2010/main">
+    <mc:Choice Requires="p14">
       <p:transition spd="slow" p14:dur="2000"/>
     </mc:Choice>
-    <mc:Fallback>
+    <mc:Fallback xmlns="">
       <p:transition spd="slow"/>
     </mc:Fallback>
   </mc:AlternateContent>
@@ -12129,46 +12635,74 @@
             </a:r>
             <a:r>
               <a:rPr lang="en-US" dirty="0" smtClean="0"/>
-              <a:t>-Board</a:t>
+              <a:t> principles</a:t>
             </a:r>
             <a:endParaRPr lang="en-US" dirty="0"/>
           </a:p>
         </p:txBody>
       </p:sp>
-      <p:pic>
-        <p:nvPicPr>
-          <p:cNvPr id="4" name="Picture 3"/>
-          <p:cNvPicPr>
-            <a:picLocks noChangeAspect="1"/>
-          </p:cNvPicPr>
+      <p:sp>
+        <p:nvSpPr>
+          <p:cNvPr id="3" name="Content Placeholder 2"/>
+          <p:cNvSpPr>
+            <a:spLocks noGrp="1"/>
+          </p:cNvSpPr>
+          <p:nvPr>
+            <p:ph idx="1"/>
+          </p:nvPr>
+        </p:nvSpPr>
+        <p:spPr/>
+        <p:txBody>
+          <a:bodyPr anchor="ctr">
+            <a:normAutofit fontScale="92500" lnSpcReduction="10000"/>
+          </a:bodyPr>
+          <a:lstStyle/>
+          <a:p>
+            <a:r>
+              <a:rPr lang="en-US" dirty="0" smtClean="0"/>
+              <a:t>Start with what you do now</a:t>
+            </a:r>
+          </a:p>
+          <a:p>
+            <a:endParaRPr lang="en-US" dirty="0" smtClean="0"/>
+          </a:p>
+          <a:p>
+            <a:r>
+              <a:rPr lang="en-US" dirty="0" smtClean="0"/>
+              <a:t>Agree to pursue incremental, evolutionary change</a:t>
+            </a:r>
+          </a:p>
+          <a:p>
+            <a:endParaRPr lang="en-US" dirty="0" smtClean="0"/>
+          </a:p>
+          <a:p>
+            <a:r>
+              <a:rPr lang="en-US" dirty="0" smtClean="0"/>
+              <a:t>Respect the current process, roles, responsibilities and titles</a:t>
+            </a:r>
+          </a:p>
+          <a:p>
+            <a:endParaRPr lang="en-US" dirty="0" smtClean="0"/>
+          </a:p>
+          <a:p>
+            <a:r>
+              <a:rPr lang="en-US" dirty="0" smtClean="0"/>
+              <a:t>Leadership at all levels</a:t>
+            </a:r>
+            <a:endParaRPr lang="en-US" dirty="0"/>
+          </a:p>
+        </p:txBody>
+      </p:sp>
+      <p:sp>
+        <p:nvSpPr>
+          <p:cNvPr id="4" name="TextBox 3"/>
+          <p:cNvSpPr txBox="1"/>
           <p:nvPr/>
-        </p:nvPicPr>
-        <p:blipFill>
-          <a:blip r:embed="rId2"/>
-          <a:stretch>
-            <a:fillRect/>
-          </a:stretch>
-        </p:blipFill>
+        </p:nvSpPr>
         <p:spPr>
           <a:xfrm>
-            <a:off x="1244600" y="1955800"/>
-            <a:ext cx="6642561" cy="2933904"/>
-          </a:xfrm>
-          <a:prstGeom prst="rect">
-            <a:avLst/>
-          </a:prstGeom>
-        </p:spPr>
-      </p:pic>
-      <p:sp>
-        <p:nvSpPr>
-          <p:cNvPr id="5" name="TextBox 4"/>
-          <p:cNvSpPr txBox="1"/>
-          <p:nvPr/>
-        </p:nvSpPr>
-        <p:spPr>
-          <a:xfrm>
-            <a:off x="8123806" y="5966808"/>
-            <a:ext cx="1020194" cy="369332"/>
+            <a:off x="5491093" y="5966808"/>
+            <a:ext cx="3442018" cy="369332"/>
           </a:xfrm>
           <a:prstGeom prst="rect">
             <a:avLst/>
@@ -12183,7 +12717,7 @@
           <a:p>
             <a:r>
               <a:rPr lang="en-US" dirty="0" smtClean="0"/>
-              <a:t>[KS2009]</a:t>
+              <a:t>The following is based on [KS2009]</a:t>
             </a:r>
             <a:endParaRPr lang="en-US" dirty="0"/>
           </a:p>
@@ -12192,18 +12726,18 @@
     </p:spTree>
     <p:extLst>
       <p:ext uri="{BB962C8B-B14F-4D97-AF65-F5344CB8AC3E}">
-        <p14:creationId xmlns:p14="http://schemas.microsoft.com/office/powerpoint/2010/main" val="4151385008"/>
+        <p14:creationId xmlns:p14="http://schemas.microsoft.com/office/powerpoint/2010/main" val="3438241937"/>
       </p:ext>
     </p:extLst>
   </p:cSld>
   <p:clrMapOvr>
     <a:masterClrMapping/>
   </p:clrMapOvr>
-  <mc:AlternateContent xmlns:mc="http://schemas.openxmlformats.org/markup-compatibility/2006">
-    <mc:Choice xmlns:p14="http://schemas.microsoft.com/office/powerpoint/2010/main" Requires="p14">
+  <mc:AlternateContent xmlns:mc="http://schemas.openxmlformats.org/markup-compatibility/2006" xmlns:p14="http://schemas.microsoft.com/office/powerpoint/2010/main">
+    <mc:Choice Requires="p14">
       <p:transition spd="slow" p14:dur="2000"/>
     </mc:Choice>
-    <mc:Fallback>
+    <mc:Fallback xmlns="">
       <p:transition spd="slow"/>
     </mc:Fallback>
   </mc:AlternateContent>
@@ -12250,8 +12784,12 @@
           <a:lstStyle/>
           <a:p>
             <a:r>
+              <a:rPr lang="en-US" dirty="0" err="1" smtClean="0"/>
+              <a:t>Kanban</a:t>
+            </a:r>
+            <a:r>
               <a:rPr lang="en-US" dirty="0" smtClean="0"/>
-              <a:t>Limit work in progress</a:t>
+              <a:t> core practices</a:t>
             </a:r>
             <a:endParaRPr lang="en-US" dirty="0"/>
           </a:p>
@@ -12269,88 +12807,103 @@
         </p:nvSpPr>
         <p:spPr/>
         <p:txBody>
-          <a:bodyPr anchor="ctr">
-            <a:normAutofit lnSpcReduction="10000"/>
+          <a:bodyPr>
+            <a:normAutofit fontScale="70000" lnSpcReduction="20000"/>
           </a:bodyPr>
           <a:lstStyle/>
           <a:p>
             <a:r>
-              <a:rPr lang="en-US" dirty="0"/>
-              <a:t>P</a:t>
-            </a:r>
-            <a:r>
               <a:rPr lang="en-US" dirty="0" smtClean="0"/>
-              <a:t>revent </a:t>
-            </a:r>
-            <a:r>
-              <a:rPr lang="en-US" dirty="0"/>
-              <a:t>context switching </a:t>
+              <a:t>Visualize</a:t>
             </a:r>
           </a:p>
           <a:p>
             <a:pPr lvl="1"/>
             <a:r>
-              <a:rPr lang="en-US" dirty="0"/>
-              <a:t>Reduce multi-tasking </a:t>
+              <a:rPr lang="en-US" dirty="0" smtClean="0"/>
+              <a:t>Visualization of workflow allows to understand and improve it</a:t>
+            </a:r>
+          </a:p>
+          <a:p>
+            <a:r>
+              <a:rPr lang="en-US" dirty="0" smtClean="0"/>
+              <a:t>Limit Work-in-Progress</a:t>
             </a:r>
           </a:p>
           <a:p>
             <a:pPr lvl="1"/>
             <a:r>
-              <a:rPr lang="en-US" dirty="0"/>
-              <a:t>performing tasks sequentially yields results sooner </a:t>
-            </a:r>
-            <a:endParaRPr lang="en-US" dirty="0" smtClean="0"/>
+              <a:rPr lang="en-US" dirty="0" smtClean="0"/>
+              <a:t>Limit the amount of </a:t>
+            </a:r>
+            <a:r>
+              <a:rPr lang="en-US" dirty="0" err="1" smtClean="0"/>
+              <a:t>workitems</a:t>
+            </a:r>
+            <a:r>
+              <a:rPr lang="en-US" dirty="0" smtClean="0"/>
+              <a:t> for each step</a:t>
+            </a:r>
           </a:p>
           <a:p>
             <a:pPr lvl="1"/>
-            <a:endParaRPr lang="en-US" dirty="0"/>
-          </a:p>
-          <a:p>
             <a:r>
               <a:rPr lang="en-US" dirty="0" smtClean="0"/>
-              <a:t>Maximize throughput</a:t>
+              <a:t>Introduce a pull-system</a:t>
+            </a:r>
+          </a:p>
+          <a:p>
+            <a:r>
+              <a:rPr lang="en-US" dirty="0" smtClean="0"/>
+              <a:t>Manage flow</a:t>
             </a:r>
           </a:p>
           <a:p>
             <a:pPr lvl="1"/>
-            <a:endParaRPr lang="en-US" dirty="0" smtClean="0"/>
-          </a:p>
-          <a:p>
             <a:r>
               <a:rPr lang="en-US" dirty="0" smtClean="0"/>
-              <a:t>Enhance </a:t>
-            </a:r>
-            <a:r>
-              <a:rPr lang="en-US" dirty="0"/>
-              <a:t>teamwork </a:t>
-            </a:r>
-            <a:endParaRPr lang="en-US" dirty="0" smtClean="0"/>
+              <a:t>Measure how </a:t>
+            </a:r>
+            <a:r>
+              <a:rPr lang="en-US" dirty="0" err="1" smtClean="0"/>
+              <a:t>workitems</a:t>
+            </a:r>
+            <a:r>
+              <a:rPr lang="en-US" dirty="0" smtClean="0"/>
+              <a:t> flow through the process and understand, if a change improves the situation</a:t>
+            </a:r>
+          </a:p>
+          <a:p>
+            <a:r>
+              <a:rPr lang="en-US" dirty="0" smtClean="0"/>
+              <a:t>Make policies explicit</a:t>
+            </a:r>
+          </a:p>
+          <a:p>
+            <a:r>
+              <a:rPr lang="en-US" dirty="0" smtClean="0"/>
+              <a:t>Implement feedback loops</a:t>
+            </a:r>
           </a:p>
           <a:p>
             <a:pPr lvl="1"/>
             <a:r>
               <a:rPr lang="en-US" dirty="0" smtClean="0"/>
-              <a:t>working </a:t>
-            </a:r>
-            <a:r>
-              <a:rPr lang="en-US" dirty="0"/>
-              <a:t>together to make things done </a:t>
-            </a:r>
-            <a:endParaRPr lang="en-US" dirty="0" smtClean="0"/>
+              <a:t>Understand (as a team) how good the process is working</a:t>
+            </a:r>
+          </a:p>
+          <a:p>
+            <a:r>
+              <a:rPr lang="en-US" dirty="0" smtClean="0"/>
+              <a:t>Improve collaboratively, evolve experimentally</a:t>
+            </a:r>
           </a:p>
           <a:p>
             <a:pPr lvl="1"/>
             <a:r>
               <a:rPr lang="en-US" dirty="0" smtClean="0"/>
-              <a:t>increase </a:t>
-            </a:r>
-            <a:r>
-              <a:rPr lang="en-US" dirty="0"/>
-              <a:t>cross-functionality </a:t>
-            </a:r>
-          </a:p>
-          <a:p>
+              <a:t>Whole team needs to share a theory on why  (small) change helps</a:t>
+            </a:r>
             <a:endParaRPr lang="en-US" dirty="0"/>
           </a:p>
         </p:txBody>
@@ -12358,18 +12911,18 @@
     </p:spTree>
     <p:extLst>
       <p:ext uri="{BB962C8B-B14F-4D97-AF65-F5344CB8AC3E}">
-        <p14:creationId xmlns:p14="http://schemas.microsoft.com/office/powerpoint/2010/main" val="2988756832"/>
+        <p14:creationId xmlns:p14="http://schemas.microsoft.com/office/powerpoint/2010/main" val="2213735265"/>
       </p:ext>
     </p:extLst>
   </p:cSld>
   <p:clrMapOvr>
     <a:masterClrMapping/>
   </p:clrMapOvr>
-  <mc:AlternateContent xmlns:mc="http://schemas.openxmlformats.org/markup-compatibility/2006">
-    <mc:Choice xmlns:p14="http://schemas.microsoft.com/office/powerpoint/2010/main" Requires="p14">
+  <mc:AlternateContent xmlns:mc="http://schemas.openxmlformats.org/markup-compatibility/2006" xmlns:p14="http://schemas.microsoft.com/office/powerpoint/2010/main">
+    <mc:Choice Requires="p14">
       <p:transition spd="slow" p14:dur="2000"/>
     </mc:Choice>
-    <mc:Fallback>
+    <mc:Fallback xmlns="">
       <p:transition spd="slow"/>
     </mc:Fallback>
   </mc:AlternateContent>
@@ -12416,108 +12969,67 @@
           <a:lstStyle/>
           <a:p>
             <a:r>
+              <a:rPr lang="en-US" dirty="0" err="1" smtClean="0"/>
+              <a:t>Kanban</a:t>
+            </a:r>
+            <a:r>
               <a:rPr lang="en-US" dirty="0" smtClean="0"/>
-              <a:t>WIP Strategy</a:t>
+              <a:t>-Board</a:t>
             </a:r>
             <a:endParaRPr lang="en-US" dirty="0"/>
           </a:p>
         </p:txBody>
       </p:sp>
-      <p:sp>
-        <p:nvSpPr>
-          <p:cNvPr id="3" name="Content Placeholder 2"/>
-          <p:cNvSpPr>
-            <a:spLocks noGrp="1"/>
-          </p:cNvSpPr>
-          <p:nvPr>
-            <p:ph idx="1"/>
-          </p:nvPr>
-        </p:nvSpPr>
-        <p:spPr/>
-        <p:txBody>
-          <a:bodyPr anchor="ctr">
-            <a:normAutofit lnSpcReduction="10000"/>
+      <p:pic>
+        <p:nvPicPr>
+          <p:cNvPr id="4" name="Picture 3"/>
+          <p:cNvPicPr>
+            <a:picLocks noChangeAspect="1"/>
+          </p:cNvPicPr>
+          <p:nvPr/>
+        </p:nvPicPr>
+        <p:blipFill>
+          <a:blip r:embed="rId2"/>
+          <a:stretch>
+            <a:fillRect/>
+          </a:stretch>
+        </p:blipFill>
+        <p:spPr>
+          <a:xfrm>
+            <a:off x="1244600" y="1955800"/>
+            <a:ext cx="6642561" cy="2933904"/>
+          </a:xfrm>
+          <a:prstGeom prst="rect">
+            <a:avLst/>
+          </a:prstGeom>
+        </p:spPr>
+      </p:pic>
+      <p:sp>
+        <p:nvSpPr>
+          <p:cNvPr id="5" name="TextBox 4"/>
+          <p:cNvSpPr txBox="1"/>
+          <p:nvPr/>
+        </p:nvSpPr>
+        <p:spPr>
+          <a:xfrm>
+            <a:off x="8123806" y="5966808"/>
+            <a:ext cx="1020194" cy="369332"/>
+          </a:xfrm>
+          <a:prstGeom prst="rect">
+            <a:avLst/>
+          </a:prstGeom>
+          <a:noFill/>
+        </p:spPr>
+        <p:txBody>
+          <a:bodyPr wrap="none" rtlCol="0">
+            <a:spAutoFit/>
           </a:bodyPr>
           <a:lstStyle/>
           <a:p>
             <a:r>
               <a:rPr lang="en-US" dirty="0" smtClean="0"/>
-              <a:t>Start </a:t>
-            </a:r>
-            <a:r>
-              <a:rPr lang="en-US" dirty="0"/>
-              <a:t>with some initial value </a:t>
-            </a:r>
-            <a:endParaRPr lang="en-US" dirty="0" smtClean="0"/>
-          </a:p>
-          <a:p>
-            <a:pPr lvl="1"/>
-            <a:r>
-              <a:rPr lang="en-US" dirty="0"/>
-              <a:t>Small constant (1-3) </a:t>
-            </a:r>
-          </a:p>
-          <a:p>
-            <a:pPr lvl="1"/>
-            <a:r>
-              <a:rPr lang="en-US" dirty="0"/>
-              <a:t>number of developers </a:t>
-            </a:r>
-            <a:endParaRPr lang="en-US" dirty="0" smtClean="0"/>
-          </a:p>
-          <a:p>
-            <a:pPr lvl="1"/>
-            <a:r>
-              <a:rPr lang="en-US" dirty="0" smtClean="0"/>
-              <a:t>number </a:t>
-            </a:r>
-            <a:r>
-              <a:rPr lang="en-US" dirty="0"/>
-              <a:t>of testers </a:t>
-            </a:r>
-            <a:endParaRPr lang="en-US" dirty="0" smtClean="0"/>
-          </a:p>
-          <a:p>
-            <a:pPr lvl="1"/>
-            <a:endParaRPr lang="en-US" dirty="0" smtClean="0"/>
-          </a:p>
-          <a:p>
-            <a:r>
-              <a:rPr lang="en-US" dirty="0" smtClean="0"/>
-              <a:t>Measure </a:t>
-            </a:r>
-            <a:r>
-              <a:rPr lang="en-US" dirty="0"/>
-              <a:t>the cycle time </a:t>
-            </a:r>
-          </a:p>
-          <a:p>
-            <a:pPr lvl="1"/>
-            <a:r>
-              <a:rPr lang="en-US" dirty="0" smtClean="0"/>
-              <a:t>average </a:t>
-            </a:r>
-            <a:r>
-              <a:rPr lang="en-US" dirty="0"/>
-              <a:t>time of one piece full cycle flow </a:t>
-            </a:r>
-            <a:endParaRPr lang="en-US" dirty="0" smtClean="0"/>
-          </a:p>
-          <a:p>
-            <a:pPr lvl="1"/>
-            <a:endParaRPr lang="en-US" dirty="0"/>
-          </a:p>
-          <a:p>
-            <a:r>
-              <a:rPr lang="en-US" dirty="0" smtClean="0"/>
-              <a:t>Change </a:t>
-            </a:r>
-            <a:r>
-              <a:rPr lang="en-US" dirty="0"/>
-              <a:t>limit to decrease cycle time </a:t>
-            </a:r>
-          </a:p>
-          <a:p>
+              <a:t>[KS2009]</a:t>
+            </a:r>
             <a:endParaRPr lang="en-US" dirty="0"/>
           </a:p>
         </p:txBody>
@@ -12525,18 +13037,18 @@
     </p:spTree>
     <p:extLst>
       <p:ext uri="{BB962C8B-B14F-4D97-AF65-F5344CB8AC3E}">
-        <p14:creationId xmlns:p14="http://schemas.microsoft.com/office/powerpoint/2010/main" val="925384675"/>
+        <p14:creationId xmlns:p14="http://schemas.microsoft.com/office/powerpoint/2010/main" val="4151385008"/>
       </p:ext>
     </p:extLst>
   </p:cSld>
   <p:clrMapOvr>
     <a:masterClrMapping/>
   </p:clrMapOvr>
-  <mc:AlternateContent xmlns:mc="http://schemas.openxmlformats.org/markup-compatibility/2006">
-    <mc:Choice xmlns:p14="http://schemas.microsoft.com/office/powerpoint/2010/main" Requires="p14">
+  <mc:AlternateContent xmlns:mc="http://schemas.openxmlformats.org/markup-compatibility/2006" xmlns:p14="http://schemas.microsoft.com/office/powerpoint/2010/main">
+    <mc:Choice Requires="p14">
       <p:transition spd="slow" p14:dur="2000"/>
     </mc:Choice>
-    <mc:Fallback>
+    <mc:Fallback xmlns="">
       <p:transition spd="slow"/>
     </mc:Fallback>
   </mc:AlternateContent>
@@ -12584,7 +13096,7 @@
           <a:p>
             <a:r>
               <a:rPr lang="en-US" dirty="0" smtClean="0"/>
-              <a:t>Idle Members</a:t>
+              <a:t>Limit work in progress</a:t>
             </a:r>
             <a:endParaRPr lang="en-US" dirty="0"/>
           </a:p>
@@ -12603,29 +13115,35 @@
         <p:spPr/>
         <p:txBody>
           <a:bodyPr anchor="ctr">
-            <a:normAutofit fontScale="77500" lnSpcReduction="20000"/>
+            <a:normAutofit lnSpcReduction="10000"/>
           </a:bodyPr>
           <a:lstStyle/>
           <a:p>
             <a:r>
               <a:rPr lang="en-US" dirty="0"/>
-              <a:t>Can you help progress </a:t>
+              <a:t>P</a:t>
             </a:r>
             <a:r>
               <a:rPr lang="en-US" dirty="0" smtClean="0"/>
-              <a:t>an </a:t>
+              <a:t>revent </a:t>
             </a:r>
             <a:r>
               <a:rPr lang="en-US" dirty="0"/>
-              <a:t>existing </a:t>
-            </a:r>
-            <a:r>
-              <a:rPr lang="en-US" dirty="0" err="1"/>
-              <a:t>kanban</a:t>
-            </a:r>
+              <a:t>context switching </a:t>
+            </a:r>
+          </a:p>
+          <a:p>
+            <a:pPr lvl="1"/>
             <a:r>
               <a:rPr lang="en-US" dirty="0"/>
-              <a:t>? – Work on that. </a:t>
+              <a:t>Reduce multi-tasking </a:t>
+            </a:r>
+          </a:p>
+          <a:p>
+            <a:pPr lvl="1"/>
+            <a:r>
+              <a:rPr lang="en-US" dirty="0"/>
+              <a:t>performing tasks sequentially yields results sooner </a:t>
             </a:r>
             <a:endParaRPr lang="en-US" dirty="0" smtClean="0"/>
           </a:p>
@@ -12635,74 +13153,65 @@
           </a:p>
           <a:p>
             <a:r>
+              <a:rPr lang="en-US" dirty="0" smtClean="0"/>
+              <a:t>Maximize throughput</a:t>
+            </a:r>
+          </a:p>
+          <a:p>
+            <a:pPr lvl="1"/>
+            <a:endParaRPr lang="en-US" dirty="0" smtClean="0"/>
+          </a:p>
+          <a:p>
+            <a:r>
+              <a:rPr lang="en-US" dirty="0" smtClean="0"/>
+              <a:t>Enhance </a:t>
+            </a:r>
+            <a:r>
               <a:rPr lang="en-US" dirty="0"/>
-              <a:t>Don’t have the right skills? – Find the bottleneck and work to release it. </a:t>
+              <a:t>teamwork </a:t>
             </a:r>
             <a:endParaRPr lang="en-US" dirty="0" smtClean="0"/>
           </a:p>
           <a:p>
             <a:pPr lvl="1"/>
-            <a:endParaRPr lang="en-US" dirty="0"/>
-          </a:p>
-          <a:p>
+            <a:r>
+              <a:rPr lang="en-US" dirty="0" smtClean="0"/>
+              <a:t>working </a:t>
+            </a:r>
             <a:r>
               <a:rPr lang="en-US" dirty="0"/>
-              <a:t>Don’t have the right skills? – Pull in work from the queue. </a:t>
+              <a:t>together to make things done </a:t>
             </a:r>
             <a:endParaRPr lang="en-US" dirty="0" smtClean="0"/>
           </a:p>
           <a:p>
             <a:pPr lvl="1"/>
-            <a:endParaRPr lang="en-US" dirty="0"/>
-          </a:p>
-          <a:p>
+            <a:r>
+              <a:rPr lang="en-US" dirty="0" smtClean="0"/>
+              <a:t>increase </a:t>
+            </a:r>
             <a:r>
               <a:rPr lang="en-US" dirty="0"/>
-              <a:t>Can’t start anything in the queue? – Check if there </a:t>
-            </a:r>
-            <a:r>
-              <a:rPr lang="en-US" dirty="0" smtClean="0"/>
-              <a:t>is any </a:t>
-            </a:r>
-            <a:r>
-              <a:rPr lang="en-US" dirty="0"/>
-              <a:t>lower priority to start investigating. </a:t>
-            </a:r>
-            <a:endParaRPr lang="en-US" dirty="0" smtClean="0"/>
-          </a:p>
-          <a:p>
-            <a:pPr lvl="1"/>
-            <a:endParaRPr lang="en-US" dirty="0"/>
-          </a:p>
-          <a:p>
-            <a:r>
-              <a:rPr lang="en-US" dirty="0"/>
-              <a:t>There is nothing lower priority? – Find other interesting work (refactoring, tool automation, innovation). </a:t>
-            </a:r>
-          </a:p>
-          <a:p>
-            <a:pPr marL="0" indent="0">
-              <a:buNone/>
-            </a:pPr>
-            <a:endParaRPr lang="en-US" dirty="0"/>
+              <a:t>cross-functionality </a:t>
+            </a:r>
           </a:p>
         </p:txBody>
       </p:sp>
     </p:spTree>
     <p:extLst>
       <p:ext uri="{BB962C8B-B14F-4D97-AF65-F5344CB8AC3E}">
-        <p14:creationId xmlns:p14="http://schemas.microsoft.com/office/powerpoint/2010/main" val="279799318"/>
+        <p14:creationId xmlns:p14="http://schemas.microsoft.com/office/powerpoint/2010/main" val="2988756832"/>
       </p:ext>
     </p:extLst>
   </p:cSld>
   <p:clrMapOvr>
     <a:masterClrMapping/>
   </p:clrMapOvr>
-  <mc:AlternateContent xmlns:mc="http://schemas.openxmlformats.org/markup-compatibility/2006">
-    <mc:Choice xmlns:p14="http://schemas.microsoft.com/office/powerpoint/2010/main" Requires="p14">
+  <mc:AlternateContent xmlns:mc="http://schemas.openxmlformats.org/markup-compatibility/2006" xmlns:p14="http://schemas.microsoft.com/office/powerpoint/2010/main">
+    <mc:Choice Requires="p14">
       <p:transition spd="slow" p14:dur="2000"/>
     </mc:Choice>
-    <mc:Fallback>
+    <mc:Fallback xmlns="">
       <p:transition spd="slow"/>
     </mc:Fallback>
   </mc:AlternateContent>
@@ -12750,7 +13259,7 @@
           <a:p>
             <a:r>
               <a:rPr lang="en-US" dirty="0" smtClean="0"/>
-              <a:t>Metrics</a:t>
+              <a:t>WIP Strategy</a:t>
             </a:r>
             <a:endParaRPr lang="en-US" dirty="0"/>
           </a:p>
@@ -12769,18 +13278,46 @@
         <p:spPr/>
         <p:txBody>
           <a:bodyPr anchor="ctr">
-            <a:normAutofit fontScale="70000" lnSpcReduction="20000"/>
+            <a:normAutofit lnSpcReduction="10000"/>
           </a:bodyPr>
           <a:lstStyle/>
           <a:p>
             <a:r>
+              <a:rPr lang="en-US" dirty="0" smtClean="0"/>
+              <a:t>Start </a:t>
+            </a:r>
+            <a:r>
               <a:rPr lang="en-US" dirty="0"/>
-              <a:t>Stories in progress (</a:t>
-            </a:r>
+              <a:t>with some initial value </a:t>
+            </a:r>
+            <a:endParaRPr lang="en-US" dirty="0" smtClean="0"/>
+          </a:p>
+          <a:p>
+            <a:pPr lvl="1"/>
+            <a:r>
+              <a:rPr lang="en-US" dirty="0"/>
+              <a:t>Small constant (1-3) </a:t>
+            </a:r>
+          </a:p>
+          <a:p>
+            <a:pPr lvl="1"/>
+            <a:r>
+              <a:rPr lang="en-US" dirty="0"/>
+              <a:t>number of developers </a:t>
+            </a:r>
+            <a:endParaRPr lang="en-US" dirty="0" smtClean="0"/>
+          </a:p>
+          <a:p>
+            <a:pPr lvl="1"/>
             <a:r>
               <a:rPr lang="en-US" dirty="0" smtClean="0"/>
-              <a:t>SIP)</a:t>
-            </a:r>
+              <a:t>number </a:t>
+            </a:r>
+            <a:r>
+              <a:rPr lang="en-US" dirty="0"/>
+              <a:t>of testers </a:t>
+            </a:r>
+            <a:endParaRPr lang="en-US" dirty="0" smtClean="0"/>
           </a:p>
           <a:p>
             <a:pPr lvl="1"/>
@@ -12789,11 +13326,22 @@
           <a:p>
             <a:r>
               <a:rPr lang="en-US" dirty="0" smtClean="0"/>
-              <a:t>When </a:t>
+              <a:t>Measure </a:t>
             </a:r>
             <a:r>
               <a:rPr lang="en-US" dirty="0"/>
-              <a:t>story enters stories queue set entry date (ED) </a:t>
+              <a:t>the cycle time </a:t>
+            </a:r>
+          </a:p>
+          <a:p>
+            <a:pPr lvl="1"/>
+            <a:r>
+              <a:rPr lang="en-US" dirty="0" smtClean="0"/>
+              <a:t>average </a:t>
+            </a:r>
+            <a:r>
+              <a:rPr lang="en-US" dirty="0"/>
+              <a:t>time of one piece full cycle flow </a:t>
             </a:r>
             <a:endParaRPr lang="en-US" dirty="0" smtClean="0"/>
           </a:p>
@@ -12803,71 +13351,12 @@
           </a:p>
           <a:p>
             <a:r>
+              <a:rPr lang="en-US" dirty="0" smtClean="0"/>
+              <a:t>Change </a:t>
+            </a:r>
+            <a:r>
               <a:rPr lang="en-US" dirty="0"/>
-              <a:t>When story enters first process step set start processing date (SPD) </a:t>
-            </a:r>
-            <a:endParaRPr lang="en-US" dirty="0" smtClean="0"/>
-          </a:p>
-          <a:p>
-            <a:pPr lvl="1"/>
-            <a:endParaRPr lang="en-US" dirty="0"/>
-          </a:p>
-          <a:p>
-            <a:r>
-              <a:rPr lang="en-US" dirty="0" smtClean="0"/>
-              <a:t>When </a:t>
-            </a:r>
-            <a:r>
-              <a:rPr lang="en-US" dirty="0"/>
-              <a:t>story is done set finish date (FD) </a:t>
-            </a:r>
-            <a:endParaRPr lang="en-US" dirty="0" smtClean="0"/>
-          </a:p>
-          <a:p>
-            <a:pPr lvl="1"/>
-            <a:endParaRPr lang="en-US" dirty="0" smtClean="0"/>
-          </a:p>
-          <a:p>
-            <a:r>
-              <a:rPr lang="en-US" dirty="0" smtClean="0"/>
-              <a:t>Cycle </a:t>
-            </a:r>
-            <a:r>
-              <a:rPr lang="en-US" dirty="0"/>
-              <a:t>time (CT) = FD – </a:t>
-            </a:r>
-            <a:r>
-              <a:rPr lang="en-US" dirty="0" smtClean="0"/>
-              <a:t>SPD</a:t>
-            </a:r>
-          </a:p>
-          <a:p>
-            <a:pPr lvl="1"/>
-            <a:endParaRPr lang="en-US" dirty="0" smtClean="0"/>
-          </a:p>
-          <a:p>
-            <a:r>
-              <a:rPr lang="en-US" dirty="0" smtClean="0"/>
-              <a:t>Waiting </a:t>
-            </a:r>
-            <a:r>
-              <a:rPr lang="en-US" dirty="0"/>
-              <a:t>time (WT) = SPD – ED </a:t>
-            </a:r>
-            <a:endParaRPr lang="en-US" dirty="0" smtClean="0"/>
-          </a:p>
-          <a:p>
-            <a:pPr lvl="1"/>
-            <a:endParaRPr lang="en-US" dirty="0" smtClean="0"/>
-          </a:p>
-          <a:p>
-            <a:r>
-              <a:rPr lang="en-US" dirty="0" smtClean="0"/>
-              <a:t>Throughput </a:t>
-            </a:r>
-            <a:r>
-              <a:rPr lang="en-US" dirty="0"/>
-              <a:t>(T) = SIP / CT </a:t>
+              <a:t>limit to decrease cycle time </a:t>
             </a:r>
           </a:p>
         </p:txBody>
@@ -12875,18 +13364,18 @@
     </p:spTree>
     <p:extLst>
       <p:ext uri="{BB962C8B-B14F-4D97-AF65-F5344CB8AC3E}">
-        <p14:creationId xmlns:p14="http://schemas.microsoft.com/office/powerpoint/2010/main" val="2655759471"/>
+        <p14:creationId xmlns:p14="http://schemas.microsoft.com/office/powerpoint/2010/main" val="925384675"/>
       </p:ext>
     </p:extLst>
   </p:cSld>
   <p:clrMapOvr>
     <a:masterClrMapping/>
   </p:clrMapOvr>
-  <mc:AlternateContent xmlns:mc="http://schemas.openxmlformats.org/markup-compatibility/2006">
-    <mc:Choice xmlns:p14="http://schemas.microsoft.com/office/powerpoint/2010/main" Requires="p14">
+  <mc:AlternateContent xmlns:mc="http://schemas.openxmlformats.org/markup-compatibility/2006" xmlns:p14="http://schemas.microsoft.com/office/powerpoint/2010/main">
+    <mc:Choice Requires="p14">
       <p:transition spd="slow" p14:dur="2000"/>
     </mc:Choice>
-    <mc:Fallback>
+    <mc:Fallback xmlns="">
       <p:transition spd="slow"/>
     </mc:Fallback>
   </mc:AlternateContent>
@@ -12934,86 +13423,119 @@
           <a:p>
             <a:r>
               <a:rPr lang="en-US" dirty="0" smtClean="0"/>
-              <a:t>Example</a:t>
+              <a:t>Idle Members</a:t>
             </a:r>
             <a:endParaRPr lang="en-US" dirty="0"/>
           </a:p>
         </p:txBody>
       </p:sp>
-      <p:pic>
-        <p:nvPicPr>
-          <p:cNvPr id="4" name="Picture 3"/>
-          <p:cNvPicPr>
-            <a:picLocks noChangeAspect="1"/>
-          </p:cNvPicPr>
-          <p:nvPr/>
-        </p:nvPicPr>
-        <p:blipFill rotWithShape="1">
-          <a:blip r:embed="rId2" cstate="print">
-            <a:extLst>
-              <a:ext uri="{28A0092B-C50C-407E-A947-70E740481C1C}">
-                <a14:useLocalDpi xmlns:a14="http://schemas.microsoft.com/office/drawing/2010/main"/>
-              </a:ext>
-            </a:extLst>
-          </a:blip>
-          <a:srcRect/>
-          <a:stretch/>
-        </p:blipFill>
-        <p:spPr>
-          <a:xfrm>
-            <a:off x="1175921" y="844354"/>
-            <a:ext cx="6706195" cy="2762446"/>
-          </a:xfrm>
-          <a:prstGeom prst="rect">
-            <a:avLst/>
-          </a:prstGeom>
-        </p:spPr>
-      </p:pic>
-      <p:sp>
-        <p:nvSpPr>
-          <p:cNvPr id="5" name="TextBox 4"/>
-          <p:cNvSpPr txBox="1"/>
-          <p:nvPr/>
-        </p:nvSpPr>
-        <p:spPr>
-          <a:xfrm>
-            <a:off x="8123806" y="5966808"/>
-            <a:ext cx="1020194" cy="369332"/>
-          </a:xfrm>
-          <a:prstGeom prst="rect">
-            <a:avLst/>
-          </a:prstGeom>
-          <a:noFill/>
-        </p:spPr>
-        <p:txBody>
-          <a:bodyPr wrap="none" rtlCol="0">
-            <a:spAutoFit/>
+      <p:sp>
+        <p:nvSpPr>
+          <p:cNvPr id="3" name="Content Placeholder 2"/>
+          <p:cNvSpPr>
+            <a:spLocks noGrp="1"/>
+          </p:cNvSpPr>
+          <p:nvPr>
+            <p:ph idx="1"/>
+          </p:nvPr>
+        </p:nvSpPr>
+        <p:spPr/>
+        <p:txBody>
+          <a:bodyPr anchor="ctr">
+            <a:normAutofit fontScale="77500" lnSpcReduction="20000"/>
           </a:bodyPr>
           <a:lstStyle/>
           <a:p>
             <a:r>
+              <a:rPr lang="en-US" dirty="0"/>
+              <a:t>Can you help progress </a:t>
+            </a:r>
+            <a:r>
               <a:rPr lang="en-US" dirty="0" smtClean="0"/>
-              <a:t>[KS2009]</a:t>
-            </a:r>
+              <a:t>an </a:t>
+            </a:r>
+            <a:r>
+              <a:rPr lang="en-US" dirty="0"/>
+              <a:t>existing </a:t>
+            </a:r>
+            <a:r>
+              <a:rPr lang="en-US" dirty="0" err="1"/>
+              <a:t>kanban</a:t>
+            </a:r>
+            <a:r>
+              <a:rPr lang="en-US" dirty="0"/>
+              <a:t>? – Work on that. </a:t>
+            </a:r>
+            <a:endParaRPr lang="en-US" dirty="0" smtClean="0"/>
+          </a:p>
+          <a:p>
+            <a:pPr lvl="1"/>
             <a:endParaRPr lang="en-US" dirty="0"/>
+          </a:p>
+          <a:p>
+            <a:r>
+              <a:rPr lang="en-US" dirty="0"/>
+              <a:t>Don’t have the right skills? – Find the bottleneck and work to release it. </a:t>
+            </a:r>
+            <a:endParaRPr lang="en-US" dirty="0" smtClean="0"/>
+          </a:p>
+          <a:p>
+            <a:pPr lvl="1"/>
+            <a:endParaRPr lang="en-US" dirty="0"/>
+          </a:p>
+          <a:p>
+            <a:r>
+              <a:rPr lang="en-US" dirty="0"/>
+              <a:t>Don’t have the right skills? – Pull in work from the queue. </a:t>
+            </a:r>
+            <a:endParaRPr lang="en-US" dirty="0" smtClean="0"/>
+          </a:p>
+          <a:p>
+            <a:pPr lvl="1"/>
+            <a:endParaRPr lang="en-US" dirty="0"/>
+          </a:p>
+          <a:p>
+            <a:r>
+              <a:rPr lang="en-US" dirty="0"/>
+              <a:t>Can’t start anything in the queue? – Check if there </a:t>
+            </a:r>
+            <a:r>
+              <a:rPr lang="en-US" dirty="0" smtClean="0"/>
+              <a:t>is any </a:t>
+            </a:r>
+            <a:r>
+              <a:rPr lang="en-US" dirty="0"/>
+              <a:t>lower priority to start investigating. </a:t>
+            </a:r>
+            <a:endParaRPr lang="en-US" dirty="0" smtClean="0"/>
+          </a:p>
+          <a:p>
+            <a:pPr lvl="1"/>
+            <a:endParaRPr lang="en-US" dirty="0"/>
+          </a:p>
+          <a:p>
+            <a:r>
+              <a:rPr lang="en-US" dirty="0"/>
+              <a:t>There is nothing lower priority? – Find other interesting work (refactoring, tool automation, innovation). </a:t>
+            </a:r>
           </a:p>
         </p:txBody>
       </p:sp>
     </p:spTree>
     <p:extLst>
       <p:ext uri="{BB962C8B-B14F-4D97-AF65-F5344CB8AC3E}">
-        <p14:creationId xmlns:p14="http://schemas.microsoft.com/office/powerpoint/2010/main" val="941601828"/>
+        <p14:creationId xmlns:p14="http://schemas.microsoft.com/office/powerpoint/2010/main" val="279799318"/>
       </p:ext>
     </p:extLst>
   </p:cSld>
   <p:clrMapOvr>
     <a:masterClrMapping/>
   </p:clrMapOvr>
-  <mc:AlternateContent xmlns:mc="http://schemas.openxmlformats.org/markup-compatibility/2006">
-    <mc:Choice xmlns:p14="http://schemas.microsoft.com/office/powerpoint/2010/main" Requires="p14">
+  <mc:AlternateContent xmlns:mc="http://schemas.openxmlformats.org/markup-compatibility/2006" xmlns:p14="http://schemas.microsoft.com/office/powerpoint/2010/main">
+    <mc:Choice Requires="p14">
       <p:transition spd="slow" p14:dur="2000"/>
     </mc:Choice>
-    <mc:Fallback>
+    <mc:Fallback xmlns="">
       <p:transition spd="slow"/>
     </mc:Fallback>
   </mc:AlternateContent>
@@ -13078,61 +13600,39 @@
           </p:nvPr>
         </p:nvSpPr>
         <p:spPr>
-          <a:solidFill>
-            <a:srgbClr val="FFFF00"/>
-          </a:solidFill>
+          <a:noFill/>
         </p:spPr>
         <p:txBody>
-          <a:bodyPr/>
-          <a:lstStyle/>
-          <a:p>
-            <a:r>
-              <a:rPr lang="en-US" dirty="0" smtClean="0"/>
-              <a:t>Challenge lab</a:t>
-            </a:r>
-          </a:p>
-          <a:p>
-            <a:endParaRPr lang="en-US" dirty="0"/>
-          </a:p>
-          <a:p>
-            <a:r>
-              <a:rPr lang="en-US" dirty="0" smtClean="0"/>
-              <a:t>Optional workshop on </a:t>
-            </a:r>
-            <a:r>
-              <a:rPr lang="en-US" dirty="0" err="1" smtClean="0"/>
-              <a:t>Git</a:t>
-            </a:r>
-            <a:r>
-              <a:rPr lang="en-US" dirty="0" smtClean="0"/>
-              <a:t> / </a:t>
-            </a:r>
-            <a:r>
-              <a:rPr lang="en-US" dirty="0" err="1" smtClean="0"/>
-              <a:t>Github</a:t>
-            </a:r>
-            <a:r>
-              <a:rPr lang="en-US" dirty="0" smtClean="0"/>
-              <a:t> / Android on Thursday, 2016-04-21?</a:t>
+          <a:bodyPr>
+            <a:normAutofit/>
+          </a:bodyPr>
+          <a:lstStyle/>
+          <a:p>
+            <a:r>
+              <a:rPr lang="en-US" sz="2800" dirty="0" smtClean="0"/>
+              <a:t>Some students have joined late. Please register for group work:</a:t>
             </a:r>
           </a:p>
           <a:p>
             <a:pPr lvl="1"/>
             <a:r>
-              <a:rPr lang="en-US" dirty="0" smtClean="0"/>
-              <a:t>Please indicate interest (now, email, or via course representatives)</a:t>
-            </a:r>
+              <a:rPr lang="en-US" sz="2400" dirty="0">
+                <a:hlinkClick r:id="rId2" tooltip="Ctrl+Click or tap to follow the link"/>
+              </a:rPr>
+              <a:t>https://www.surveymonkey.com/r/EDA_397_2017</a:t>
+            </a:r>
+            <a:endParaRPr lang="en-US" sz="2400" dirty="0" smtClean="0"/>
           </a:p>
           <a:p>
             <a:pPr lvl="1"/>
-            <a:endParaRPr lang="en-US" dirty="0"/>
-          </a:p>
-          <a:p>
-            <a:r>
-              <a:rPr lang="en-US" dirty="0" smtClean="0"/>
+            <a:endParaRPr lang="en-US" sz="2400" dirty="0"/>
+          </a:p>
+          <a:p>
+            <a:r>
+              <a:rPr lang="en-US" sz="2800" dirty="0" smtClean="0"/>
               <a:t>Any Roadblocks?</a:t>
             </a:r>
-            <a:endParaRPr lang="en-US" dirty="0"/>
+            <a:endParaRPr lang="en-US" sz="2800" dirty="0"/>
           </a:p>
         </p:txBody>
       </p:sp>
@@ -13146,11 +13646,11 @@
   <p:clrMapOvr>
     <a:masterClrMapping/>
   </p:clrMapOvr>
-  <mc:AlternateContent xmlns:mc="http://schemas.openxmlformats.org/markup-compatibility/2006">
-    <mc:Choice xmlns:p14="http://schemas.microsoft.com/office/powerpoint/2010/main" Requires="p14">
+  <mc:AlternateContent xmlns:mc="http://schemas.openxmlformats.org/markup-compatibility/2006" xmlns:p14="http://schemas.microsoft.com/office/powerpoint/2010/main">
+    <mc:Choice Requires="p14">
       <p:transition spd="slow" p14:dur="2000"/>
     </mc:Choice>
-    <mc:Fallback>
+    <mc:Fallback xmlns="">
       <p:transition spd="slow"/>
     </mc:Fallback>
   </mc:AlternateContent>
@@ -13191,81 +13691,143 @@
           <a:p>
             <a:r>
               <a:rPr lang="en-US" dirty="0" smtClean="0"/>
-              <a:t>Example</a:t>
+              <a:t>Metrics</a:t>
             </a:r>
             <a:endParaRPr lang="en-US" dirty="0"/>
           </a:p>
         </p:txBody>
       </p:sp>
-      <p:pic>
-        <p:nvPicPr>
-          <p:cNvPr id="4" name="Picture 3"/>
-          <p:cNvPicPr>
-            <a:picLocks noChangeAspect="1"/>
-          </p:cNvPicPr>
-          <p:nvPr/>
-        </p:nvPicPr>
-        <p:blipFill>
-          <a:blip r:embed="rId2"/>
-          <a:stretch>
-            <a:fillRect/>
-          </a:stretch>
-        </p:blipFill>
-        <p:spPr>
-          <a:xfrm>
-            <a:off x="1175921" y="844354"/>
-            <a:ext cx="6706195" cy="5400000"/>
-          </a:xfrm>
-          <a:prstGeom prst="rect">
-            <a:avLst/>
-          </a:prstGeom>
-        </p:spPr>
-      </p:pic>
-      <p:sp>
-        <p:nvSpPr>
-          <p:cNvPr id="5" name="TextBox 4"/>
-          <p:cNvSpPr txBox="1"/>
-          <p:nvPr/>
-        </p:nvSpPr>
-        <p:spPr>
-          <a:xfrm>
-            <a:off x="8123806" y="5966808"/>
-            <a:ext cx="1020194" cy="369332"/>
-          </a:xfrm>
-          <a:prstGeom prst="rect">
-            <a:avLst/>
-          </a:prstGeom>
-          <a:noFill/>
-        </p:spPr>
-        <p:txBody>
-          <a:bodyPr wrap="none" rtlCol="0">
-            <a:spAutoFit/>
+      <p:sp>
+        <p:nvSpPr>
+          <p:cNvPr id="3" name="Content Placeholder 2"/>
+          <p:cNvSpPr>
+            <a:spLocks noGrp="1"/>
+          </p:cNvSpPr>
+          <p:nvPr>
+            <p:ph idx="1"/>
+          </p:nvPr>
+        </p:nvSpPr>
+        <p:spPr/>
+        <p:txBody>
+          <a:bodyPr anchor="ctr">
+            <a:normAutofit fontScale="70000" lnSpcReduction="20000"/>
           </a:bodyPr>
           <a:lstStyle/>
           <a:p>
             <a:r>
+              <a:rPr lang="en-US" dirty="0"/>
+              <a:t>Stories in progress (</a:t>
+            </a:r>
+            <a:r>
               <a:rPr lang="en-US" dirty="0" smtClean="0"/>
-              <a:t>[KS2009]</a:t>
-            </a:r>
+              <a:t>SIP)</a:t>
+            </a:r>
+          </a:p>
+          <a:p>
+            <a:pPr lvl="1"/>
+            <a:endParaRPr lang="en-US" dirty="0" smtClean="0"/>
+          </a:p>
+          <a:p>
+            <a:r>
+              <a:rPr lang="en-US" dirty="0" smtClean="0"/>
+              <a:t>When </a:t>
+            </a:r>
+            <a:r>
+              <a:rPr lang="en-US" dirty="0"/>
+              <a:t>story enters stories queue set entry date (ED) </a:t>
+            </a:r>
+            <a:endParaRPr lang="en-US" dirty="0" smtClean="0"/>
+          </a:p>
+          <a:p>
+            <a:pPr lvl="1"/>
             <a:endParaRPr lang="en-US" dirty="0"/>
+          </a:p>
+          <a:p>
+            <a:r>
+              <a:rPr lang="en-US" dirty="0"/>
+              <a:t>When story enters first process step set start processing date (SPD) </a:t>
+            </a:r>
+            <a:endParaRPr lang="en-US" dirty="0" smtClean="0"/>
+          </a:p>
+          <a:p>
+            <a:pPr lvl="1"/>
+            <a:endParaRPr lang="en-US" dirty="0"/>
+          </a:p>
+          <a:p>
+            <a:r>
+              <a:rPr lang="en-US" dirty="0" smtClean="0"/>
+              <a:t>When </a:t>
+            </a:r>
+            <a:r>
+              <a:rPr lang="en-US" dirty="0"/>
+              <a:t>story is done set finish date (FD) </a:t>
+            </a:r>
+            <a:endParaRPr lang="en-US" dirty="0" smtClean="0"/>
+          </a:p>
+          <a:p>
+            <a:pPr lvl="1"/>
+            <a:endParaRPr lang="en-US" dirty="0" smtClean="0"/>
+          </a:p>
+          <a:p>
+            <a:r>
+              <a:rPr lang="en-US" dirty="0" smtClean="0"/>
+              <a:t>Cycle </a:t>
+            </a:r>
+            <a:r>
+              <a:rPr lang="en-US" dirty="0"/>
+              <a:t>time (CT) = FD – </a:t>
+            </a:r>
+            <a:r>
+              <a:rPr lang="en-US" dirty="0" smtClean="0"/>
+              <a:t>SPD</a:t>
+            </a:r>
+          </a:p>
+          <a:p>
+            <a:pPr lvl="1"/>
+            <a:endParaRPr lang="en-US" dirty="0" smtClean="0"/>
+          </a:p>
+          <a:p>
+            <a:r>
+              <a:rPr lang="en-US" dirty="0" smtClean="0"/>
+              <a:t>Waiting </a:t>
+            </a:r>
+            <a:r>
+              <a:rPr lang="en-US" dirty="0"/>
+              <a:t>time (WT) = SPD – ED </a:t>
+            </a:r>
+            <a:endParaRPr lang="en-US" dirty="0" smtClean="0"/>
+          </a:p>
+          <a:p>
+            <a:pPr lvl="1"/>
+            <a:endParaRPr lang="en-US" dirty="0" smtClean="0"/>
+          </a:p>
+          <a:p>
+            <a:r>
+              <a:rPr lang="en-US" dirty="0" smtClean="0"/>
+              <a:t>Throughput </a:t>
+            </a:r>
+            <a:r>
+              <a:rPr lang="en-US" dirty="0"/>
+              <a:t>(T) = SIP / CT </a:t>
+            </a:r>
           </a:p>
         </p:txBody>
       </p:sp>
     </p:spTree>
     <p:extLst>
       <p:ext uri="{BB962C8B-B14F-4D97-AF65-F5344CB8AC3E}">
-        <p14:creationId xmlns:p14="http://schemas.microsoft.com/office/powerpoint/2010/main" val="3619360232"/>
+        <p14:creationId xmlns:p14="http://schemas.microsoft.com/office/powerpoint/2010/main" val="2655759471"/>
       </p:ext>
     </p:extLst>
   </p:cSld>
   <p:clrMapOvr>
     <a:masterClrMapping/>
   </p:clrMapOvr>
-  <mc:AlternateContent xmlns:mc="http://schemas.openxmlformats.org/markup-compatibility/2006">
-    <mc:Choice xmlns:p14="http://schemas.microsoft.com/office/powerpoint/2010/main" Requires="p14">
+  <mc:AlternateContent xmlns:mc="http://schemas.openxmlformats.org/markup-compatibility/2006" xmlns:p14="http://schemas.microsoft.com/office/powerpoint/2010/main">
+    <mc:Choice Requires="p14">
       <p:transition spd="slow" p14:dur="2000"/>
     </mc:Choice>
-    <mc:Fallback>
+    <mc:Fallback xmlns="">
       <p:transition spd="slow"/>
     </mc:Fallback>
   </mc:AlternateContent>
@@ -13340,8 +13902,8 @@
         </p:blipFill>
         <p:spPr>
           <a:xfrm>
-            <a:off x="1042695" y="844354"/>
-            <a:ext cx="6832176" cy="2686246"/>
+            <a:off x="1218902" y="1328197"/>
+            <a:ext cx="6706195" cy="2762446"/>
           </a:xfrm>
           <a:prstGeom prst="rect">
             <a:avLst/>
@@ -13381,18 +13943,18 @@
     </p:spTree>
     <p:extLst>
       <p:ext uri="{BB962C8B-B14F-4D97-AF65-F5344CB8AC3E}">
-        <p14:creationId xmlns:p14="http://schemas.microsoft.com/office/powerpoint/2010/main" val="1008110595"/>
+        <p14:creationId xmlns:p14="http://schemas.microsoft.com/office/powerpoint/2010/main" val="941601828"/>
       </p:ext>
     </p:extLst>
   </p:cSld>
   <p:clrMapOvr>
     <a:masterClrMapping/>
   </p:clrMapOvr>
-  <mc:AlternateContent xmlns:mc="http://schemas.openxmlformats.org/markup-compatibility/2006">
-    <mc:Choice xmlns:p14="http://schemas.microsoft.com/office/powerpoint/2010/main" Requires="p14">
+  <mc:AlternateContent xmlns:mc="http://schemas.openxmlformats.org/markup-compatibility/2006" xmlns:p14="http://schemas.microsoft.com/office/powerpoint/2010/main">
+    <mc:Choice Requires="p14">
       <p:transition spd="slow" p14:dur="2000"/>
     </mc:Choice>
-    <mc:Fallback>
+    <mc:Fallback xmlns="">
       <p:transition spd="slow"/>
     </mc:Fallback>
   </mc:AlternateContent>
@@ -13462,8 +14024,8 @@
         </p:blipFill>
         <p:spPr>
           <a:xfrm>
-            <a:off x="1042695" y="844354"/>
-            <a:ext cx="6832176" cy="5400000"/>
+            <a:off x="1218902" y="1328197"/>
+            <a:ext cx="6706195" cy="5400000"/>
           </a:xfrm>
           <a:prstGeom prst="rect">
             <a:avLst/>
@@ -13503,18 +14065,18 @@
     </p:spTree>
     <p:extLst>
       <p:ext uri="{BB962C8B-B14F-4D97-AF65-F5344CB8AC3E}">
-        <p14:creationId xmlns:p14="http://schemas.microsoft.com/office/powerpoint/2010/main" val="3545303850"/>
+        <p14:creationId xmlns:p14="http://schemas.microsoft.com/office/powerpoint/2010/main" val="3619360232"/>
       </p:ext>
     </p:extLst>
   </p:cSld>
   <p:clrMapOvr>
     <a:masterClrMapping/>
   </p:clrMapOvr>
-  <mc:AlternateContent xmlns:mc="http://schemas.openxmlformats.org/markup-compatibility/2006">
-    <mc:Choice xmlns:p14="http://schemas.microsoft.com/office/powerpoint/2010/main" Requires="p14">
+  <mc:AlternateContent xmlns:mc="http://schemas.openxmlformats.org/markup-compatibility/2006" xmlns:p14="http://schemas.microsoft.com/office/powerpoint/2010/main">
+    <mc:Choice Requires="p14">
       <p:transition spd="slow" p14:dur="2000"/>
     </mc:Choice>
-    <mc:Fallback>
+    <mc:Fallback xmlns="">
       <p:transition spd="slow"/>
     </mc:Fallback>
   </mc:AlternateContent>
@@ -13589,8 +14151,8 @@
         </p:blipFill>
         <p:spPr>
           <a:xfrm>
-            <a:off x="1234488" y="871916"/>
-            <a:ext cx="6678039" cy="2664586"/>
+            <a:off x="1155912" y="1328197"/>
+            <a:ext cx="6832176" cy="2686246"/>
           </a:xfrm>
           <a:prstGeom prst="rect">
             <a:avLst/>
@@ -13630,18 +14192,18 @@
     </p:spTree>
     <p:extLst>
       <p:ext uri="{BB962C8B-B14F-4D97-AF65-F5344CB8AC3E}">
-        <p14:creationId xmlns:p14="http://schemas.microsoft.com/office/powerpoint/2010/main" val="835423755"/>
+        <p14:creationId xmlns:p14="http://schemas.microsoft.com/office/powerpoint/2010/main" val="1008110595"/>
       </p:ext>
     </p:extLst>
   </p:cSld>
   <p:clrMapOvr>
     <a:masterClrMapping/>
   </p:clrMapOvr>
-  <mc:AlternateContent xmlns:mc="http://schemas.openxmlformats.org/markup-compatibility/2006">
-    <mc:Choice xmlns:p14="http://schemas.microsoft.com/office/powerpoint/2010/main" Requires="p14">
+  <mc:AlternateContent xmlns:mc="http://schemas.openxmlformats.org/markup-compatibility/2006" xmlns:p14="http://schemas.microsoft.com/office/powerpoint/2010/main">
+    <mc:Choice Requires="p14">
       <p:transition spd="slow" p14:dur="2000"/>
     </mc:Choice>
-    <mc:Fallback>
+    <mc:Fallback xmlns="">
       <p:transition spd="slow"/>
     </mc:Fallback>
   </mc:AlternateContent>
@@ -13711,8 +14273,8 @@
         </p:blipFill>
         <p:spPr>
           <a:xfrm>
-            <a:off x="1234488" y="871916"/>
-            <a:ext cx="6678039" cy="5400000"/>
+            <a:off x="1155912" y="1328197"/>
+            <a:ext cx="6832176" cy="5400000"/>
           </a:xfrm>
           <a:prstGeom prst="rect">
             <a:avLst/>
@@ -13752,18 +14314,18 @@
     </p:spTree>
     <p:extLst>
       <p:ext uri="{BB962C8B-B14F-4D97-AF65-F5344CB8AC3E}">
-        <p14:creationId xmlns:p14="http://schemas.microsoft.com/office/powerpoint/2010/main" val="3688877751"/>
+        <p14:creationId xmlns:p14="http://schemas.microsoft.com/office/powerpoint/2010/main" val="3545303850"/>
       </p:ext>
     </p:extLst>
   </p:cSld>
   <p:clrMapOvr>
     <a:masterClrMapping/>
   </p:clrMapOvr>
-  <mc:AlternateContent xmlns:mc="http://schemas.openxmlformats.org/markup-compatibility/2006">
-    <mc:Choice xmlns:p14="http://schemas.microsoft.com/office/powerpoint/2010/main" Requires="p14">
+  <mc:AlternateContent xmlns:mc="http://schemas.openxmlformats.org/markup-compatibility/2006" xmlns:p14="http://schemas.microsoft.com/office/powerpoint/2010/main">
+    <mc:Choice Requires="p14">
       <p:transition spd="slow" p14:dur="2000"/>
     </mc:Choice>
-    <mc:Fallback>
+    <mc:Fallback xmlns="">
       <p:transition spd="slow"/>
     </mc:Fallback>
   </mc:AlternateContent>
@@ -13838,8 +14400,8 @@
         </p:blipFill>
         <p:spPr>
           <a:xfrm>
-            <a:off x="1238073" y="855638"/>
-            <a:ext cx="6684074" cy="2696940"/>
+            <a:off x="1232980" y="1328197"/>
+            <a:ext cx="6678039" cy="2664586"/>
           </a:xfrm>
           <a:prstGeom prst="rect">
             <a:avLst/>
@@ -13879,18 +14441,18 @@
     </p:spTree>
     <p:extLst>
       <p:ext uri="{BB962C8B-B14F-4D97-AF65-F5344CB8AC3E}">
-        <p14:creationId xmlns:p14="http://schemas.microsoft.com/office/powerpoint/2010/main" val="1915508937"/>
+        <p14:creationId xmlns:p14="http://schemas.microsoft.com/office/powerpoint/2010/main" val="835423755"/>
       </p:ext>
     </p:extLst>
   </p:cSld>
   <p:clrMapOvr>
     <a:masterClrMapping/>
   </p:clrMapOvr>
-  <mc:AlternateContent xmlns:mc="http://schemas.openxmlformats.org/markup-compatibility/2006">
-    <mc:Choice xmlns:p14="http://schemas.microsoft.com/office/powerpoint/2010/main" Requires="p14">
+  <mc:AlternateContent xmlns:mc="http://schemas.openxmlformats.org/markup-compatibility/2006" xmlns:p14="http://schemas.microsoft.com/office/powerpoint/2010/main">
+    <mc:Choice Requires="p14">
       <p:transition spd="slow" p14:dur="2000"/>
     </mc:Choice>
-    <mc:Fallback>
+    <mc:Fallback xmlns="">
       <p:transition spd="slow"/>
     </mc:Fallback>
   </mc:AlternateContent>
@@ -13960,8 +14522,8 @@
         </p:blipFill>
         <p:spPr>
           <a:xfrm>
-            <a:off x="1238073" y="855637"/>
-            <a:ext cx="6684074" cy="5399999"/>
+            <a:off x="1232980" y="1328197"/>
+            <a:ext cx="6678039" cy="5400000"/>
           </a:xfrm>
           <a:prstGeom prst="rect">
             <a:avLst/>
@@ -14001,18 +14563,18 @@
     </p:spTree>
     <p:extLst>
       <p:ext uri="{BB962C8B-B14F-4D97-AF65-F5344CB8AC3E}">
-        <p14:creationId xmlns:p14="http://schemas.microsoft.com/office/powerpoint/2010/main" val="3774077798"/>
+        <p14:creationId xmlns:p14="http://schemas.microsoft.com/office/powerpoint/2010/main" val="3688877751"/>
       </p:ext>
     </p:extLst>
   </p:cSld>
   <p:clrMapOvr>
     <a:masterClrMapping/>
   </p:clrMapOvr>
-  <mc:AlternateContent xmlns:mc="http://schemas.openxmlformats.org/markup-compatibility/2006">
-    <mc:Choice xmlns:p14="http://schemas.microsoft.com/office/powerpoint/2010/main" Requires="p14">
+  <mc:AlternateContent xmlns:mc="http://schemas.openxmlformats.org/markup-compatibility/2006" xmlns:p14="http://schemas.microsoft.com/office/powerpoint/2010/main">
+    <mc:Choice Requires="p14">
       <p:transition spd="slow" p14:dur="2000"/>
     </mc:Choice>
-    <mc:Fallback>
+    <mc:Fallback xmlns="">
       <p:transition spd="slow"/>
     </mc:Fallback>
   </mc:AlternateContent>
@@ -14087,8 +14649,8 @@
         </p:blipFill>
         <p:spPr>
           <a:xfrm>
-            <a:off x="1194764" y="888196"/>
-            <a:ext cx="6836047" cy="2696531"/>
+            <a:off x="1229963" y="1328197"/>
+            <a:ext cx="6684074" cy="2696940"/>
           </a:xfrm>
           <a:prstGeom prst="rect">
             <a:avLst/>
@@ -14128,18 +14690,18 @@
     </p:spTree>
     <p:extLst>
       <p:ext uri="{BB962C8B-B14F-4D97-AF65-F5344CB8AC3E}">
-        <p14:creationId xmlns:p14="http://schemas.microsoft.com/office/powerpoint/2010/main" val="807933887"/>
+        <p14:creationId xmlns:p14="http://schemas.microsoft.com/office/powerpoint/2010/main" val="1915508937"/>
       </p:ext>
     </p:extLst>
   </p:cSld>
   <p:clrMapOvr>
     <a:masterClrMapping/>
   </p:clrMapOvr>
-  <mc:AlternateContent xmlns:mc="http://schemas.openxmlformats.org/markup-compatibility/2006">
-    <mc:Choice xmlns:p14="http://schemas.microsoft.com/office/powerpoint/2010/main" Requires="p14">
+  <mc:AlternateContent xmlns:mc="http://schemas.openxmlformats.org/markup-compatibility/2006" xmlns:p14="http://schemas.microsoft.com/office/powerpoint/2010/main">
+    <mc:Choice Requires="p14">
       <p:transition spd="slow" p14:dur="2000"/>
     </mc:Choice>
-    <mc:Fallback>
+    <mc:Fallback xmlns="">
       <p:transition spd="slow"/>
     </mc:Fallback>
   </mc:AlternateContent>
@@ -14209,8 +14771,8 @@
         </p:blipFill>
         <p:spPr>
           <a:xfrm>
-            <a:off x="1194764" y="888196"/>
-            <a:ext cx="6836047" cy="5400000"/>
+            <a:off x="1229963" y="1328197"/>
+            <a:ext cx="6684074" cy="5399999"/>
           </a:xfrm>
           <a:prstGeom prst="rect">
             <a:avLst/>
@@ -14250,18 +14812,18 @@
     </p:spTree>
     <p:extLst>
       <p:ext uri="{BB962C8B-B14F-4D97-AF65-F5344CB8AC3E}">
-        <p14:creationId xmlns:p14="http://schemas.microsoft.com/office/powerpoint/2010/main" val="2104550390"/>
+        <p14:creationId xmlns:p14="http://schemas.microsoft.com/office/powerpoint/2010/main" val="3774077798"/>
       </p:ext>
     </p:extLst>
   </p:cSld>
   <p:clrMapOvr>
     <a:masterClrMapping/>
   </p:clrMapOvr>
-  <mc:AlternateContent xmlns:mc="http://schemas.openxmlformats.org/markup-compatibility/2006">
-    <mc:Choice xmlns:p14="http://schemas.microsoft.com/office/powerpoint/2010/main" Requires="p14">
+  <mc:AlternateContent xmlns:mc="http://schemas.openxmlformats.org/markup-compatibility/2006" xmlns:p14="http://schemas.microsoft.com/office/powerpoint/2010/main">
+    <mc:Choice Requires="p14">
       <p:transition spd="slow" p14:dur="2000"/>
     </mc:Choice>
-    <mc:Fallback>
+    <mc:Fallback xmlns="">
       <p:transition spd="slow"/>
     </mc:Fallback>
   </mc:AlternateContent>
@@ -14336,8 +14898,8 @@
         </p:blipFill>
         <p:spPr>
           <a:xfrm>
-            <a:off x="1433447" y="880394"/>
-            <a:ext cx="6361944" cy="2543583"/>
+            <a:off x="1153976" y="1328197"/>
+            <a:ext cx="6836047" cy="2696531"/>
           </a:xfrm>
           <a:prstGeom prst="rect">
             <a:avLst/>
@@ -14377,21 +14939,28 @@
     </p:spTree>
     <p:extLst>
       <p:ext uri="{BB962C8B-B14F-4D97-AF65-F5344CB8AC3E}">
-        <p14:creationId xmlns:p14="http://schemas.microsoft.com/office/powerpoint/2010/main" val="2541712129"/>
+        <p14:creationId xmlns:p14="http://schemas.microsoft.com/office/powerpoint/2010/main" val="807933887"/>
       </p:ext>
     </p:extLst>
   </p:cSld>
   <p:clrMapOvr>
     <a:masterClrMapping/>
   </p:clrMapOvr>
-  <mc:AlternateContent xmlns:mc="http://schemas.openxmlformats.org/markup-compatibility/2006">
-    <mc:Choice xmlns:p14="http://schemas.microsoft.com/office/powerpoint/2010/main" Requires="p14">
+  <mc:AlternateContent xmlns:mc="http://schemas.openxmlformats.org/markup-compatibility/2006" xmlns:p14="http://schemas.microsoft.com/office/powerpoint/2010/main">
+    <mc:Choice Requires="p14">
       <p:transition spd="slow" p14:dur="2000"/>
     </mc:Choice>
-    <mc:Fallback>
+    <mc:Fallback xmlns="">
       <p:transition spd="slow"/>
     </mc:Fallback>
   </mc:AlternateContent>
+  <p:timing>
+    <p:tnLst>
+      <p:par>
+        <p:cTn id="1" dur="indefinite" restart="never" nodeType="tmRoot"/>
+      </p:par>
+    </p:tnLst>
+  </p:timing>
 </p:sld>
 </file>
 
@@ -14458,7 +15027,11 @@
           <a:p>
             <a:r>
               <a:rPr lang="en-US" dirty="0" smtClean="0"/>
-              <a:t>Artefacts and Tools (to be added)</a:t>
+              <a:t>Artefacts and </a:t>
+            </a:r>
+            <a:r>
+              <a:rPr lang="en-US" dirty="0" smtClean="0"/>
+              <a:t>Tools</a:t>
             </a:r>
             <a:endParaRPr lang="en-US" dirty="0" smtClean="0"/>
           </a:p>
@@ -14467,7 +15040,6 @@
               <a:rPr lang="en-US" dirty="0" smtClean="0"/>
               <a:t>Practices</a:t>
             </a:r>
-            <a:endParaRPr lang="en-US" dirty="0" smtClean="0"/>
           </a:p>
           <a:p>
             <a:pPr lvl="1"/>
@@ -14501,19 +15073,7 @@
           <a:p>
             <a:r>
               <a:rPr lang="en-US" dirty="0" smtClean="0"/>
-              <a:t>Later: </a:t>
-            </a:r>
-            <a:r>
-              <a:rPr lang="en-US" dirty="0" smtClean="0"/>
-              <a:t>Lean </a:t>
-            </a:r>
-            <a:r>
-              <a:rPr lang="en-US" dirty="0" smtClean="0"/>
-              <a:t>software </a:t>
-            </a:r>
-            <a:r>
-              <a:rPr lang="en-US" dirty="0" smtClean="0"/>
-              <a:t>development</a:t>
+              <a:t>Later: Lean software development</a:t>
             </a:r>
             <a:endParaRPr lang="en-US" dirty="0"/>
           </a:p>
@@ -14529,11 +15089,11 @@
   <p:clrMapOvr>
     <a:masterClrMapping/>
   </p:clrMapOvr>
-  <mc:AlternateContent xmlns:mc="http://schemas.openxmlformats.org/markup-compatibility/2006">
-    <mc:Choice xmlns:p14="http://schemas.microsoft.com/office/powerpoint/2010/main" Requires="p14">
+  <mc:AlternateContent xmlns:mc="http://schemas.openxmlformats.org/markup-compatibility/2006" xmlns:p14="http://schemas.microsoft.com/office/powerpoint/2010/main">
+    <mc:Choice Requires="p14">
       <p:transition spd="slow" p14:dur="2000"/>
     </mc:Choice>
-    <mc:Fallback>
+    <mc:Fallback xmlns="">
       <p:transition spd="slow"/>
     </mc:Fallback>
   </mc:AlternateContent>
@@ -14603,8 +15163,8 @@
         </p:blipFill>
         <p:spPr>
           <a:xfrm>
-            <a:off x="1433447" y="880394"/>
-            <a:ext cx="6361944" cy="5400000"/>
+            <a:off x="1153976" y="1328197"/>
+            <a:ext cx="6836047" cy="5400000"/>
           </a:xfrm>
           <a:prstGeom prst="rect">
             <a:avLst/>
@@ -14644,21 +15204,28 @@
     </p:spTree>
     <p:extLst>
       <p:ext uri="{BB962C8B-B14F-4D97-AF65-F5344CB8AC3E}">
-        <p14:creationId xmlns:p14="http://schemas.microsoft.com/office/powerpoint/2010/main" val="3499295206"/>
+        <p14:creationId xmlns:p14="http://schemas.microsoft.com/office/powerpoint/2010/main" val="2104550390"/>
       </p:ext>
     </p:extLst>
   </p:cSld>
   <p:clrMapOvr>
     <a:masterClrMapping/>
   </p:clrMapOvr>
-  <mc:AlternateContent xmlns:mc="http://schemas.openxmlformats.org/markup-compatibility/2006">
-    <mc:Choice xmlns:p14="http://schemas.microsoft.com/office/powerpoint/2010/main" Requires="p14">
+  <mc:AlternateContent xmlns:mc="http://schemas.openxmlformats.org/markup-compatibility/2006" xmlns:p14="http://schemas.microsoft.com/office/powerpoint/2010/main">
+    <mc:Choice Requires="p14">
       <p:transition spd="slow" p14:dur="2000"/>
     </mc:Choice>
-    <mc:Fallback>
+    <mc:Fallback xmlns="">
       <p:transition spd="slow"/>
     </mc:Fallback>
   </mc:AlternateContent>
+  <p:timing>
+    <p:tnLst>
+      <p:par>
+        <p:cTn id="1" dur="indefinite" restart="never" nodeType="tmRoot"/>
+      </p:par>
+    </p:tnLst>
+  </p:timing>
 </p:sld>
 </file>
 
@@ -14681,6 +15248,241 @@
       </p:grpSpPr>
       <p:sp>
         <p:nvSpPr>
+          <p:cNvPr id="2" name="Title 1"/>
+          <p:cNvSpPr>
+            <a:spLocks noGrp="1"/>
+          </p:cNvSpPr>
+          <p:nvPr>
+            <p:ph type="title"/>
+          </p:nvPr>
+        </p:nvSpPr>
+        <p:spPr/>
+        <p:txBody>
+          <a:bodyPr/>
+          <a:lstStyle/>
+          <a:p>
+            <a:r>
+              <a:rPr lang="en-US" dirty="0" smtClean="0"/>
+              <a:t>Example</a:t>
+            </a:r>
+            <a:endParaRPr lang="en-US" dirty="0"/>
+          </a:p>
+        </p:txBody>
+      </p:sp>
+      <p:pic>
+        <p:nvPicPr>
+          <p:cNvPr id="4" name="Picture 3"/>
+          <p:cNvPicPr>
+            <a:picLocks noChangeAspect="1"/>
+          </p:cNvPicPr>
+          <p:nvPr/>
+        </p:nvPicPr>
+        <p:blipFill rotWithShape="1">
+          <a:blip r:embed="rId2" cstate="print">
+            <a:extLst>
+              <a:ext uri="{28A0092B-C50C-407E-A947-70E740481C1C}">
+                <a14:useLocalDpi xmlns:a14="http://schemas.microsoft.com/office/drawing/2010/main"/>
+              </a:ext>
+            </a:extLst>
+          </a:blip>
+          <a:srcRect/>
+          <a:stretch/>
+        </p:blipFill>
+        <p:spPr>
+          <a:xfrm>
+            <a:off x="1391028" y="1328197"/>
+            <a:ext cx="6361944" cy="2543583"/>
+          </a:xfrm>
+          <a:prstGeom prst="rect">
+            <a:avLst/>
+          </a:prstGeom>
+        </p:spPr>
+      </p:pic>
+      <p:sp>
+        <p:nvSpPr>
+          <p:cNvPr id="5" name="TextBox 4"/>
+          <p:cNvSpPr txBox="1"/>
+          <p:nvPr/>
+        </p:nvSpPr>
+        <p:spPr>
+          <a:xfrm>
+            <a:off x="8123806" y="5966808"/>
+            <a:ext cx="1020194" cy="369332"/>
+          </a:xfrm>
+          <a:prstGeom prst="rect">
+            <a:avLst/>
+          </a:prstGeom>
+          <a:noFill/>
+        </p:spPr>
+        <p:txBody>
+          <a:bodyPr wrap="none" rtlCol="0">
+            <a:spAutoFit/>
+          </a:bodyPr>
+          <a:lstStyle/>
+          <a:p>
+            <a:r>
+              <a:rPr lang="en-US" dirty="0" smtClean="0"/>
+              <a:t>[KS2009]</a:t>
+            </a:r>
+            <a:endParaRPr lang="en-US" dirty="0"/>
+          </a:p>
+        </p:txBody>
+      </p:sp>
+    </p:spTree>
+    <p:extLst>
+      <p:ext uri="{BB962C8B-B14F-4D97-AF65-F5344CB8AC3E}">
+        <p14:creationId xmlns:p14="http://schemas.microsoft.com/office/powerpoint/2010/main" val="2541712129"/>
+      </p:ext>
+    </p:extLst>
+  </p:cSld>
+  <p:clrMapOvr>
+    <a:masterClrMapping/>
+  </p:clrMapOvr>
+  <mc:AlternateContent xmlns:mc="http://schemas.openxmlformats.org/markup-compatibility/2006" xmlns:p14="http://schemas.microsoft.com/office/powerpoint/2010/main">
+    <mc:Choice Requires="p14">
+      <p:transition spd="slow" p14:dur="2000"/>
+    </mc:Choice>
+    <mc:Fallback xmlns="">
+      <p:transition spd="slow"/>
+    </mc:Fallback>
+  </mc:AlternateContent>
+</p:sld>
+</file>
+
+<file path=ppt/slides/slide32.xml><?xml version="1.0" encoding="utf-8"?>
+<p:sld xmlns:a="http://schemas.openxmlformats.org/drawingml/2006/main" xmlns:r="http://schemas.openxmlformats.org/officeDocument/2006/relationships" xmlns:p="http://schemas.openxmlformats.org/presentationml/2006/main">
+  <p:cSld>
+    <p:spTree>
+      <p:nvGrpSpPr>
+        <p:cNvPr id="1" name=""/>
+        <p:cNvGrpSpPr/>
+        <p:nvPr/>
+      </p:nvGrpSpPr>
+      <p:grpSpPr>
+        <a:xfrm>
+          <a:off x="0" y="0"/>
+          <a:ext cx="0" cy="0"/>
+          <a:chOff x="0" y="0"/>
+          <a:chExt cx="0" cy="0"/>
+        </a:xfrm>
+      </p:grpSpPr>
+      <p:sp>
+        <p:nvSpPr>
+          <p:cNvPr id="2" name="Title 1"/>
+          <p:cNvSpPr>
+            <a:spLocks noGrp="1"/>
+          </p:cNvSpPr>
+          <p:nvPr>
+            <p:ph type="title"/>
+          </p:nvPr>
+        </p:nvSpPr>
+        <p:spPr/>
+        <p:txBody>
+          <a:bodyPr/>
+          <a:lstStyle/>
+          <a:p>
+            <a:r>
+              <a:rPr lang="en-US" dirty="0" smtClean="0"/>
+              <a:t>Example</a:t>
+            </a:r>
+            <a:endParaRPr lang="en-US" dirty="0"/>
+          </a:p>
+        </p:txBody>
+      </p:sp>
+      <p:pic>
+        <p:nvPicPr>
+          <p:cNvPr id="4" name="Picture 3"/>
+          <p:cNvPicPr>
+            <a:picLocks noChangeAspect="1"/>
+          </p:cNvPicPr>
+          <p:nvPr/>
+        </p:nvPicPr>
+        <p:blipFill>
+          <a:blip r:embed="rId2"/>
+          <a:stretch>
+            <a:fillRect/>
+          </a:stretch>
+        </p:blipFill>
+        <p:spPr>
+          <a:xfrm>
+            <a:off x="1391028" y="1328197"/>
+            <a:ext cx="6361944" cy="5400000"/>
+          </a:xfrm>
+          <a:prstGeom prst="rect">
+            <a:avLst/>
+          </a:prstGeom>
+        </p:spPr>
+      </p:pic>
+      <p:sp>
+        <p:nvSpPr>
+          <p:cNvPr id="5" name="TextBox 4"/>
+          <p:cNvSpPr txBox="1"/>
+          <p:nvPr/>
+        </p:nvSpPr>
+        <p:spPr>
+          <a:xfrm>
+            <a:off x="8123806" y="5966808"/>
+            <a:ext cx="1020194" cy="369332"/>
+          </a:xfrm>
+          <a:prstGeom prst="rect">
+            <a:avLst/>
+          </a:prstGeom>
+          <a:noFill/>
+        </p:spPr>
+        <p:txBody>
+          <a:bodyPr wrap="none" rtlCol="0">
+            <a:spAutoFit/>
+          </a:bodyPr>
+          <a:lstStyle/>
+          <a:p>
+            <a:r>
+              <a:rPr lang="en-US" dirty="0" smtClean="0"/>
+              <a:t>[KS2009]</a:t>
+            </a:r>
+            <a:endParaRPr lang="en-US" dirty="0"/>
+          </a:p>
+        </p:txBody>
+      </p:sp>
+    </p:spTree>
+    <p:extLst>
+      <p:ext uri="{BB962C8B-B14F-4D97-AF65-F5344CB8AC3E}">
+        <p14:creationId xmlns:p14="http://schemas.microsoft.com/office/powerpoint/2010/main" val="3499295206"/>
+      </p:ext>
+    </p:extLst>
+  </p:cSld>
+  <p:clrMapOvr>
+    <a:masterClrMapping/>
+  </p:clrMapOvr>
+  <mc:AlternateContent xmlns:mc="http://schemas.openxmlformats.org/markup-compatibility/2006" xmlns:p14="http://schemas.microsoft.com/office/powerpoint/2010/main">
+    <mc:Choice Requires="p14">
+      <p:transition spd="slow" p14:dur="2000"/>
+    </mc:Choice>
+    <mc:Fallback xmlns="">
+      <p:transition spd="slow"/>
+    </mc:Fallback>
+  </mc:AlternateContent>
+</p:sld>
+</file>
+
+<file path=ppt/slides/slide33.xml><?xml version="1.0" encoding="utf-8"?>
+<p:sld xmlns:a="http://schemas.openxmlformats.org/drawingml/2006/main" xmlns:r="http://schemas.openxmlformats.org/officeDocument/2006/relationships" xmlns:p="http://schemas.openxmlformats.org/presentationml/2006/main">
+  <p:cSld>
+    <p:spTree>
+      <p:nvGrpSpPr>
+        <p:cNvPr id="1" name=""/>
+        <p:cNvGrpSpPr/>
+        <p:nvPr/>
+      </p:nvGrpSpPr>
+      <p:grpSpPr>
+        <a:xfrm>
+          <a:off x="0" y="0"/>
+          <a:ext cx="0" cy="0"/>
+          <a:chOff x="0" y="0"/>
+          <a:chExt cx="0" cy="0"/>
+        </a:xfrm>
+      </p:grpSpPr>
+      <p:sp>
+        <p:nvSpPr>
           <p:cNvPr id="5" name="Footer Placeholder 4"/>
           <p:cNvSpPr>
             <a:spLocks noGrp="1"/>
@@ -14738,7 +15540,7 @@
                 </a:solidFill>
               </a:rPr>
               <a:pPr/>
-              <a:t>31</a:t>
+              <a:t>33</a:t>
             </a:fld>
             <a:endParaRPr lang="en-US">
               <a:solidFill>
@@ -14803,8 +15605,8 @@
         </p:nvSpPr>
         <p:spPr>
           <a:xfrm>
-            <a:off x="5105400" y="1600200"/>
-            <a:ext cx="4038600" cy="4525963"/>
+            <a:off x="5105400" y="1889760"/>
+            <a:ext cx="4038600" cy="4236403"/>
           </a:xfrm>
         </p:spPr>
         <p:txBody>
@@ -14876,7 +15678,7 @@
 </p:sld>
 </file>
 
-<file path=ppt/slides/slide32.xml><?xml version="1.0" encoding="utf-8"?>
+<file path=ppt/slides/slide34.xml><?xml version="1.0" encoding="utf-8"?>
 <p:sld xmlns:a="http://schemas.openxmlformats.org/drawingml/2006/main" xmlns:r="http://schemas.openxmlformats.org/officeDocument/2006/relationships" xmlns:p="http://schemas.openxmlformats.org/presentationml/2006/main">
   <p:cSld>
     <p:spTree>
@@ -14984,18 +15786,18 @@
   <p:clrMapOvr>
     <a:masterClrMapping/>
   </p:clrMapOvr>
-  <mc:AlternateContent xmlns:mc="http://schemas.openxmlformats.org/markup-compatibility/2006">
-    <mc:Choice xmlns:p14="http://schemas.microsoft.com/office/powerpoint/2010/main" Requires="p14">
+  <mc:AlternateContent xmlns:mc="http://schemas.openxmlformats.org/markup-compatibility/2006" xmlns:p14="http://schemas.microsoft.com/office/powerpoint/2010/main">
+    <mc:Choice Requires="p14">
       <p:transition spd="slow" p14:dur="2000"/>
     </mc:Choice>
-    <mc:Fallback>
+    <mc:Fallback xmlns="">
       <p:transition spd="slow"/>
     </mc:Fallback>
   </mc:AlternateContent>
 </p:sld>
 </file>
 
-<file path=ppt/slides/slide33.xml><?xml version="1.0" encoding="utf-8"?>
+<file path=ppt/slides/slide35.xml><?xml version="1.0" encoding="utf-8"?>
 <p:sld xmlns:a="http://schemas.openxmlformats.org/drawingml/2006/main" xmlns:r="http://schemas.openxmlformats.org/officeDocument/2006/relationships" xmlns:p="http://schemas.openxmlformats.org/presentationml/2006/main">
   <p:cSld>
     <p:spTree>
@@ -15103,18 +15905,18 @@
   <p:clrMapOvr>
     <a:masterClrMapping/>
   </p:clrMapOvr>
-  <mc:AlternateContent xmlns:mc="http://schemas.openxmlformats.org/markup-compatibility/2006">
-    <mc:Choice xmlns:p14="http://schemas.microsoft.com/office/powerpoint/2010/main" Requires="p14">
+  <mc:AlternateContent xmlns:mc="http://schemas.openxmlformats.org/markup-compatibility/2006" xmlns:p14="http://schemas.microsoft.com/office/powerpoint/2010/main">
+    <mc:Choice Requires="p14">
       <p:transition spd="slow" p14:dur="2000"/>
     </mc:Choice>
-    <mc:Fallback>
+    <mc:Fallback xmlns="">
       <p:transition spd="slow"/>
     </mc:Fallback>
   </mc:AlternateContent>
 </p:sld>
 </file>
 
-<file path=ppt/slides/slide34.xml><?xml version="1.0" encoding="utf-8"?>
+<file path=ppt/slides/slide36.xml><?xml version="1.0" encoding="utf-8"?>
 <p:sld xmlns:a="http://schemas.openxmlformats.org/drawingml/2006/main" xmlns:r="http://schemas.openxmlformats.org/officeDocument/2006/relationships" xmlns:p="http://schemas.openxmlformats.org/presentationml/2006/main">
   <p:cSld>
     <p:spTree>
@@ -15329,55 +16131,6 @@
           </a:p>
         </p:txBody>
       </p:sp>
-      <p:sp>
-        <p:nvSpPr>
-          <p:cNvPr id="4" name="Rectangle 3"/>
-          <p:cNvSpPr/>
-          <p:nvPr/>
-        </p:nvSpPr>
-        <p:spPr>
-          <a:xfrm>
-            <a:off x="4332210" y="5036983"/>
-            <a:ext cx="4572000" cy="1200329"/>
-          </a:xfrm>
-          <a:prstGeom prst="rect">
-            <a:avLst/>
-          </a:prstGeom>
-          <a:solidFill>
-            <a:srgbClr val="FFFF00"/>
-          </a:solidFill>
-        </p:spPr>
-        <p:txBody>
-          <a:bodyPr>
-            <a:spAutoFit/>
-          </a:bodyPr>
-          <a:lstStyle/>
-          <a:p>
-            <a:r>
-              <a:rPr lang="en-US" b="1" dirty="0"/>
-              <a:t>Task: </a:t>
-            </a:r>
-            <a:r>
-              <a:rPr lang="en-US" dirty="0"/>
-              <a:t>For each of the principles, compare XP, Scrum, and </a:t>
-            </a:r>
-            <a:r>
-              <a:rPr lang="en-US" dirty="0" err="1"/>
-              <a:t>Kanban</a:t>
-            </a:r>
-            <a:r>
-              <a:rPr lang="en-US" dirty="0"/>
-              <a:t> and discuss differences</a:t>
-            </a:r>
-          </a:p>
-          <a:p>
-            <a:r>
-              <a:rPr lang="en-US" dirty="0"/>
-              <a:t>NOW: Pick two – the others might be a good exercise for exam and report.</a:t>
-            </a:r>
-          </a:p>
-        </p:txBody>
-      </p:sp>
     </p:spTree>
     <p:extLst>
       <p:ext uri="{BB962C8B-B14F-4D97-AF65-F5344CB8AC3E}">
@@ -15388,11 +16141,11 @@
   <p:clrMapOvr>
     <a:masterClrMapping/>
   </p:clrMapOvr>
-  <mc:AlternateContent xmlns:mc="http://schemas.openxmlformats.org/markup-compatibility/2006">
-    <mc:Choice xmlns:p14="http://schemas.microsoft.com/office/powerpoint/2010/main" Requires="p14">
+  <mc:AlternateContent xmlns:mc="http://schemas.openxmlformats.org/markup-compatibility/2006" xmlns:p14="http://schemas.microsoft.com/office/powerpoint/2010/main">
+    <mc:Choice Requires="p14">
       <p:transition spd="slow" p14:dur="2000"/>
     </mc:Choice>
-    <mc:Fallback>
+    <mc:Fallback xmlns="">
       <p:transition spd="slow"/>
     </mc:Fallback>
   </mc:AlternateContent>
@@ -15406,7 +16159,7 @@
 </p:sld>
 </file>
 
-<file path=ppt/slides/slide35.xml><?xml version="1.0" encoding="utf-8"?>
+<file path=ppt/slides/slide37.xml><?xml version="1.0" encoding="utf-8"?>
 <p:sld xmlns:a="http://schemas.openxmlformats.org/drawingml/2006/main" xmlns:r="http://schemas.openxmlformats.org/officeDocument/2006/relationships" xmlns:p="http://schemas.openxmlformats.org/presentationml/2006/main">
   <p:cSld>
     <p:spTree>
@@ -15435,180 +16188,6 @@
         </p:nvSpPr>
         <p:spPr/>
         <p:txBody>
-          <a:bodyPr/>
-          <a:lstStyle/>
-          <a:p>
-            <a:r>
-              <a:rPr lang="en-US" dirty="0" smtClean="0"/>
-              <a:t>References</a:t>
-            </a:r>
-            <a:endParaRPr lang="en-US" dirty="0"/>
-          </a:p>
-        </p:txBody>
-      </p:sp>
-      <p:sp>
-        <p:nvSpPr>
-          <p:cNvPr id="3" name="Content Placeholder 2"/>
-          <p:cNvSpPr>
-            <a:spLocks noGrp="1"/>
-          </p:cNvSpPr>
-          <p:nvPr>
-            <p:ph idx="1"/>
-          </p:nvPr>
-        </p:nvSpPr>
-        <p:spPr>
-          <a:xfrm>
-            <a:off x="457200" y="1946031"/>
-            <a:ext cx="8229600" cy="4180132"/>
-          </a:xfrm>
-        </p:spPr>
-        <p:txBody>
-          <a:bodyPr>
-            <a:normAutofit/>
-          </a:bodyPr>
-          <a:lstStyle/>
-          <a:p>
-            <a:pPr marL="1611313" indent="-1611313">
-              <a:buNone/>
-            </a:pPr>
-            <a:r>
-              <a:rPr lang="en-US" sz="1800" dirty="0" smtClean="0"/>
-              <a:t>[KS2009]	</a:t>
-            </a:r>
-            <a:r>
-              <a:rPr lang="en-US" sz="1800" dirty="0" err="1" smtClean="0"/>
-              <a:t>Henrik</a:t>
-            </a:r>
-            <a:r>
-              <a:rPr lang="en-US" sz="1800" dirty="0" smtClean="0"/>
-              <a:t> </a:t>
-            </a:r>
-            <a:r>
-              <a:rPr lang="en-US" sz="1800" dirty="0" err="1" smtClean="0"/>
-              <a:t>Kniberg</a:t>
-            </a:r>
-            <a:r>
-              <a:rPr lang="en-US" sz="1800" dirty="0" smtClean="0"/>
-              <a:t> and </a:t>
-            </a:r>
-            <a:r>
-              <a:rPr lang="en-US" sz="1800" dirty="0" err="1" smtClean="0"/>
-              <a:t>Mattias</a:t>
-            </a:r>
-            <a:r>
-              <a:rPr lang="en-US" sz="1800" dirty="0" smtClean="0"/>
-              <a:t> </a:t>
-            </a:r>
-            <a:r>
-              <a:rPr lang="en-US" sz="1800" dirty="0" err="1" smtClean="0"/>
-              <a:t>Skarin</a:t>
-            </a:r>
-            <a:r>
-              <a:rPr lang="en-US" sz="1800" dirty="0" smtClean="0"/>
-              <a:t>: </a:t>
-            </a:r>
-            <a:r>
-              <a:rPr lang="en-US" sz="1800" dirty="0" err="1" smtClean="0"/>
-              <a:t>Kanban</a:t>
-            </a:r>
-            <a:r>
-              <a:rPr lang="en-US" sz="1800" dirty="0" smtClean="0"/>
-              <a:t> and Scrum – Making the Most of Both. </a:t>
-            </a:r>
-            <a:r>
-              <a:rPr lang="en-US" sz="1800" dirty="0" err="1" smtClean="0"/>
-              <a:t>InfoQ</a:t>
-            </a:r>
-            <a:r>
-              <a:rPr lang="en-US" sz="1800" dirty="0"/>
-              <a:t> </a:t>
-            </a:r>
-            <a:r>
-              <a:rPr lang="en-US" sz="1800" dirty="0" smtClean="0"/>
-              <a:t>(2009) Available </a:t>
-            </a:r>
-            <a:r>
-              <a:rPr lang="en-US" sz="1800" dirty="0" err="1" smtClean="0"/>
-              <a:t>online:</a:t>
-            </a:r>
-            <a:r>
-              <a:rPr lang="en-US" sz="1800" dirty="0" err="1" smtClean="0">
-                <a:hlinkClick r:id="rId2"/>
-              </a:rPr>
-              <a:t>http</a:t>
-            </a:r>
-            <a:r>
-              <a:rPr lang="en-US" sz="1800" dirty="0" smtClean="0">
-                <a:hlinkClick r:id="rId2"/>
-              </a:rPr>
-              <a:t>://infoq.com/minibooks/kanban-scrum-minibook</a:t>
-            </a:r>
-            <a:endParaRPr lang="en-US" sz="1800" dirty="0" smtClean="0"/>
-          </a:p>
-          <a:p>
-            <a:pPr marL="0" indent="0">
-              <a:buNone/>
-            </a:pPr>
-            <a:r>
-              <a:rPr lang="en-US" sz="1800" dirty="0" smtClean="0"/>
-              <a:t> </a:t>
-            </a:r>
-          </a:p>
-          <a:p>
-            <a:endParaRPr lang="en-US" sz="1800" dirty="0"/>
-          </a:p>
-        </p:txBody>
-      </p:sp>
-    </p:spTree>
-    <p:extLst>
-      <p:ext uri="{BB962C8B-B14F-4D97-AF65-F5344CB8AC3E}">
-        <p14:creationId xmlns:p14="http://schemas.microsoft.com/office/powerpoint/2010/main" val="1037318733"/>
-      </p:ext>
-    </p:extLst>
-  </p:cSld>
-  <p:clrMapOvr>
-    <a:masterClrMapping/>
-  </p:clrMapOvr>
-  <mc:AlternateContent xmlns:mc="http://schemas.openxmlformats.org/markup-compatibility/2006">
-    <mc:Choice xmlns:p14="http://schemas.microsoft.com/office/powerpoint/2010/main" Requires="p14">
-      <p:transition spd="slow" p14:dur="2000"/>
-    </mc:Choice>
-    <mc:Fallback>
-      <p:transition spd="slow"/>
-    </mc:Fallback>
-  </mc:AlternateContent>
-</p:sld>
-</file>
-
-<file path=ppt/slides/slide4.xml><?xml version="1.0" encoding="utf-8"?>
-<p:sld xmlns:a="http://schemas.openxmlformats.org/drawingml/2006/main" xmlns:r="http://schemas.openxmlformats.org/officeDocument/2006/relationships" xmlns:p="http://schemas.openxmlformats.org/presentationml/2006/main">
-  <p:cSld>
-    <p:spTree>
-      <p:nvGrpSpPr>
-        <p:cNvPr id="1" name=""/>
-        <p:cNvGrpSpPr/>
-        <p:nvPr/>
-      </p:nvGrpSpPr>
-      <p:grpSpPr>
-        <a:xfrm>
-          <a:off x="0" y="0"/>
-          <a:ext cx="0" cy="0"/>
-          <a:chOff x="0" y="0"/>
-          <a:chExt cx="0" cy="0"/>
-        </a:xfrm>
-      </p:grpSpPr>
-      <p:sp>
-        <p:nvSpPr>
-          <p:cNvPr id="2" name="Title 1"/>
-          <p:cNvSpPr>
-            <a:spLocks noGrp="1"/>
-          </p:cNvSpPr>
-          <p:nvPr>
-            <p:ph type="title"/>
-          </p:nvPr>
-        </p:nvSpPr>
-        <p:spPr/>
-        <p:txBody>
           <a:bodyPr>
             <a:normAutofit fontScale="90000"/>
           </a:bodyPr>
@@ -15850,7 +16429,7 @@
                 </a:solidFill>
               </a:rPr>
               <a:pPr/>
-              <a:t>4</a:t>
+              <a:t>37</a:t>
             </a:fld>
             <a:endParaRPr lang="en-US">
               <a:solidFill>
@@ -16194,10 +16773,65 @@
           </a:p>
         </p:txBody>
       </p:sp>
+      <p:sp>
+        <p:nvSpPr>
+          <p:cNvPr id="8" name="Rectangle 7"/>
+          <p:cNvSpPr/>
+          <p:nvPr/>
+        </p:nvSpPr>
+        <p:spPr>
+          <a:xfrm>
+            <a:off x="2895600" y="1002352"/>
+            <a:ext cx="6248400" cy="923330"/>
+          </a:xfrm>
+          <a:prstGeom prst="rect">
+            <a:avLst/>
+          </a:prstGeom>
+          <a:solidFill>
+            <a:srgbClr val="FFFF00"/>
+          </a:solidFill>
+        </p:spPr>
+        <p:txBody>
+          <a:bodyPr wrap="square">
+            <a:spAutoFit/>
+          </a:bodyPr>
+          <a:lstStyle/>
+          <a:p>
+            <a:r>
+              <a:rPr lang="en-US" b="1" dirty="0"/>
+              <a:t>Task: </a:t>
+            </a:r>
+            <a:r>
+              <a:rPr lang="en-US" dirty="0"/>
+              <a:t>For each of the principles, compare XP, Scrum, and </a:t>
+            </a:r>
+            <a:r>
+              <a:rPr lang="en-US" dirty="0" err="1"/>
+              <a:t>Kanban</a:t>
+            </a:r>
+            <a:r>
+              <a:rPr lang="en-US" dirty="0"/>
+              <a:t> and </a:t>
+            </a:r>
+            <a:r>
+              <a:rPr lang="en-US"/>
+              <a:t>discuss </a:t>
+            </a:r>
+            <a:r>
+              <a:rPr lang="en-US" smtClean="0"/>
+              <a:t>differences NOW</a:t>
+            </a:r>
+            <a:r>
+              <a:rPr lang="en-US" dirty="0"/>
+              <a:t>: Pick two – the others might be a good exercise for exam and report.</a:t>
+            </a:r>
+          </a:p>
+        </p:txBody>
+      </p:sp>
     </p:spTree>
     <p:extLst>
       <p:ext uri="{BB962C8B-B14F-4D97-AF65-F5344CB8AC3E}">
-        <p14:creationId xmlns:p14="http://schemas.microsoft.com/office/powerpoint/2010/main" val="20314579"/>
+        <p14:creationId xmlns:p14="http://schemas.microsoft.com/office/powerpoint/2010/main" val="1763375441"/>
       </p:ext>
     </p:extLst>
   </p:cSld>
@@ -16209,6 +16843,1004 @@
       <p:transition spd="slow" p14:dur="2000"/>
     </mc:Choice>
     <mc:Fallback xmlns="">
+      <p:transition spd="slow"/>
+    </mc:Fallback>
+  </mc:AlternateContent>
+  <p:timing>
+    <p:tnLst>
+      <p:par>
+        <p:cTn id="1" dur="indefinite" restart="never" nodeType="tmRoot"/>
+      </p:par>
+    </p:tnLst>
+  </p:timing>
+</p:sld>
+</file>
+
+<file path=ppt/slides/slide38.xml><?xml version="1.0" encoding="utf-8"?>
+<p:sld xmlns:a="http://schemas.openxmlformats.org/drawingml/2006/main" xmlns:r="http://schemas.openxmlformats.org/officeDocument/2006/relationships" xmlns:p="http://schemas.openxmlformats.org/presentationml/2006/main">
+  <p:cSld>
+    <p:spTree>
+      <p:nvGrpSpPr>
+        <p:cNvPr id="1" name=""/>
+        <p:cNvGrpSpPr/>
+        <p:nvPr/>
+      </p:nvGrpSpPr>
+      <p:grpSpPr>
+        <a:xfrm>
+          <a:off x="0" y="0"/>
+          <a:ext cx="0" cy="0"/>
+          <a:chOff x="0" y="0"/>
+          <a:chExt cx="0" cy="0"/>
+        </a:xfrm>
+      </p:grpSpPr>
+      <p:sp>
+        <p:nvSpPr>
+          <p:cNvPr id="2" name="Title 1"/>
+          <p:cNvSpPr>
+            <a:spLocks noGrp="1"/>
+          </p:cNvSpPr>
+          <p:nvPr>
+            <p:ph type="title"/>
+          </p:nvPr>
+        </p:nvSpPr>
+        <p:spPr/>
+        <p:txBody>
+          <a:bodyPr/>
+          <a:lstStyle/>
+          <a:p>
+            <a:r>
+              <a:rPr lang="en-US" dirty="0" smtClean="0"/>
+              <a:t>References</a:t>
+            </a:r>
+            <a:endParaRPr lang="en-US" dirty="0"/>
+          </a:p>
+        </p:txBody>
+      </p:sp>
+      <p:sp>
+        <p:nvSpPr>
+          <p:cNvPr id="3" name="Content Placeholder 2"/>
+          <p:cNvSpPr>
+            <a:spLocks noGrp="1"/>
+          </p:cNvSpPr>
+          <p:nvPr>
+            <p:ph idx="1"/>
+          </p:nvPr>
+        </p:nvSpPr>
+        <p:spPr>
+          <a:xfrm>
+            <a:off x="457200" y="1946031"/>
+            <a:ext cx="8229600" cy="4180132"/>
+          </a:xfrm>
+        </p:spPr>
+        <p:txBody>
+          <a:bodyPr>
+            <a:normAutofit/>
+          </a:bodyPr>
+          <a:lstStyle/>
+          <a:p>
+            <a:pPr marL="1611313" indent="-1611313">
+              <a:buNone/>
+            </a:pPr>
+            <a:r>
+              <a:rPr lang="en-US" sz="1800" dirty="0" smtClean="0"/>
+              <a:t>[KS2009]	</a:t>
+            </a:r>
+            <a:r>
+              <a:rPr lang="en-US" sz="1800" dirty="0" err="1" smtClean="0"/>
+              <a:t>Henrik</a:t>
+            </a:r>
+            <a:r>
+              <a:rPr lang="en-US" sz="1800" dirty="0" smtClean="0"/>
+              <a:t> </a:t>
+            </a:r>
+            <a:r>
+              <a:rPr lang="en-US" sz="1800" dirty="0" err="1" smtClean="0"/>
+              <a:t>Kniberg</a:t>
+            </a:r>
+            <a:r>
+              <a:rPr lang="en-US" sz="1800" dirty="0" smtClean="0"/>
+              <a:t> and </a:t>
+            </a:r>
+            <a:r>
+              <a:rPr lang="en-US" sz="1800" dirty="0" err="1" smtClean="0"/>
+              <a:t>Mattias</a:t>
+            </a:r>
+            <a:r>
+              <a:rPr lang="en-US" sz="1800" dirty="0" smtClean="0"/>
+              <a:t> </a:t>
+            </a:r>
+            <a:r>
+              <a:rPr lang="en-US" sz="1800" dirty="0" err="1" smtClean="0"/>
+              <a:t>Skarin</a:t>
+            </a:r>
+            <a:r>
+              <a:rPr lang="en-US" sz="1800" dirty="0" smtClean="0"/>
+              <a:t>: </a:t>
+            </a:r>
+            <a:r>
+              <a:rPr lang="en-US" sz="1800" dirty="0" err="1" smtClean="0"/>
+              <a:t>Kanban</a:t>
+            </a:r>
+            <a:r>
+              <a:rPr lang="en-US" sz="1800" dirty="0" smtClean="0"/>
+              <a:t> and Scrum – Making the Most of Both. </a:t>
+            </a:r>
+            <a:r>
+              <a:rPr lang="en-US" sz="1800" dirty="0" err="1" smtClean="0"/>
+              <a:t>InfoQ</a:t>
+            </a:r>
+            <a:r>
+              <a:rPr lang="en-US" sz="1800" dirty="0"/>
+              <a:t> </a:t>
+            </a:r>
+            <a:r>
+              <a:rPr lang="en-US" sz="1800" dirty="0" smtClean="0"/>
+              <a:t>(2009) Available </a:t>
+            </a:r>
+            <a:r>
+              <a:rPr lang="en-US" sz="1800" dirty="0" err="1" smtClean="0"/>
+              <a:t>online:</a:t>
+            </a:r>
+            <a:r>
+              <a:rPr lang="en-US" sz="1800" dirty="0" err="1" smtClean="0">
+                <a:hlinkClick r:id="rId2"/>
+              </a:rPr>
+              <a:t>http</a:t>
+            </a:r>
+            <a:r>
+              <a:rPr lang="en-US" sz="1800" dirty="0" smtClean="0">
+                <a:hlinkClick r:id="rId2"/>
+              </a:rPr>
+              <a:t>://infoq.com/minibooks/kanban-scrum-minibook</a:t>
+            </a:r>
+            <a:endParaRPr lang="en-US" sz="1800" dirty="0" smtClean="0"/>
+          </a:p>
+          <a:p>
+            <a:pPr marL="0" indent="0">
+              <a:buNone/>
+            </a:pPr>
+            <a:r>
+              <a:rPr lang="en-US" sz="1800" dirty="0" smtClean="0"/>
+              <a:t> </a:t>
+            </a:r>
+          </a:p>
+          <a:p>
+            <a:endParaRPr lang="en-US" sz="1800" dirty="0"/>
+          </a:p>
+        </p:txBody>
+      </p:sp>
+    </p:spTree>
+    <p:extLst>
+      <p:ext uri="{BB962C8B-B14F-4D97-AF65-F5344CB8AC3E}">
+        <p14:creationId xmlns:p14="http://schemas.microsoft.com/office/powerpoint/2010/main" val="1037318733"/>
+      </p:ext>
+    </p:extLst>
+  </p:cSld>
+  <p:clrMapOvr>
+    <a:masterClrMapping/>
+  </p:clrMapOvr>
+  <mc:AlternateContent xmlns:mc="http://schemas.openxmlformats.org/markup-compatibility/2006" xmlns:p14="http://schemas.microsoft.com/office/powerpoint/2010/main">
+    <mc:Choice Requires="p14">
+      <p:transition spd="slow" p14:dur="2000"/>
+    </mc:Choice>
+    <mc:Fallback xmlns="">
+      <p:transition spd="slow"/>
+    </mc:Fallback>
+  </mc:AlternateContent>
+</p:sld>
+</file>
+
+<file path=ppt/slides/slide4.xml><?xml version="1.0" encoding="utf-8"?>
+<p:sld xmlns:a="http://schemas.openxmlformats.org/drawingml/2006/main" xmlns:r="http://schemas.openxmlformats.org/officeDocument/2006/relationships" xmlns:p="http://schemas.openxmlformats.org/presentationml/2006/main">
+  <p:cSld>
+    <p:spTree>
+      <p:nvGrpSpPr>
+        <p:cNvPr id="1" name=""/>
+        <p:cNvGrpSpPr/>
+        <p:nvPr/>
+      </p:nvGrpSpPr>
+      <p:grpSpPr>
+        <a:xfrm>
+          <a:off x="0" y="0"/>
+          <a:ext cx="0" cy="0"/>
+          <a:chOff x="0" y="0"/>
+          <a:chExt cx="0" cy="0"/>
+        </a:xfrm>
+      </p:grpSpPr>
+      <p:sp>
+        <p:nvSpPr>
+          <p:cNvPr id="2" name="Title 1"/>
+          <p:cNvSpPr>
+            <a:spLocks noGrp="1"/>
+          </p:cNvSpPr>
+          <p:nvPr>
+            <p:ph type="title"/>
+          </p:nvPr>
+        </p:nvSpPr>
+        <p:spPr/>
+        <p:txBody>
+          <a:bodyPr/>
+          <a:lstStyle/>
+          <a:p>
+            <a:r>
+              <a:rPr lang="en-US" dirty="0" smtClean="0"/>
+              <a:t>Course Objectives</a:t>
+            </a:r>
+            <a:endParaRPr lang="en-US" dirty="0"/>
+          </a:p>
+        </p:txBody>
+      </p:sp>
+      <p:graphicFrame>
+        <p:nvGraphicFramePr>
+          <p:cNvPr id="6" name="Content Placeholder 5"/>
+          <p:cNvGraphicFramePr>
+            <a:graphicFrameLocks noGrp="1"/>
+          </p:cNvGraphicFramePr>
+          <p:nvPr>
+            <p:ph idx="1"/>
+            <p:extLst>
+              <p:ext uri="{D42A27DB-BD31-4B8C-83A1-F6EECF244321}">
+                <p14:modId xmlns:p14="http://schemas.microsoft.com/office/powerpoint/2010/main" val="1689645899"/>
+              </p:ext>
+            </p:extLst>
+          </p:nvPr>
+        </p:nvGraphicFramePr>
+        <p:xfrm>
+          <a:off x="457200" y="1365250"/>
+          <a:ext cx="8229600" cy="5222240"/>
+        </p:xfrm>
+        <a:graphic>
+          <a:graphicData uri="http://schemas.openxmlformats.org/drawingml/2006/table">
+            <a:tbl>
+              <a:tblPr firstRow="1" bandRow="1">
+                <a:tableStyleId>{5C22544A-7EE6-4342-B048-85BDC9FD1C3A}</a:tableStyleId>
+              </a:tblPr>
+              <a:tblGrid>
+                <a:gridCol w="2743200"/>
+                <a:gridCol w="2743200"/>
+                <a:gridCol w="2743200"/>
+              </a:tblGrid>
+              <a:tr h="370840">
+                <a:tc>
+                  <a:txBody>
+                    <a:bodyPr/>
+                    <a:lstStyle/>
+                    <a:p>
+                      <a:r>
+                        <a:rPr lang="en-US" dirty="0" smtClean="0"/>
+                        <a:t>Knowledge and understanding</a:t>
+                      </a:r>
+                      <a:endParaRPr lang="en-US" dirty="0"/>
+                    </a:p>
+                  </a:txBody>
+                  <a:tcPr/>
+                </a:tc>
+                <a:tc>
+                  <a:txBody>
+                    <a:bodyPr/>
+                    <a:lstStyle/>
+                    <a:p>
+                      <a:r>
+                        <a:rPr lang="en-US" dirty="0" smtClean="0"/>
+                        <a:t>Skills and ability</a:t>
+                      </a:r>
+                      <a:endParaRPr lang="en-US" dirty="0"/>
+                    </a:p>
+                  </a:txBody>
+                  <a:tcPr/>
+                </a:tc>
+                <a:tc>
+                  <a:txBody>
+                    <a:bodyPr/>
+                    <a:lstStyle/>
+                    <a:p>
+                      <a:r>
+                        <a:rPr lang="en-US" dirty="0" err="1" smtClean="0"/>
+                        <a:t>Judgement</a:t>
+                      </a:r>
+                      <a:r>
+                        <a:rPr lang="en-US" dirty="0" smtClean="0"/>
+                        <a:t> and approach</a:t>
+                      </a:r>
+                      <a:endParaRPr lang="en-US" dirty="0"/>
+                    </a:p>
+                  </a:txBody>
+                  <a:tcPr/>
+                </a:tc>
+              </a:tr>
+              <a:tr h="370840">
+                <a:tc>
+                  <a:txBody>
+                    <a:bodyPr/>
+                    <a:lstStyle/>
+                    <a:p>
+                      <a:r>
+                        <a:rPr lang="en-US" dirty="0" smtClean="0"/>
+                        <a:t>Compare agile and traditional </a:t>
+                      </a:r>
+                      <a:r>
+                        <a:rPr lang="en-US" dirty="0" err="1" smtClean="0"/>
+                        <a:t>softw</a:t>
+                      </a:r>
+                      <a:r>
+                        <a:rPr lang="en-US" dirty="0" smtClean="0"/>
+                        <a:t>. </a:t>
+                      </a:r>
+                      <a:r>
+                        <a:rPr lang="en-US" dirty="0" err="1" smtClean="0"/>
+                        <a:t>dev</a:t>
+                      </a:r>
+                      <a:r>
+                        <a:rPr lang="en-US" dirty="0" smtClean="0"/>
+                        <a:t>,</a:t>
+                      </a:r>
+                      <a:endParaRPr lang="en-US" dirty="0"/>
+                    </a:p>
+                  </a:txBody>
+                  <a:tcPr>
+                    <a:solidFill>
+                      <a:schemeClr val="accent2">
+                        <a:lumMod val="20000"/>
+                        <a:lumOff val="80000"/>
+                      </a:schemeClr>
+                    </a:solidFill>
+                  </a:tcPr>
+                </a:tc>
+                <a:tc>
+                  <a:txBody>
+                    <a:bodyPr/>
+                    <a:lstStyle/>
+                    <a:p>
+                      <a:r>
+                        <a:rPr lang="en-US" dirty="0" smtClean="0"/>
+                        <a:t>Forming a team organically</a:t>
+                      </a:r>
+                      <a:endParaRPr lang="en-US" dirty="0"/>
+                    </a:p>
+                  </a:txBody>
+                  <a:tcPr>
+                    <a:solidFill>
+                      <a:schemeClr val="accent5">
+                        <a:lumMod val="20000"/>
+                        <a:lumOff val="80000"/>
+                      </a:schemeClr>
+                    </a:solidFill>
+                  </a:tcPr>
+                </a:tc>
+                <a:tc>
+                  <a:txBody>
+                    <a:bodyPr/>
+                    <a:lstStyle/>
+                    <a:p>
+                      <a:r>
+                        <a:rPr lang="en-US" dirty="0" smtClean="0"/>
+                        <a:t>Explain: people/</a:t>
+                      </a:r>
+                      <a:r>
+                        <a:rPr lang="en-US" dirty="0" err="1" smtClean="0"/>
+                        <a:t>commun</a:t>
+                      </a:r>
+                      <a:r>
+                        <a:rPr lang="en-US" dirty="0" smtClean="0"/>
+                        <a:t>.</a:t>
+                      </a:r>
+                      <a:r>
+                        <a:rPr lang="en-US" baseline="0" dirty="0" smtClean="0"/>
+                        <a:t> centric dev.</a:t>
+                      </a:r>
+                      <a:endParaRPr lang="en-US" dirty="0"/>
+                    </a:p>
+                  </a:txBody>
+                  <a:tcPr>
+                    <a:solidFill>
+                      <a:schemeClr val="accent3">
+                        <a:lumMod val="20000"/>
+                        <a:lumOff val="80000"/>
+                      </a:schemeClr>
+                    </a:solidFill>
+                  </a:tcPr>
+                </a:tc>
+              </a:tr>
+              <a:tr h="370840">
+                <a:tc>
+                  <a:txBody>
+                    <a:bodyPr/>
+                    <a:lstStyle/>
+                    <a:p>
+                      <a:r>
+                        <a:rPr lang="en-US" dirty="0" smtClean="0"/>
+                        <a:t>Relate lean and agile development</a:t>
+                      </a:r>
+                      <a:endParaRPr lang="en-US" dirty="0"/>
+                    </a:p>
+                  </a:txBody>
+                  <a:tcPr>
+                    <a:solidFill>
+                      <a:schemeClr val="accent2">
+                        <a:lumMod val="20000"/>
+                        <a:lumOff val="80000"/>
+                      </a:schemeClr>
+                    </a:solidFill>
+                  </a:tcPr>
+                </a:tc>
+                <a:tc>
+                  <a:txBody>
+                    <a:bodyPr/>
+                    <a:lstStyle/>
+                    <a:p>
+                      <a:r>
+                        <a:rPr lang="en-US" dirty="0" smtClean="0"/>
+                        <a:t>Collaborate</a:t>
+                      </a:r>
+                      <a:r>
+                        <a:rPr lang="en-US" baseline="0" dirty="0" smtClean="0"/>
+                        <a:t> in small software dev. teams</a:t>
+                      </a:r>
+                      <a:endParaRPr lang="en-US" dirty="0"/>
+                    </a:p>
+                  </a:txBody>
+                  <a:tcPr>
+                    <a:solidFill>
+                      <a:schemeClr val="accent5">
+                        <a:lumMod val="20000"/>
+                        <a:lumOff val="80000"/>
+                      </a:schemeClr>
+                    </a:solidFill>
+                  </a:tcPr>
+                </a:tc>
+                <a:tc>
+                  <a:txBody>
+                    <a:bodyPr/>
+                    <a:lstStyle/>
+                    <a:p>
+                      <a:r>
+                        <a:rPr lang="en-US" dirty="0" smtClean="0"/>
+                        <a:t>Apply fact: people drive project success</a:t>
+                      </a:r>
+                      <a:endParaRPr lang="en-US" dirty="0"/>
+                    </a:p>
+                  </a:txBody>
+                  <a:tcPr>
+                    <a:solidFill>
+                      <a:schemeClr val="accent3">
+                        <a:lumMod val="20000"/>
+                        <a:lumOff val="80000"/>
+                      </a:schemeClr>
+                    </a:solidFill>
+                  </a:tcPr>
+                </a:tc>
+              </a:tr>
+              <a:tr h="370840">
+                <a:tc>
+                  <a:txBody>
+                    <a:bodyPr/>
+                    <a:lstStyle/>
+                    <a:p>
+                      <a:r>
+                        <a:rPr lang="en-US" dirty="0" smtClean="0"/>
+                        <a:t>Contrast</a:t>
+                      </a:r>
+                      <a:r>
+                        <a:rPr lang="en-US" baseline="0" dirty="0" smtClean="0"/>
+                        <a:t> different agile methodologies</a:t>
+                      </a:r>
+                      <a:endParaRPr lang="en-US" dirty="0"/>
+                    </a:p>
+                  </a:txBody>
+                  <a:tcPr>
+                    <a:solidFill>
+                      <a:schemeClr val="accent3">
+                        <a:lumMod val="20000"/>
+                        <a:lumOff val="80000"/>
+                      </a:schemeClr>
+                    </a:solidFill>
+                  </a:tcPr>
+                </a:tc>
+                <a:tc>
+                  <a:txBody>
+                    <a:bodyPr/>
+                    <a:lstStyle/>
+                    <a:p>
+                      <a:r>
+                        <a:rPr lang="en-US" dirty="0" smtClean="0"/>
+                        <a:t>Interact</a:t>
+                      </a:r>
+                      <a:r>
+                        <a:rPr lang="en-US" baseline="0" dirty="0" smtClean="0"/>
+                        <a:t> and show progress continuously</a:t>
+                      </a:r>
+                      <a:endParaRPr lang="en-US" dirty="0"/>
+                    </a:p>
+                  </a:txBody>
+                  <a:tcPr>
+                    <a:solidFill>
+                      <a:schemeClr val="accent5">
+                        <a:lumMod val="20000"/>
+                        <a:lumOff val="80000"/>
+                      </a:schemeClr>
+                    </a:solidFill>
+                  </a:tcPr>
+                </a:tc>
+                <a:tc>
+                  <a:txBody>
+                    <a:bodyPr/>
+                    <a:lstStyle/>
+                    <a:p>
+                      <a:r>
+                        <a:rPr lang="en-US" dirty="0" smtClean="0"/>
+                        <a:t>Describe: No single methodology fits all</a:t>
+                      </a:r>
+                      <a:endParaRPr lang="en-US" dirty="0"/>
+                    </a:p>
+                  </a:txBody>
+                  <a:tcPr>
+                    <a:solidFill>
+                      <a:schemeClr val="accent3">
+                        <a:lumMod val="20000"/>
+                        <a:lumOff val="80000"/>
+                      </a:schemeClr>
+                    </a:solidFill>
+                  </a:tcPr>
+                </a:tc>
+              </a:tr>
+              <a:tr h="370840">
+                <a:tc>
+                  <a:txBody>
+                    <a:bodyPr/>
+                    <a:lstStyle/>
+                    <a:p>
+                      <a:r>
+                        <a:rPr lang="en-US" dirty="0" smtClean="0"/>
+                        <a:t>Use the agile manifest and its accompanying principles</a:t>
+                      </a:r>
+                      <a:endParaRPr lang="en-US" dirty="0"/>
+                    </a:p>
+                  </a:txBody>
+                  <a:tcPr>
+                    <a:solidFill>
+                      <a:schemeClr val="accent3">
+                        <a:lumMod val="20000"/>
+                        <a:lumOff val="80000"/>
+                      </a:schemeClr>
+                    </a:solidFill>
+                  </a:tcPr>
+                </a:tc>
+                <a:tc>
+                  <a:txBody>
+                    <a:bodyPr/>
+                    <a:lstStyle/>
+                    <a:p>
+                      <a:r>
+                        <a:rPr lang="en-US" dirty="0" smtClean="0"/>
+                        <a:t>Develop SW</a:t>
+                      </a:r>
+                      <a:r>
+                        <a:rPr lang="en-US" baseline="0" dirty="0" smtClean="0"/>
+                        <a:t> using small and frequent iterations</a:t>
+                      </a:r>
+                      <a:endParaRPr lang="en-US" dirty="0"/>
+                    </a:p>
+                  </a:txBody>
+                  <a:tcPr>
+                    <a:solidFill>
+                      <a:schemeClr val="accent5">
+                        <a:lumMod val="20000"/>
+                        <a:lumOff val="80000"/>
+                      </a:schemeClr>
+                    </a:solidFill>
+                  </a:tcPr>
+                </a:tc>
+                <a:tc>
+                  <a:txBody>
+                    <a:bodyPr/>
+                    <a:lstStyle/>
+                    <a:p>
+                      <a:r>
+                        <a:rPr lang="en-US" dirty="0" smtClean="0"/>
+                        <a:t>Discuss: methodology needs to adopt to culture </a:t>
+                      </a:r>
+                      <a:endParaRPr lang="en-US" dirty="0"/>
+                    </a:p>
+                  </a:txBody>
+                  <a:tcPr>
+                    <a:solidFill>
+                      <a:srgbClr val="F2DCDB"/>
+                    </a:solidFill>
+                  </a:tcPr>
+                </a:tc>
+              </a:tr>
+              <a:tr h="370840">
+                <a:tc>
+                  <a:txBody>
+                    <a:bodyPr/>
+                    <a:lstStyle/>
+                    <a:p>
+                      <a:r>
+                        <a:rPr lang="en-US" dirty="0" smtClean="0"/>
+                        <a:t>Discuss what is different</a:t>
+                      </a:r>
+                      <a:r>
+                        <a:rPr lang="en-US" baseline="0" dirty="0" smtClean="0"/>
+                        <a:t> when leading an agile team</a:t>
+                      </a:r>
+                      <a:endParaRPr lang="en-US" dirty="0"/>
+                    </a:p>
+                  </a:txBody>
+                  <a:tcPr>
+                    <a:solidFill>
+                      <a:srgbClr val="F2DCDB"/>
+                    </a:solidFill>
+                  </a:tcPr>
+                </a:tc>
+                <a:tc>
+                  <a:txBody>
+                    <a:bodyPr/>
+                    <a:lstStyle/>
+                    <a:p>
+                      <a:r>
+                        <a:rPr lang="en-US" dirty="0" smtClean="0"/>
+                        <a:t>Use test-driven dev. and automated tests</a:t>
+                      </a:r>
+                      <a:endParaRPr lang="en-US" dirty="0"/>
+                    </a:p>
+                  </a:txBody>
+                  <a:tcPr>
+                    <a:solidFill>
+                      <a:schemeClr val="accent5">
+                        <a:lumMod val="20000"/>
+                        <a:lumOff val="80000"/>
+                      </a:schemeClr>
+                    </a:solidFill>
+                  </a:tcPr>
+                </a:tc>
+                <a:tc>
+                  <a:txBody>
+                    <a:bodyPr/>
+                    <a:lstStyle/>
+                    <a:p>
+                      <a:endParaRPr lang="en-US" dirty="0"/>
+                    </a:p>
+                  </a:txBody>
+                  <a:tcPr>
+                    <a:solidFill>
+                      <a:schemeClr val="bg1"/>
+                    </a:solidFill>
+                  </a:tcPr>
+                </a:tc>
+              </a:tr>
+              <a:tr h="370840">
+                <a:tc>
+                  <a:txBody>
+                    <a:bodyPr/>
+                    <a:lstStyle/>
+                    <a:p>
+                      <a:endParaRPr lang="en-US" dirty="0"/>
+                    </a:p>
+                  </a:txBody>
+                  <a:tcPr>
+                    <a:solidFill>
+                      <a:srgbClr val="FFFFFF"/>
+                    </a:solidFill>
+                  </a:tcPr>
+                </a:tc>
+                <a:tc>
+                  <a:txBody>
+                    <a:bodyPr/>
+                    <a:lstStyle/>
+                    <a:p>
+                      <a:r>
+                        <a:rPr lang="en-US" dirty="0" smtClean="0"/>
+                        <a:t>Refactor a program/design</a:t>
+                      </a:r>
+                      <a:endParaRPr lang="en-US" dirty="0"/>
+                    </a:p>
+                  </a:txBody>
+                  <a:tcPr>
+                    <a:solidFill>
+                      <a:schemeClr val="accent5">
+                        <a:lumMod val="20000"/>
+                        <a:lumOff val="80000"/>
+                      </a:schemeClr>
+                    </a:solidFill>
+                  </a:tcPr>
+                </a:tc>
+                <a:tc>
+                  <a:txBody>
+                    <a:bodyPr/>
+                    <a:lstStyle/>
+                    <a:p>
+                      <a:endParaRPr lang="en-US" dirty="0"/>
+                    </a:p>
+                  </a:txBody>
+                  <a:tcPr>
+                    <a:solidFill>
+                      <a:schemeClr val="bg1"/>
+                    </a:solidFill>
+                  </a:tcPr>
+                </a:tc>
+              </a:tr>
+              <a:tr h="370840">
+                <a:tc>
+                  <a:txBody>
+                    <a:bodyPr/>
+                    <a:lstStyle/>
+                    <a:p>
+                      <a:endParaRPr lang="en-US" dirty="0"/>
+                    </a:p>
+                  </a:txBody>
+                  <a:tcPr>
+                    <a:solidFill>
+                      <a:srgbClr val="FFFFFF"/>
+                    </a:solidFill>
+                  </a:tcPr>
+                </a:tc>
+                <a:tc>
+                  <a:txBody>
+                    <a:bodyPr/>
+                    <a:lstStyle/>
+                    <a:p>
+                      <a:r>
+                        <a:rPr lang="en-US" dirty="0" smtClean="0"/>
+                        <a:t>Be member of agile team</a:t>
+                      </a:r>
+                      <a:endParaRPr lang="en-US" dirty="0"/>
+                    </a:p>
+                  </a:txBody>
+                  <a:tcPr>
+                    <a:solidFill>
+                      <a:schemeClr val="accent5">
+                        <a:lumMod val="20000"/>
+                        <a:lumOff val="80000"/>
+                      </a:schemeClr>
+                    </a:solidFill>
+                  </a:tcPr>
+                </a:tc>
+                <a:tc>
+                  <a:txBody>
+                    <a:bodyPr/>
+                    <a:lstStyle/>
+                    <a:p>
+                      <a:endParaRPr lang="en-US" dirty="0"/>
+                    </a:p>
+                  </a:txBody>
+                  <a:tcPr>
+                    <a:solidFill>
+                      <a:schemeClr val="bg1"/>
+                    </a:solidFill>
+                  </a:tcPr>
+                </a:tc>
+              </a:tr>
+              <a:tr h="370840">
+                <a:tc>
+                  <a:txBody>
+                    <a:bodyPr/>
+                    <a:lstStyle/>
+                    <a:p>
+                      <a:endParaRPr lang="en-US" dirty="0"/>
+                    </a:p>
+                  </a:txBody>
+                  <a:tcPr>
+                    <a:solidFill>
+                      <a:srgbClr val="FFFFFF"/>
+                    </a:solidFill>
+                  </a:tcPr>
+                </a:tc>
+                <a:tc>
+                  <a:txBody>
+                    <a:bodyPr/>
+                    <a:lstStyle/>
+                    <a:p>
+                      <a:r>
+                        <a:rPr lang="en-US" dirty="0" smtClean="0"/>
+                        <a:t>Incremental planning using user stories</a:t>
+                      </a:r>
+                      <a:endParaRPr lang="en-US" dirty="0"/>
+                    </a:p>
+                  </a:txBody>
+                  <a:tcPr>
+                    <a:solidFill>
+                      <a:schemeClr val="accent5">
+                        <a:lumMod val="20000"/>
+                        <a:lumOff val="80000"/>
+                      </a:schemeClr>
+                    </a:solidFill>
+                  </a:tcPr>
+                </a:tc>
+                <a:tc>
+                  <a:txBody>
+                    <a:bodyPr/>
+                    <a:lstStyle/>
+                    <a:p>
+                      <a:endParaRPr lang="en-US" dirty="0"/>
+                    </a:p>
+                  </a:txBody>
+                  <a:tcPr>
+                    <a:solidFill>
+                      <a:schemeClr val="bg1"/>
+                    </a:solidFill>
+                  </a:tcPr>
+                </a:tc>
+              </a:tr>
+            </a:tbl>
+          </a:graphicData>
+        </a:graphic>
+      </p:graphicFrame>
+      <p:sp>
+        <p:nvSpPr>
+          <p:cNvPr id="4" name="Footer Placeholder 3"/>
+          <p:cNvSpPr>
+            <a:spLocks noGrp="1"/>
+          </p:cNvSpPr>
+          <p:nvPr>
+            <p:ph type="ftr" sz="quarter" idx="11"/>
+          </p:nvPr>
+        </p:nvSpPr>
+        <p:spPr/>
+        <p:txBody>
+          <a:bodyPr/>
+          <a:lstStyle/>
+          <a:p>
+            <a:r>
+              <a:rPr lang="de-DE" smtClean="0">
+                <a:solidFill>
+                  <a:prstClr val="black">
+                    <a:tint val="75000"/>
+                  </a:prstClr>
+                </a:solidFill>
+              </a:rPr>
+              <a:t>Agile Software Dev. | Eric Knauss</a:t>
+            </a:r>
+            <a:endParaRPr lang="de-DE">
+              <a:solidFill>
+                <a:prstClr val="black">
+                  <a:tint val="75000"/>
+                </a:prstClr>
+              </a:solidFill>
+            </a:endParaRPr>
+          </a:p>
+        </p:txBody>
+      </p:sp>
+      <p:sp>
+        <p:nvSpPr>
+          <p:cNvPr id="5" name="Slide Number Placeholder 4"/>
+          <p:cNvSpPr>
+            <a:spLocks noGrp="1"/>
+          </p:cNvSpPr>
+          <p:nvPr>
+            <p:ph type="sldNum" sz="quarter" idx="12"/>
+          </p:nvPr>
+        </p:nvSpPr>
+        <p:spPr/>
+        <p:txBody>
+          <a:bodyPr/>
+          <a:lstStyle/>
+          <a:p>
+            <a:fld id="{91974DF9-AD47-4691-BA21-BBFCE3637A9A}" type="slidenum">
+              <a:rPr lang="en-US" smtClean="0">
+                <a:solidFill>
+                  <a:prstClr val="black">
+                    <a:tint val="75000"/>
+                  </a:prstClr>
+                </a:solidFill>
+              </a:rPr>
+              <a:pPr/>
+              <a:t>4</a:t>
+            </a:fld>
+            <a:endParaRPr lang="en-US">
+              <a:solidFill>
+                <a:prstClr val="black">
+                  <a:tint val="75000"/>
+                </a:prstClr>
+              </a:solidFill>
+            </a:endParaRPr>
+          </a:p>
+        </p:txBody>
+      </p:sp>
+      <p:sp>
+        <p:nvSpPr>
+          <p:cNvPr id="7" name="TextBox 6"/>
+          <p:cNvSpPr txBox="1"/>
+          <p:nvPr/>
+        </p:nvSpPr>
+        <p:spPr>
+          <a:xfrm rot="16200000">
+            <a:off x="-230624" y="3710711"/>
+            <a:ext cx="929461" cy="369332"/>
+          </a:xfrm>
+          <a:prstGeom prst="rect">
+            <a:avLst/>
+          </a:prstGeom>
+          <a:noFill/>
+        </p:spPr>
+        <p:txBody>
+          <a:bodyPr wrap="none" rtlCol="0">
+            <a:spAutoFit/>
+          </a:bodyPr>
+          <a:lstStyle/>
+          <a:p>
+            <a:r>
+              <a:rPr lang="en-US" b="1" dirty="0" smtClean="0"/>
+              <a:t>Sprint 1</a:t>
+            </a:r>
+            <a:endParaRPr lang="en-US" b="1" dirty="0"/>
+          </a:p>
+        </p:txBody>
+      </p:sp>
+      <p:sp>
+        <p:nvSpPr>
+          <p:cNvPr id="8" name="TextBox 7"/>
+          <p:cNvSpPr txBox="1"/>
+          <p:nvPr/>
+        </p:nvSpPr>
+        <p:spPr>
+          <a:xfrm rot="16200000">
+            <a:off x="2506495" y="5938094"/>
+            <a:ext cx="929461" cy="369332"/>
+          </a:xfrm>
+          <a:prstGeom prst="rect">
+            <a:avLst/>
+          </a:prstGeom>
+          <a:noFill/>
+        </p:spPr>
+        <p:txBody>
+          <a:bodyPr wrap="none" rtlCol="0">
+            <a:spAutoFit/>
+          </a:bodyPr>
+          <a:lstStyle/>
+          <a:p>
+            <a:r>
+              <a:rPr lang="en-US" b="1" dirty="0" smtClean="0"/>
+              <a:t>Sprint 2</a:t>
+            </a:r>
+            <a:endParaRPr lang="en-US" b="1" dirty="0"/>
+          </a:p>
+        </p:txBody>
+      </p:sp>
+      <p:sp>
+        <p:nvSpPr>
+          <p:cNvPr id="9" name="TextBox 8"/>
+          <p:cNvSpPr txBox="1"/>
+          <p:nvPr/>
+        </p:nvSpPr>
+        <p:spPr>
+          <a:xfrm rot="16200000">
+            <a:off x="8406736" y="2933650"/>
+            <a:ext cx="929461" cy="369332"/>
+          </a:xfrm>
+          <a:prstGeom prst="rect">
+            <a:avLst/>
+          </a:prstGeom>
+          <a:noFill/>
+        </p:spPr>
+        <p:txBody>
+          <a:bodyPr wrap="none" rtlCol="0">
+            <a:spAutoFit/>
+          </a:bodyPr>
+          <a:lstStyle/>
+          <a:p>
+            <a:r>
+              <a:rPr lang="en-US" b="1" dirty="0" smtClean="0"/>
+              <a:t>Sprint 3</a:t>
+            </a:r>
+            <a:endParaRPr lang="en-US" b="1" dirty="0"/>
+          </a:p>
+        </p:txBody>
+      </p:sp>
+    </p:spTree>
+    <p:extLst>
+      <p:ext uri="{BB962C8B-B14F-4D97-AF65-F5344CB8AC3E}">
+        <p14:creationId xmlns:p14="http://schemas.microsoft.com/office/powerpoint/2010/main" val="1986531092"/>
+      </p:ext>
+    </p:extLst>
+  </p:cSld>
+  <p:clrMapOvr>
+    <a:masterClrMapping/>
+  </p:clrMapOvr>
+  <mc:AlternateContent xmlns:mc="http://schemas.openxmlformats.org/markup-compatibility/2006">
+    <mc:Choice xmlns:p14="http://schemas.microsoft.com/office/powerpoint/2010/main" Requires="p14">
+      <p:transition spd="slow" p14:dur="2000"/>
+    </mc:Choice>
+    <mc:Fallback>
       <p:transition spd="slow"/>
     </mc:Fallback>
   </mc:AlternateContent>
@@ -16241,7 +17873,7 @@
       </p:grpSpPr>
       <p:sp>
         <p:nvSpPr>
-          <p:cNvPr id="6" name="Title 5"/>
+          <p:cNvPr id="2" name="Title 1"/>
           <p:cNvSpPr>
             <a:spLocks noGrp="1"/>
           </p:cNvSpPr>
@@ -16249,19 +17881,14 @@
             <p:ph type="title"/>
           </p:nvPr>
         </p:nvSpPr>
-        <p:spPr>
-          <a:xfrm>
-            <a:off x="213360" y="33843"/>
-            <a:ext cx="8229600" cy="863095"/>
-          </a:xfrm>
-        </p:spPr>
+        <p:spPr/>
         <p:txBody>
           <a:bodyPr/>
           <a:lstStyle/>
           <a:p>
             <a:r>
               <a:rPr lang="en-US" dirty="0" smtClean="0"/>
-              <a:t>Agile Practices</a:t>
+              <a:t>User story</a:t>
             </a:r>
             <a:endParaRPr lang="en-US" dirty="0"/>
           </a:p>
@@ -16269,6 +17896,60 @@
       </p:sp>
       <p:sp>
         <p:nvSpPr>
+          <p:cNvPr id="3" name="Content Placeholder 2"/>
+          <p:cNvSpPr>
+            <a:spLocks noGrp="1"/>
+          </p:cNvSpPr>
+          <p:nvPr>
+            <p:ph idx="1"/>
+          </p:nvPr>
+        </p:nvSpPr>
+        <p:spPr/>
+        <p:txBody>
+          <a:bodyPr/>
+          <a:lstStyle/>
+          <a:p>
+            <a:r>
+              <a:rPr lang="en-US" dirty="0" smtClean="0"/>
+              <a:t>Widely accepted template: As a &lt;role&gt; I want to &lt;feature&gt; so that &lt;customer value&gt;</a:t>
+            </a:r>
+          </a:p>
+          <a:p>
+            <a:r>
+              <a:rPr lang="en-US" dirty="0" smtClean="0"/>
+              <a:t>Promise to discuss this user goal further</a:t>
+            </a:r>
+          </a:p>
+          <a:p>
+            <a:r>
+              <a:rPr lang="en-US" dirty="0" smtClean="0"/>
+              <a:t>Keep track of what the team is doing</a:t>
+            </a:r>
+          </a:p>
+          <a:p>
+            <a:r>
+              <a:rPr lang="en-US" dirty="0" smtClean="0"/>
+              <a:t>A lot of value in physical artifact</a:t>
+            </a:r>
+          </a:p>
+          <a:p>
+            <a:r>
+              <a:rPr lang="en-US" dirty="0" smtClean="0"/>
+              <a:t>Usually good idea to add: ID, Story Points, List of sub-tasks, Indication of </a:t>
+            </a:r>
+            <a:r>
+              <a:rPr lang="en-US" dirty="0"/>
+              <a:t>c</a:t>
+            </a:r>
+            <a:r>
+              <a:rPr lang="en-US" dirty="0" smtClean="0"/>
+              <a:t>ustomer value, notes on the backside</a:t>
+            </a:r>
+          </a:p>
+        </p:txBody>
+      </p:sp>
+      <p:sp>
+        <p:nvSpPr>
           <p:cNvPr id="4" name="Footer Placeholder 3"/>
           <p:cNvSpPr>
             <a:spLocks noGrp="1"/>
@@ -16283,10 +17964,22 @@
           <a:lstStyle/>
           <a:p>
             <a:r>
-              <a:rPr lang="en-US" smtClean="0"/>
+              <a:rPr lang="en-US" smtClean="0">
+                <a:solidFill>
+                  <a:prstClr val="black">
+                    <a:tint val="75000"/>
+                  </a:prstClr>
+                </a:solidFill>
+              </a:rPr>
               <a:t>Eric Knauss - Continuous X 4 WASP</a:t>
             </a:r>
-            <a:endParaRPr lang="en-US"/>
+            <a:endParaRPr lang="en-US">
+              <a:solidFill>
+                <a:prstClr val="black">
+                  <a:tint val="75000"/>
+                </a:prstClr>
+              </a:solidFill>
+            </a:endParaRPr>
           </a:p>
         </p:txBody>
       </p:sp>
@@ -16306,135 +17999,36 @@
           <a:lstStyle/>
           <a:p>
             <a:fld id="{112474B8-E05E-194A-B83E-2067B031ADBA}" type="slidenum">
-              <a:rPr lang="en-US" smtClean="0"/>
+              <a:rPr lang="en-US" smtClean="0">
+                <a:solidFill>
+                  <a:prstClr val="black">
+                    <a:tint val="75000"/>
+                  </a:prstClr>
+                </a:solidFill>
+              </a:rPr>
+              <a:pPr/>
               <a:t>5</a:t>
             </a:fld>
-            <a:endParaRPr lang="en-US"/>
-          </a:p>
-        </p:txBody>
-      </p:sp>
-      <p:pic>
-        <p:nvPicPr>
-          <p:cNvPr id="8" name="Content Placeholder 3"/>
-          <p:cNvPicPr>
-            <a:picLocks noGrp="1" noChangeAspect="1"/>
-          </p:cNvPicPr>
-          <p:nvPr>
-            <p:ph idx="4294967295"/>
-          </p:nvPr>
-        </p:nvPicPr>
-        <p:blipFill>
-          <a:blip r:embed="rId2" cstate="print">
-            <a:extLst>
-              <a:ext uri="{28A0092B-C50C-407E-A947-70E740481C1C}">
-                <a14:useLocalDpi xmlns:a14="http://schemas.microsoft.com/office/drawing/2010/main"/>
-              </a:ext>
-            </a:extLst>
-          </a:blip>
-          <a:srcRect/>
-          <a:stretch>
-            <a:fillRect/>
-          </a:stretch>
-        </p:blipFill>
-        <p:spPr>
-          <a:xfrm>
-            <a:off x="-3175" y="896938"/>
-            <a:ext cx="9147175" cy="5930900"/>
-          </a:xfrm>
-        </p:spPr>
-      </p:pic>
-      <p:sp>
-        <p:nvSpPr>
-          <p:cNvPr id="9" name="TextBox 8"/>
-          <p:cNvSpPr txBox="1"/>
-          <p:nvPr/>
-        </p:nvSpPr>
-        <p:spPr>
-          <a:xfrm>
-            <a:off x="4551216" y="6042356"/>
-            <a:ext cx="5006499" cy="415498"/>
-          </a:xfrm>
-          <a:prstGeom prst="rect">
-            <a:avLst/>
-          </a:prstGeom>
-          <a:noFill/>
-        </p:spPr>
-        <p:txBody>
-          <a:bodyPr wrap="none" rtlCol="0">
-            <a:spAutoFit/>
-          </a:bodyPr>
-          <a:lstStyle/>
-          <a:p>
-            <a:r>
-              <a:rPr lang="en-US" sz="1050" dirty="0">
-                <a:hlinkClick r:id="rId3"/>
-              </a:rPr>
-              <a:t>https://techblog.betclicgroup.com/wp-content/uploads/2013/12/agileSubwayMap2.</a:t>
-            </a:r>
-            <a:r>
-              <a:rPr lang="en-US" sz="1050" dirty="0" smtClean="0">
-                <a:hlinkClick r:id="rId3"/>
-              </a:rPr>
-              <a:t>jpg</a:t>
-            </a:r>
-            <a:endParaRPr lang="en-US" sz="1050" dirty="0" smtClean="0"/>
-          </a:p>
-          <a:p>
-            <a:r>
-              <a:rPr lang="en-US" sz="1050" dirty="0"/>
-              <a:t>Also </a:t>
-            </a:r>
-            <a:r>
-              <a:rPr lang="en-US" sz="1050" dirty="0" smtClean="0"/>
-              <a:t>check: </a:t>
-            </a:r>
-            <a:r>
-              <a:rPr lang="en-US" sz="1050" dirty="0" smtClean="0">
-                <a:hlinkClick r:id="rId4"/>
-              </a:rPr>
-              <a:t>http</a:t>
-            </a:r>
-            <a:r>
-              <a:rPr lang="en-US" sz="1050" dirty="0">
-                <a:hlinkClick r:id="rId4"/>
-              </a:rPr>
-              <a:t>://</a:t>
-            </a:r>
-            <a:r>
-              <a:rPr lang="en-US" sz="1050" dirty="0" smtClean="0">
-                <a:hlinkClick r:id="rId4"/>
-              </a:rPr>
-              <a:t>guide.agilealliance.org</a:t>
-            </a:r>
-            <a:endParaRPr lang="en-US" sz="1050" dirty="0"/>
+            <a:endParaRPr lang="en-US">
+              <a:solidFill>
+                <a:prstClr val="black">
+                  <a:tint val="75000"/>
+                </a:prstClr>
+              </a:solidFill>
+            </a:endParaRPr>
           </a:p>
         </p:txBody>
       </p:sp>
     </p:spTree>
     <p:extLst>
       <p:ext uri="{BB962C8B-B14F-4D97-AF65-F5344CB8AC3E}">
-        <p14:creationId xmlns:p14="http://schemas.microsoft.com/office/powerpoint/2010/main" val="1350302066"/>
+        <p14:creationId xmlns:p14="http://schemas.microsoft.com/office/powerpoint/2010/main" val="711240522"/>
       </p:ext>
     </p:extLst>
   </p:cSld>
   <p:clrMapOvr>
     <a:masterClrMapping/>
   </p:clrMapOvr>
-  <mc:AlternateContent xmlns:mc="http://schemas.openxmlformats.org/markup-compatibility/2006">
-    <mc:Choice xmlns:p14="http://schemas.microsoft.com/office/powerpoint/2010/main" Requires="p14">
-      <p:transition spd="slow" p14:dur="2000"/>
-    </mc:Choice>
-    <mc:Fallback>
-      <p:transition spd="slow"/>
-    </mc:Fallback>
-  </mc:AlternateContent>
-  <p:timing>
-    <p:tnLst>
-      <p:par>
-        <p:cTn id="1" dur="indefinite" restart="never" nodeType="tmRoot"/>
-      </p:par>
-    </p:tnLst>
-  </p:timing>
 </p:sld>
 </file>
 
@@ -16467,20 +18061,61 @@
         </p:nvSpPr>
         <p:spPr/>
         <p:txBody>
-          <a:bodyPr/>
-          <a:lstStyle/>
-          <a:p>
-            <a:r>
-              <a:rPr lang="en-US" dirty="0" smtClean="0"/>
-              <a:t>XP Principles</a:t>
-            </a:r>
-            <a:endParaRPr lang="en-US" dirty="0"/>
-          </a:p>
-        </p:txBody>
-      </p:sp>
-      <p:sp>
-        <p:nvSpPr>
-          <p:cNvPr id="5" name="Content Placeholder 4"/>
+          <a:bodyPr>
+            <a:normAutofit fontScale="90000"/>
+          </a:bodyPr>
+          <a:lstStyle/>
+          <a:p>
+            <a:r>
+              <a:rPr lang="en-US" dirty="0" smtClean="0">
+                <a:latin typeface="Calibri" charset="0"/>
+                <a:ea typeface="Calibri" charset="0"/>
+                <a:cs typeface="Calibri" charset="0"/>
+              </a:rPr>
+              <a:t>Agile Principles </a:t>
+            </a:r>
+            <a:r>
+              <a:rPr lang="mr-IN" dirty="0" smtClean="0">
+                <a:latin typeface="Calibri" charset="0"/>
+                <a:ea typeface="Calibri" charset="0"/>
+                <a:cs typeface="Calibri" charset="0"/>
+              </a:rPr>
+              <a:t>–</a:t>
+            </a:r>
+            <a:r>
+              <a:rPr lang="en-US" dirty="0" smtClean="0">
+                <a:latin typeface="Calibri" charset="0"/>
+                <a:ea typeface="Calibri" charset="0"/>
+                <a:cs typeface="Calibri" charset="0"/>
+              </a:rPr>
+              <a:t> Revised list </a:t>
+            </a:r>
+            <a:br>
+              <a:rPr lang="en-US" dirty="0" smtClean="0">
+                <a:latin typeface="Calibri" charset="0"/>
+                <a:ea typeface="Calibri" charset="0"/>
+                <a:cs typeface="Calibri" charset="0"/>
+              </a:rPr>
+            </a:br>
+            <a:r>
+              <a:rPr lang="en-US" sz="1800" dirty="0" smtClean="0">
+                <a:latin typeface="Calibri" charset="0"/>
+                <a:ea typeface="Calibri" charset="0"/>
+                <a:cs typeface="Calibri" charset="0"/>
+              </a:rPr>
+              <a:t>(according to [Mey2014])</a:t>
+            </a:r>
+            <a:endParaRPr lang="en-US" dirty="0">
+              <a:latin typeface="Calibri" charset="0"/>
+              <a:ea typeface="Calibri" charset="0"/>
+              <a:cs typeface="Calibri" charset="0"/>
+            </a:endParaRPr>
+          </a:p>
+        </p:txBody>
+      </p:sp>
+      <p:sp>
+        <p:nvSpPr>
+          <p:cNvPr id="3" name="Content Placeholder 2"/>
           <p:cNvSpPr>
             <a:spLocks noGrp="1"/>
           </p:cNvSpPr>
@@ -16490,8 +18125,8 @@
         </p:nvSpPr>
         <p:spPr>
           <a:xfrm>
-            <a:off x="335280" y="2368868"/>
-            <a:ext cx="3992880" cy="3691984"/>
+            <a:off x="457200" y="1806498"/>
+            <a:ext cx="4114800" cy="4430814"/>
           </a:xfrm>
         </p:spPr>
         <p:txBody>
@@ -16500,226 +18135,535 @@
           </a:bodyPr>
           <a:lstStyle/>
           <a:p>
-            <a:r>
-              <a:rPr lang="en-US" sz="2000" dirty="0" smtClean="0"/>
-              <a:t>Rapid feedback</a:t>
-            </a:r>
-          </a:p>
-          <a:p>
-            <a:r>
-              <a:rPr lang="en-US" sz="2000" dirty="0" smtClean="0"/>
-              <a:t>Assume simplicity</a:t>
-            </a:r>
-          </a:p>
-          <a:p>
-            <a:r>
-              <a:rPr lang="en-US" sz="2000" dirty="0" smtClean="0"/>
-              <a:t>Incremental change</a:t>
-            </a:r>
-          </a:p>
-          <a:p>
-            <a:r>
-              <a:rPr lang="en-US" sz="2000" dirty="0" smtClean="0"/>
-              <a:t>Embracing change</a:t>
-            </a:r>
-          </a:p>
-          <a:p>
-            <a:r>
-              <a:rPr lang="en-US" sz="2000" dirty="0" smtClean="0"/>
-              <a:t>Quality work</a:t>
-            </a:r>
-            <a:endParaRPr lang="en-US" sz="2000" dirty="0"/>
-          </a:p>
-        </p:txBody>
-      </p:sp>
-      <p:sp>
-        <p:nvSpPr>
-          <p:cNvPr id="4" name="Text Placeholder 3"/>
-          <p:cNvSpPr>
-            <a:spLocks noGrp="1"/>
-          </p:cNvSpPr>
-          <p:nvPr>
-            <p:ph type="body" idx="4294967295"/>
-          </p:nvPr>
+            <a:pPr marL="0" indent="0">
+              <a:buNone/>
+            </a:pPr>
+            <a:r>
+              <a:rPr lang="en-US" sz="2000" dirty="0" smtClean="0">
+                <a:latin typeface="+mn-lt"/>
+              </a:rPr>
+              <a:t>Organizational</a:t>
+            </a:r>
+          </a:p>
+          <a:p>
+            <a:pPr marL="457200" indent="-457200">
+              <a:buFont typeface="+mj-lt"/>
+              <a:buAutoNum type="arabicPeriod"/>
+            </a:pPr>
+            <a:r>
+              <a:rPr lang="en-US" sz="2000" dirty="0" smtClean="0">
+                <a:latin typeface="+mn-lt"/>
+              </a:rPr>
+              <a:t>Put the customer at the center.</a:t>
+            </a:r>
+          </a:p>
+          <a:p>
+            <a:pPr marL="457200" indent="-457200">
+              <a:buFont typeface="+mj-lt"/>
+              <a:buAutoNum type="arabicPeriod"/>
+            </a:pPr>
+            <a:r>
+              <a:rPr lang="en-US" sz="2000" dirty="0" smtClean="0">
+                <a:latin typeface="+mn-lt"/>
+              </a:rPr>
+              <a:t>Let the team self-organize.</a:t>
+            </a:r>
+          </a:p>
+          <a:p>
+            <a:pPr marL="457200" indent="-457200">
+              <a:buFont typeface="+mj-lt"/>
+              <a:buAutoNum type="arabicPeriod"/>
+            </a:pPr>
+            <a:r>
+              <a:rPr lang="en-US" sz="2000" dirty="0" smtClean="0">
+                <a:latin typeface="+mn-lt"/>
+              </a:rPr>
+              <a:t>Work at a sustainable pace.</a:t>
+            </a:r>
+          </a:p>
+          <a:p>
+            <a:pPr marL="457200" indent="-457200">
+              <a:buFont typeface="+mj-lt"/>
+              <a:buAutoNum type="arabicPeriod"/>
+            </a:pPr>
+            <a:r>
+              <a:rPr lang="en-US" sz="2000" dirty="0" smtClean="0">
+                <a:latin typeface="+mn-lt"/>
+              </a:rPr>
+              <a:t>Develop minimal software:</a:t>
+            </a:r>
+          </a:p>
+          <a:p>
+            <a:pPr marL="914400" lvl="1" indent="-457200">
+              <a:buFont typeface="+mj-lt"/>
+              <a:buAutoNum type="arabicPeriod"/>
+            </a:pPr>
+            <a:r>
+              <a:rPr lang="en-US" sz="2000" dirty="0" smtClean="0">
+                <a:latin typeface="+mn-lt"/>
+              </a:rPr>
+              <a:t>Produce minimal functionality.</a:t>
+            </a:r>
+          </a:p>
+          <a:p>
+            <a:pPr marL="914400" lvl="1" indent="-457200">
+              <a:buFont typeface="+mj-lt"/>
+              <a:buAutoNum type="arabicPeriod"/>
+            </a:pPr>
+            <a:r>
+              <a:rPr lang="en-US" sz="2000" dirty="0" smtClean="0">
+                <a:latin typeface="+mn-lt"/>
+              </a:rPr>
+              <a:t>Produce only the product requested.</a:t>
+            </a:r>
+          </a:p>
+          <a:p>
+            <a:pPr marL="914400" lvl="1" indent="-457200">
+              <a:buFont typeface="+mj-lt"/>
+              <a:buAutoNum type="arabicPeriod"/>
+            </a:pPr>
+            <a:r>
+              <a:rPr lang="en-US" sz="2000" dirty="0" smtClean="0">
+                <a:latin typeface="+mn-lt"/>
+              </a:rPr>
+              <a:t>Develop only code and tests.</a:t>
+            </a:r>
+          </a:p>
+          <a:p>
+            <a:pPr marL="457200" indent="-457200">
+              <a:buFont typeface="+mj-lt"/>
+              <a:buAutoNum type="arabicPeriod"/>
+            </a:pPr>
+            <a:r>
+              <a:rPr lang="en-US" sz="2000" dirty="0" smtClean="0">
+                <a:latin typeface="+mn-lt"/>
+              </a:rPr>
+              <a:t>Accept Change</a:t>
+            </a:r>
+          </a:p>
+        </p:txBody>
+      </p:sp>
+      <p:sp>
+        <p:nvSpPr>
+          <p:cNvPr id="4" name="Footer Placeholder 3"/>
+          <p:cNvSpPr>
+            <a:spLocks noGrp="1"/>
+          </p:cNvSpPr>
+          <p:nvPr>
+            <p:ph type="ftr" sz="quarter" idx="11"/>
+          </p:nvPr>
+        </p:nvSpPr>
+        <p:spPr/>
+        <p:txBody>
+          <a:bodyPr/>
+          <a:lstStyle/>
+          <a:p>
+            <a:r>
+              <a:rPr lang="de-DE" smtClean="0">
+                <a:solidFill>
+                  <a:prstClr val="black">
+                    <a:tint val="75000"/>
+                  </a:prstClr>
+                </a:solidFill>
+              </a:rPr>
+              <a:t>Eric Knauss - Continuous X 4 WASP</a:t>
+            </a:r>
+            <a:endParaRPr lang="de-DE">
+              <a:solidFill>
+                <a:prstClr val="black">
+                  <a:tint val="75000"/>
+                </a:prstClr>
+              </a:solidFill>
+            </a:endParaRPr>
+          </a:p>
+        </p:txBody>
+      </p:sp>
+      <p:sp>
+        <p:nvSpPr>
+          <p:cNvPr id="5" name="Slide Number Placeholder 4"/>
+          <p:cNvSpPr>
+            <a:spLocks noGrp="1"/>
+          </p:cNvSpPr>
+          <p:nvPr>
+            <p:ph type="sldNum" sz="quarter" idx="12"/>
+          </p:nvPr>
+        </p:nvSpPr>
+        <p:spPr/>
+        <p:txBody>
+          <a:bodyPr/>
+          <a:lstStyle/>
+          <a:p>
+            <a:fld id="{91974DF9-AD47-4691-BA21-BBFCE3637A9A}" type="slidenum">
+              <a:rPr lang="en-US" smtClean="0">
+                <a:solidFill>
+                  <a:prstClr val="black">
+                    <a:tint val="75000"/>
+                  </a:prstClr>
+                </a:solidFill>
+              </a:rPr>
+              <a:pPr/>
+              <a:t>6</a:t>
+            </a:fld>
+            <a:endParaRPr lang="en-US">
+              <a:solidFill>
+                <a:prstClr val="black">
+                  <a:tint val="75000"/>
+                </a:prstClr>
+              </a:solidFill>
+            </a:endParaRPr>
+          </a:p>
+        </p:txBody>
+      </p:sp>
+      <p:sp>
+        <p:nvSpPr>
+          <p:cNvPr id="6" name="Content Placeholder 2"/>
+          <p:cNvSpPr txBox="1">
+            <a:spLocks/>
+          </p:cNvSpPr>
+          <p:nvPr/>
         </p:nvSpPr>
         <p:spPr>
           <a:xfrm>
-            <a:off x="335280" y="1729105"/>
-            <a:ext cx="4040188" cy="639763"/>
+            <a:off x="4708767" y="1806498"/>
+            <a:ext cx="4114800" cy="4439682"/>
           </a:xfrm>
+          <a:prstGeom prst="rect">
+            <a:avLst/>
+          </a:prstGeom>
+        </p:spPr>
+        <p:txBody>
+          <a:bodyPr vert="horz" lIns="91440" tIns="45720" rIns="91440" bIns="45720" rtlCol="0">
+            <a:normAutofit lnSpcReduction="10000"/>
+          </a:bodyPr>
+          <a:lstStyle>
+            <a:lvl1pPr marL="342900" indent="-342900" algn="l" defTabSz="914400" rtl="0" eaLnBrk="1" latinLnBrk="0" hangingPunct="1">
+              <a:spcBef>
+                <a:spcPct val="20000"/>
+              </a:spcBef>
+              <a:buFont typeface="Arial" pitchFamily="34" charset="0"/>
+              <a:buChar char="•"/>
+              <a:defRPr sz="2400" kern="1200">
+                <a:solidFill>
+                  <a:schemeClr val="tx1"/>
+                </a:solidFill>
+                <a:latin typeface="Georgia" pitchFamily="18" charset="0"/>
+                <a:ea typeface="+mn-ea"/>
+                <a:cs typeface="+mn-cs"/>
+              </a:defRPr>
+            </a:lvl1pPr>
+            <a:lvl2pPr marL="742950" indent="-285750" algn="l" defTabSz="914400" rtl="0" eaLnBrk="1" latinLnBrk="0" hangingPunct="1">
+              <a:spcBef>
+                <a:spcPct val="20000"/>
+              </a:spcBef>
+              <a:buFont typeface="Arial" pitchFamily="34" charset="0"/>
+              <a:buChar char="–"/>
+              <a:defRPr sz="2000" kern="1200">
+                <a:solidFill>
+                  <a:schemeClr val="tx1"/>
+                </a:solidFill>
+                <a:latin typeface="Georgia" pitchFamily="18" charset="0"/>
+                <a:ea typeface="+mn-ea"/>
+                <a:cs typeface="+mn-cs"/>
+              </a:defRPr>
+            </a:lvl2pPr>
+            <a:lvl3pPr marL="1143000" indent="-228600" algn="l" defTabSz="914400" rtl="0" eaLnBrk="1" latinLnBrk="0" hangingPunct="1">
+              <a:spcBef>
+                <a:spcPct val="20000"/>
+              </a:spcBef>
+              <a:buFont typeface="Arial" pitchFamily="34" charset="0"/>
+              <a:buChar char="•"/>
+              <a:defRPr sz="1800" kern="1200">
+                <a:solidFill>
+                  <a:schemeClr val="tx1"/>
+                </a:solidFill>
+                <a:latin typeface="Georgia" pitchFamily="18" charset="0"/>
+                <a:ea typeface="+mn-ea"/>
+                <a:cs typeface="+mn-cs"/>
+              </a:defRPr>
+            </a:lvl3pPr>
+            <a:lvl4pPr marL="1600200" indent="-228600" algn="l" defTabSz="914400" rtl="0" eaLnBrk="1" latinLnBrk="0" hangingPunct="1">
+              <a:spcBef>
+                <a:spcPct val="20000"/>
+              </a:spcBef>
+              <a:buFont typeface="Arial" pitchFamily="34" charset="0"/>
+              <a:buChar char="–"/>
+              <a:defRPr sz="1600" kern="1200">
+                <a:solidFill>
+                  <a:schemeClr val="tx1"/>
+                </a:solidFill>
+                <a:latin typeface="Georgia" pitchFamily="18" charset="0"/>
+                <a:ea typeface="+mn-ea"/>
+                <a:cs typeface="+mn-cs"/>
+              </a:defRPr>
+            </a:lvl4pPr>
+            <a:lvl5pPr marL="2057400" indent="-228600" algn="l" defTabSz="914400" rtl="0" eaLnBrk="1" latinLnBrk="0" hangingPunct="1">
+              <a:spcBef>
+                <a:spcPct val="20000"/>
+              </a:spcBef>
+              <a:buFont typeface="Arial" pitchFamily="34" charset="0"/>
+              <a:buChar char="»"/>
+              <a:defRPr sz="1600" kern="1200">
+                <a:solidFill>
+                  <a:schemeClr val="tx1"/>
+                </a:solidFill>
+                <a:latin typeface="Georgia" pitchFamily="18" charset="0"/>
+                <a:ea typeface="+mn-ea"/>
+                <a:cs typeface="+mn-cs"/>
+              </a:defRPr>
+            </a:lvl5pPr>
+            <a:lvl6pPr marL="2514600" indent="-228600" algn="l" defTabSz="914400" rtl="0" eaLnBrk="1" latinLnBrk="0" hangingPunct="1">
+              <a:spcBef>
+                <a:spcPct val="20000"/>
+              </a:spcBef>
+              <a:buFont typeface="Arial" pitchFamily="34" charset="0"/>
+              <a:buChar char="•"/>
+              <a:defRPr sz="2000" kern="1200">
+                <a:solidFill>
+                  <a:schemeClr val="tx1"/>
+                </a:solidFill>
+                <a:latin typeface="+mn-lt"/>
+                <a:ea typeface="+mn-ea"/>
+                <a:cs typeface="+mn-cs"/>
+              </a:defRPr>
+            </a:lvl6pPr>
+            <a:lvl7pPr marL="2971800" indent="-228600" algn="l" defTabSz="914400" rtl="0" eaLnBrk="1" latinLnBrk="0" hangingPunct="1">
+              <a:spcBef>
+                <a:spcPct val="20000"/>
+              </a:spcBef>
+              <a:buFont typeface="Arial" pitchFamily="34" charset="0"/>
+              <a:buChar char="•"/>
+              <a:defRPr sz="2000" kern="1200">
+                <a:solidFill>
+                  <a:schemeClr val="tx1"/>
+                </a:solidFill>
+                <a:latin typeface="+mn-lt"/>
+                <a:ea typeface="+mn-ea"/>
+                <a:cs typeface="+mn-cs"/>
+              </a:defRPr>
+            </a:lvl7pPr>
+            <a:lvl8pPr marL="3429000" indent="-228600" algn="l" defTabSz="914400" rtl="0" eaLnBrk="1" latinLnBrk="0" hangingPunct="1">
+              <a:spcBef>
+                <a:spcPct val="20000"/>
+              </a:spcBef>
+              <a:buFont typeface="Arial" pitchFamily="34" charset="0"/>
+              <a:buChar char="•"/>
+              <a:defRPr sz="2000" kern="1200">
+                <a:solidFill>
+                  <a:schemeClr val="tx1"/>
+                </a:solidFill>
+                <a:latin typeface="+mn-lt"/>
+                <a:ea typeface="+mn-ea"/>
+                <a:cs typeface="+mn-cs"/>
+              </a:defRPr>
+            </a:lvl8pPr>
+            <a:lvl9pPr marL="3886200" indent="-228600" algn="l" defTabSz="914400" rtl="0" eaLnBrk="1" latinLnBrk="0" hangingPunct="1">
+              <a:spcBef>
+                <a:spcPct val="20000"/>
+              </a:spcBef>
+              <a:buFont typeface="Arial" pitchFamily="34" charset="0"/>
+              <a:buChar char="•"/>
+              <a:defRPr sz="2000" kern="1200">
+                <a:solidFill>
+                  <a:schemeClr val="tx1"/>
+                </a:solidFill>
+                <a:latin typeface="+mn-lt"/>
+                <a:ea typeface="+mn-ea"/>
+                <a:cs typeface="+mn-cs"/>
+              </a:defRPr>
+            </a:lvl9pPr>
+          </a:lstStyle>
+          <a:p>
+            <a:pPr marL="0" indent="0">
+              <a:buFont typeface="Arial" pitchFamily="34" charset="0"/>
+              <a:buNone/>
+            </a:pPr>
+            <a:r>
+              <a:rPr lang="en-US" sz="2000" dirty="0" smtClean="0">
+                <a:solidFill>
+                  <a:prstClr val="black"/>
+                </a:solidFill>
+                <a:latin typeface="Calibri"/>
+              </a:rPr>
+              <a:t>Technical</a:t>
+            </a:r>
+          </a:p>
+          <a:p>
+            <a:pPr marL="457200" indent="-457200">
+              <a:buFont typeface="+mj-lt"/>
+              <a:buAutoNum type="arabicPeriod"/>
+            </a:pPr>
+            <a:r>
+              <a:rPr lang="en-US" sz="2000" dirty="0" smtClean="0">
+                <a:solidFill>
+                  <a:prstClr val="black"/>
+                </a:solidFill>
+                <a:latin typeface="Calibri"/>
+              </a:rPr>
+              <a:t>Develop iteratively:</a:t>
+            </a:r>
+          </a:p>
+          <a:p>
+            <a:pPr marL="914400" lvl="1" indent="-457200">
+              <a:buFont typeface="+mj-lt"/>
+              <a:buAutoNum type="arabicPeriod"/>
+            </a:pPr>
+            <a:r>
+              <a:rPr lang="en-US" dirty="0" smtClean="0">
+                <a:solidFill>
+                  <a:prstClr val="black"/>
+                </a:solidFill>
+                <a:latin typeface="Calibri"/>
+              </a:rPr>
+              <a:t>Produce frequent working iterations.</a:t>
+            </a:r>
+          </a:p>
+          <a:p>
+            <a:pPr marL="914400" lvl="1" indent="-457200">
+              <a:buFont typeface="+mj-lt"/>
+              <a:buAutoNum type="arabicPeriod"/>
+            </a:pPr>
+            <a:r>
+              <a:rPr lang="en-US" dirty="0" smtClean="0">
+                <a:solidFill>
+                  <a:prstClr val="black"/>
+                </a:solidFill>
+                <a:latin typeface="Calibri"/>
+              </a:rPr>
+              <a:t>Freeze requirements during iterations.</a:t>
+            </a:r>
+          </a:p>
+          <a:p>
+            <a:pPr marL="457200" indent="-457200">
+              <a:buFont typeface="+mj-lt"/>
+              <a:buAutoNum type="arabicPeriod"/>
+            </a:pPr>
+            <a:r>
+              <a:rPr lang="en-US" sz="2000" dirty="0" smtClean="0">
+                <a:solidFill>
+                  <a:prstClr val="black"/>
+                </a:solidFill>
+                <a:latin typeface="Calibri"/>
+              </a:rPr>
+              <a:t>Treat tests as a key resource:</a:t>
+            </a:r>
+          </a:p>
+          <a:p>
+            <a:pPr marL="914400" lvl="1" indent="-457200">
+              <a:buFont typeface="+mj-lt"/>
+              <a:buAutoNum type="arabicPeriod"/>
+            </a:pPr>
+            <a:r>
+              <a:rPr lang="en-US" dirty="0" smtClean="0">
+                <a:solidFill>
+                  <a:prstClr val="black"/>
+                </a:solidFill>
+                <a:latin typeface="Calibri"/>
+              </a:rPr>
+              <a:t>Do not start any new development until all tests pass.</a:t>
+            </a:r>
+          </a:p>
+          <a:p>
+            <a:pPr marL="914400" lvl="1" indent="-457200">
+              <a:buFont typeface="+mj-lt"/>
+              <a:buAutoNum type="arabicPeriod"/>
+            </a:pPr>
+            <a:r>
+              <a:rPr lang="en-US" dirty="0" smtClean="0">
+                <a:solidFill>
+                  <a:prstClr val="black"/>
+                </a:solidFill>
+                <a:latin typeface="Calibri"/>
+              </a:rPr>
+              <a:t>Test first.</a:t>
+            </a:r>
+          </a:p>
+          <a:p>
+            <a:pPr marL="457200" indent="-457200">
+              <a:buFont typeface="+mj-lt"/>
+              <a:buAutoNum type="arabicPeriod"/>
+            </a:pPr>
+            <a:r>
+              <a:rPr lang="en-US" sz="2000" dirty="0" smtClean="0">
+                <a:solidFill>
+                  <a:prstClr val="black"/>
+                </a:solidFill>
+                <a:latin typeface="Calibri"/>
+              </a:rPr>
+              <a:t>Express requirements through scenarios.</a:t>
+            </a:r>
+            <a:endParaRPr lang="en-US" sz="2000" dirty="0">
+              <a:solidFill>
+                <a:prstClr val="black"/>
+              </a:solidFill>
+              <a:latin typeface="Calibri"/>
+            </a:endParaRPr>
+          </a:p>
+        </p:txBody>
+      </p:sp>
+      <p:sp>
+        <p:nvSpPr>
+          <p:cNvPr id="7" name="TextBox 6"/>
+          <p:cNvSpPr txBox="1"/>
+          <p:nvPr/>
+        </p:nvSpPr>
+        <p:spPr>
+          <a:xfrm rot="316061">
+            <a:off x="455818" y="6037257"/>
+            <a:ext cx="4976940" cy="400110"/>
+          </a:xfrm>
+          <a:prstGeom prst="rect">
+            <a:avLst/>
+          </a:prstGeom>
         </p:spPr>
         <p:style>
           <a:lnRef idx="1">
-            <a:schemeClr val="accent1"/>
+            <a:schemeClr val="accent3"/>
           </a:lnRef>
           <a:fillRef idx="2">
-            <a:schemeClr val="accent1"/>
+            <a:schemeClr val="accent3"/>
           </a:fillRef>
           <a:effectRef idx="1">
-            <a:schemeClr val="accent1"/>
+            <a:schemeClr val="accent3"/>
           </a:effectRef>
           <a:fontRef idx="minor">
             <a:schemeClr val="dk1"/>
           </a:fontRef>
         </p:style>
         <p:txBody>
-          <a:bodyPr>
-            <a:normAutofit/>
+          <a:bodyPr wrap="none" rtlCol="0">
+            <a:spAutoFit/>
           </a:bodyPr>
           <a:lstStyle/>
           <a:p>
-            <a:pPr marL="0" indent="0">
-              <a:buNone/>
-            </a:pPr>
-            <a:r>
-              <a:rPr lang="en-US" sz="2400" dirty="0" smtClean="0"/>
-              <a:t>Core</a:t>
-            </a:r>
-            <a:endParaRPr lang="en-US" sz="2400" dirty="0"/>
-          </a:p>
-        </p:txBody>
-      </p:sp>
-      <p:sp>
-        <p:nvSpPr>
-          <p:cNvPr id="6" name="Text Placeholder 5"/>
-          <p:cNvSpPr>
-            <a:spLocks noGrp="1"/>
-          </p:cNvSpPr>
-          <p:nvPr>
-            <p:ph type="body" sz="quarter" idx="4294967295"/>
-          </p:nvPr>
-        </p:nvSpPr>
-        <p:spPr>
-          <a:xfrm>
-            <a:off x="4858384" y="1729105"/>
-            <a:ext cx="4041775" cy="639763"/>
-          </a:xfrm>
-        </p:spPr>
-        <p:style>
-          <a:lnRef idx="1">
-            <a:schemeClr val="accent5"/>
-          </a:lnRef>
-          <a:fillRef idx="2">
-            <a:schemeClr val="accent5"/>
-          </a:fillRef>
-          <a:effectRef idx="1">
-            <a:schemeClr val="accent5"/>
-          </a:effectRef>
-          <a:fontRef idx="minor">
-            <a:schemeClr val="dk1"/>
-          </a:fontRef>
-        </p:style>
-        <p:txBody>
-          <a:bodyPr>
-            <a:normAutofit/>
-          </a:bodyPr>
-          <a:lstStyle/>
-          <a:p>
-            <a:pPr marL="0" indent="0">
-              <a:buNone/>
-            </a:pPr>
-            <a:r>
-              <a:rPr lang="en-US" sz="2400" dirty="0" smtClean="0"/>
-              <a:t>Less central</a:t>
-            </a:r>
-            <a:endParaRPr lang="en-US" sz="2400" dirty="0"/>
-          </a:p>
-        </p:txBody>
-      </p:sp>
-      <p:sp>
-        <p:nvSpPr>
-          <p:cNvPr id="7" name="Content Placeholder 6"/>
-          <p:cNvSpPr>
-            <a:spLocks noGrp="1"/>
-          </p:cNvSpPr>
-          <p:nvPr>
-            <p:ph sz="quarter" idx="4294967295"/>
-          </p:nvPr>
-        </p:nvSpPr>
-        <p:spPr>
-          <a:xfrm>
-            <a:off x="4858384" y="2434179"/>
-            <a:ext cx="4041775" cy="3757295"/>
-          </a:xfrm>
-        </p:spPr>
-        <p:txBody>
-          <a:bodyPr>
-            <a:normAutofit fontScale="70000" lnSpcReduction="20000"/>
-          </a:bodyPr>
-          <a:lstStyle/>
-          <a:p>
-            <a:r>
-              <a:rPr lang="en-US" dirty="0" smtClean="0"/>
-              <a:t>Teach learning</a:t>
-            </a:r>
-          </a:p>
-          <a:p>
-            <a:r>
-              <a:rPr lang="en-US" dirty="0" smtClean="0"/>
-              <a:t>Small initial investment</a:t>
-            </a:r>
-          </a:p>
-          <a:p>
-            <a:r>
-              <a:rPr lang="en-US" dirty="0" smtClean="0"/>
-              <a:t>Play to win</a:t>
-            </a:r>
-          </a:p>
-          <a:p>
-            <a:r>
-              <a:rPr lang="en-US" dirty="0" smtClean="0"/>
-              <a:t>Concrete requirements</a:t>
-            </a:r>
-          </a:p>
-          <a:p>
-            <a:r>
-              <a:rPr lang="en-US" dirty="0" smtClean="0"/>
-              <a:t>Open, honest communication</a:t>
-            </a:r>
-          </a:p>
-          <a:p>
-            <a:r>
-              <a:rPr lang="en-US" dirty="0" smtClean="0"/>
-              <a:t>Work with people’s instincts, not against them</a:t>
-            </a:r>
-          </a:p>
-          <a:p>
-            <a:r>
-              <a:rPr lang="en-US" dirty="0" smtClean="0"/>
-              <a:t>Accepted responsibility</a:t>
-            </a:r>
-          </a:p>
-          <a:p>
-            <a:r>
-              <a:rPr lang="en-US" dirty="0" smtClean="0"/>
-              <a:t>Local adaptation</a:t>
-            </a:r>
-          </a:p>
-          <a:p>
-            <a:r>
-              <a:rPr lang="en-US" dirty="0" smtClean="0"/>
-              <a:t>Travel light</a:t>
-            </a:r>
-          </a:p>
-          <a:p>
-            <a:r>
-              <a:rPr lang="en-US" dirty="0" smtClean="0"/>
-              <a:t>Hones measurement</a:t>
-            </a:r>
-            <a:endParaRPr lang="en-US" dirty="0"/>
+            <a:r>
+              <a:rPr lang="en-US" sz="2000" dirty="0">
+                <a:solidFill>
+                  <a:prstClr val="black"/>
+                </a:solidFill>
+              </a:rPr>
+              <a:t>6. Reflect regularly and improve continuously!</a:t>
+            </a:r>
           </a:p>
         </p:txBody>
       </p:sp>
     </p:spTree>
     <p:extLst>
       <p:ext uri="{BB962C8B-B14F-4D97-AF65-F5344CB8AC3E}">
-        <p14:creationId xmlns:p14="http://schemas.microsoft.com/office/powerpoint/2010/main" val="1158289290"/>
+        <p14:creationId xmlns:p14="http://schemas.microsoft.com/office/powerpoint/2010/main" val="20314579"/>
       </p:ext>
     </p:extLst>
   </p:cSld>
   <p:clrMapOvr>
     <a:masterClrMapping/>
   </p:clrMapOvr>
+  <mc:AlternateContent xmlns:mc="http://schemas.openxmlformats.org/markup-compatibility/2006" xmlns:p14="http://schemas.microsoft.com/office/powerpoint/2010/main">
+    <mc:Choice Requires="p14">
+      <p:transition spd="slow" p14:dur="2000"/>
+    </mc:Choice>
+    <mc:Fallback xmlns="">
+      <p:transition spd="slow"/>
+    </mc:Fallback>
+  </mc:AlternateContent>
   <p:timing>
     <p:tnLst>
       <p:par>
@@ -16749,191 +18693,190 @@
       </p:grpSpPr>
       <p:sp>
         <p:nvSpPr>
-          <p:cNvPr id="2" name="Title 1"/>
+          <p:cNvPr id="6" name="Title 5"/>
           <p:cNvSpPr>
             <a:spLocks noGrp="1"/>
           </p:cNvSpPr>
           <p:nvPr>
             <p:ph type="title"/>
-          </p:nvPr>
-        </p:nvSpPr>
-        <p:spPr/>
-        <p:txBody>
-          <a:bodyPr/>
-          <a:lstStyle/>
-          <a:p>
-            <a:r>
-              <a:rPr lang="en-US" dirty="0" smtClean="0"/>
-              <a:t>XP Practices</a:t>
-            </a:r>
-            <a:endParaRPr lang="en-US" dirty="0"/>
-          </a:p>
-        </p:txBody>
-      </p:sp>
-      <p:sp>
-        <p:nvSpPr>
-          <p:cNvPr id="3" name="Content Placeholder 2"/>
-          <p:cNvSpPr>
-            <a:spLocks noGrp="1"/>
-          </p:cNvSpPr>
-          <p:nvPr>
-            <p:ph idx="1"/>
           </p:nvPr>
         </p:nvSpPr>
         <p:spPr>
           <a:xfrm>
-            <a:off x="457200" y="1946031"/>
-            <a:ext cx="8229600" cy="4320808"/>
+            <a:off x="213360" y="33843"/>
+            <a:ext cx="8229600" cy="863095"/>
           </a:xfrm>
         </p:spPr>
         <p:txBody>
-          <a:bodyPr numCol="2">
-            <a:normAutofit fontScale="70000" lnSpcReduction="20000"/>
+          <a:bodyPr/>
+          <a:lstStyle/>
+          <a:p>
+            <a:r>
+              <a:rPr lang="en-US" dirty="0" smtClean="0"/>
+              <a:t>Agile Practices</a:t>
+            </a:r>
+            <a:endParaRPr lang="en-US" dirty="0"/>
+          </a:p>
+        </p:txBody>
+      </p:sp>
+      <p:sp>
+        <p:nvSpPr>
+          <p:cNvPr id="4" name="Footer Placeholder 3"/>
+          <p:cNvSpPr>
+            <a:spLocks noGrp="1"/>
+          </p:cNvSpPr>
+          <p:nvPr>
+            <p:ph type="ftr" sz="quarter" idx="11"/>
+          </p:nvPr>
+        </p:nvSpPr>
+        <p:spPr/>
+        <p:txBody>
+          <a:bodyPr/>
+          <a:lstStyle/>
+          <a:p>
+            <a:r>
+              <a:rPr lang="en-US" smtClean="0"/>
+              <a:t>Eric Knauss - Continuous X 4 WASP</a:t>
+            </a:r>
+            <a:endParaRPr lang="en-US"/>
+          </a:p>
+        </p:txBody>
+      </p:sp>
+      <p:sp>
+        <p:nvSpPr>
+          <p:cNvPr id="5" name="Slide Number Placeholder 4"/>
+          <p:cNvSpPr>
+            <a:spLocks noGrp="1"/>
+          </p:cNvSpPr>
+          <p:nvPr>
+            <p:ph type="sldNum" sz="quarter" idx="12"/>
+          </p:nvPr>
+        </p:nvSpPr>
+        <p:spPr/>
+        <p:txBody>
+          <a:bodyPr/>
+          <a:lstStyle/>
+          <a:p>
+            <a:fld id="{112474B8-E05E-194A-B83E-2067B031ADBA}" type="slidenum">
+              <a:rPr lang="en-US" smtClean="0"/>
+              <a:t>7</a:t>
+            </a:fld>
+            <a:endParaRPr lang="en-US"/>
+          </a:p>
+        </p:txBody>
+      </p:sp>
+      <p:pic>
+        <p:nvPicPr>
+          <p:cNvPr id="8" name="Content Placeholder 3"/>
+          <p:cNvPicPr>
+            <a:picLocks noGrp="1" noChangeAspect="1"/>
+          </p:cNvPicPr>
+          <p:nvPr>
+            <p:ph idx="4294967295"/>
+          </p:nvPr>
+        </p:nvPicPr>
+        <p:blipFill>
+          <a:blip r:embed="rId2" cstate="print">
+            <a:extLst>
+              <a:ext uri="{28A0092B-C50C-407E-A947-70E740481C1C}">
+                <a14:useLocalDpi xmlns:a14="http://schemas.microsoft.com/office/drawing/2010/main"/>
+              </a:ext>
+            </a:extLst>
+          </a:blip>
+          <a:srcRect/>
+          <a:stretch>
+            <a:fillRect/>
+          </a:stretch>
+        </p:blipFill>
+        <p:spPr>
+          <a:xfrm>
+            <a:off x="-3175" y="896938"/>
+            <a:ext cx="9147175" cy="5930900"/>
+          </a:xfrm>
+        </p:spPr>
+      </p:pic>
+      <p:sp>
+        <p:nvSpPr>
+          <p:cNvPr id="9" name="TextBox 8"/>
+          <p:cNvSpPr txBox="1"/>
+          <p:nvPr/>
+        </p:nvSpPr>
+        <p:spPr>
+          <a:xfrm>
+            <a:off x="4551216" y="6042356"/>
+            <a:ext cx="5006499" cy="415498"/>
+          </a:xfrm>
+          <a:prstGeom prst="rect">
+            <a:avLst/>
+          </a:prstGeom>
+          <a:noFill/>
+        </p:spPr>
+        <p:txBody>
+          <a:bodyPr wrap="none" rtlCol="0">
+            <a:spAutoFit/>
           </a:bodyPr>
           <a:lstStyle/>
           <a:p>
             <a:r>
-              <a:rPr lang="en-US" dirty="0" smtClean="0"/>
-              <a:t>Planning game</a:t>
-            </a:r>
-          </a:p>
-          <a:p>
-            <a:endParaRPr lang="en-US" dirty="0" smtClean="0"/>
-          </a:p>
-          <a:p>
-            <a:r>
-              <a:rPr lang="en-US" dirty="0" smtClean="0"/>
-              <a:t>Small releases</a:t>
-            </a:r>
-          </a:p>
-          <a:p>
-            <a:endParaRPr lang="en-US" dirty="0" smtClean="0"/>
-          </a:p>
-          <a:p>
-            <a:r>
-              <a:rPr lang="en-US" dirty="0" smtClean="0"/>
-              <a:t>Metaphor</a:t>
-            </a:r>
-          </a:p>
-          <a:p>
-            <a:endParaRPr lang="en-US" dirty="0" smtClean="0"/>
-          </a:p>
-          <a:p>
-            <a:r>
-              <a:rPr lang="en-US" dirty="0" smtClean="0"/>
-              <a:t>Simple design</a:t>
-            </a:r>
-          </a:p>
-          <a:p>
-            <a:endParaRPr lang="en-US" dirty="0" smtClean="0"/>
-          </a:p>
-          <a:p>
-            <a:r>
-              <a:rPr lang="en-US" dirty="0" smtClean="0"/>
-              <a:t>Testing </a:t>
-            </a:r>
-            <a:br>
-              <a:rPr lang="en-US" dirty="0" smtClean="0"/>
-            </a:br>
-            <a:r>
-              <a:rPr lang="en-US" sz="1800" dirty="0" smtClean="0"/>
-              <a:t>(dedicated lecture)</a:t>
-            </a:r>
-            <a:endParaRPr lang="en-US" dirty="0" smtClean="0"/>
-          </a:p>
-          <a:p>
-            <a:endParaRPr lang="en-US" dirty="0" smtClean="0"/>
-          </a:p>
-          <a:p>
-            <a:r>
-              <a:rPr lang="en-US" dirty="0" smtClean="0"/>
-              <a:t>Refactoring</a:t>
-            </a:r>
-          </a:p>
-          <a:p>
-            <a:endParaRPr lang="en-US" dirty="0" smtClean="0"/>
-          </a:p>
-          <a:p>
-            <a:r>
-              <a:rPr lang="en-US" dirty="0" smtClean="0"/>
-              <a:t>Pair programming</a:t>
-            </a:r>
-          </a:p>
-          <a:p>
-            <a:endParaRPr lang="en-US" dirty="0" smtClean="0"/>
-          </a:p>
-          <a:p>
-            <a:r>
-              <a:rPr lang="en-US" dirty="0" smtClean="0"/>
-              <a:t>Collective ownership</a:t>
-            </a:r>
-          </a:p>
-          <a:p>
-            <a:endParaRPr lang="en-US" dirty="0" smtClean="0"/>
-          </a:p>
-          <a:p>
-            <a:r>
-              <a:rPr lang="en-US" dirty="0" smtClean="0"/>
-              <a:t>Continuous </a:t>
-            </a:r>
-            <a:r>
-              <a:rPr lang="en-US" dirty="0" smtClean="0"/>
-              <a:t>integration </a:t>
-            </a:r>
-            <a:br>
-              <a:rPr lang="en-US" dirty="0" smtClean="0"/>
-            </a:br>
-            <a:r>
-              <a:rPr lang="en-US" sz="1800" dirty="0" smtClean="0"/>
-              <a:t>(dedicated lecture)</a:t>
-            </a:r>
-            <a:endParaRPr lang="en-US" sz="1800" dirty="0" smtClean="0"/>
-          </a:p>
-          <a:p>
-            <a:endParaRPr lang="en-US" dirty="0" smtClean="0"/>
-          </a:p>
-          <a:p>
-            <a:r>
-              <a:rPr lang="en-US" dirty="0" smtClean="0"/>
-              <a:t>40h week</a:t>
-            </a:r>
-          </a:p>
-          <a:p>
-            <a:endParaRPr lang="en-US" dirty="0" smtClean="0"/>
-          </a:p>
-          <a:p>
-            <a:r>
-              <a:rPr lang="en-US" dirty="0" smtClean="0"/>
-              <a:t>On-site customer</a:t>
-            </a:r>
-          </a:p>
-          <a:p>
-            <a:endParaRPr lang="en-US" dirty="0" smtClean="0"/>
-          </a:p>
-          <a:p>
-            <a:r>
-              <a:rPr lang="en-US" dirty="0" smtClean="0"/>
-              <a:t>Coding standards</a:t>
-            </a:r>
-            <a:endParaRPr lang="en-US" dirty="0"/>
+              <a:rPr lang="en-US" sz="1050" dirty="0">
+                <a:hlinkClick r:id="rId3"/>
+              </a:rPr>
+              <a:t>https://techblog.betclicgroup.com/wp-content/uploads/2013/12/agileSubwayMap2.</a:t>
+            </a:r>
+            <a:r>
+              <a:rPr lang="en-US" sz="1050" dirty="0" smtClean="0">
+                <a:hlinkClick r:id="rId3"/>
+              </a:rPr>
+              <a:t>jpg</a:t>
+            </a:r>
+            <a:endParaRPr lang="en-US" sz="1050" dirty="0" smtClean="0"/>
+          </a:p>
+          <a:p>
+            <a:r>
+              <a:rPr lang="en-US" sz="1050" dirty="0"/>
+              <a:t>Also </a:t>
+            </a:r>
+            <a:r>
+              <a:rPr lang="en-US" sz="1050" dirty="0" smtClean="0"/>
+              <a:t>check: </a:t>
+            </a:r>
+            <a:r>
+              <a:rPr lang="en-US" sz="1050" dirty="0" smtClean="0">
+                <a:hlinkClick r:id="rId4"/>
+              </a:rPr>
+              <a:t>http</a:t>
+            </a:r>
+            <a:r>
+              <a:rPr lang="en-US" sz="1050" dirty="0">
+                <a:hlinkClick r:id="rId4"/>
+              </a:rPr>
+              <a:t>://</a:t>
+            </a:r>
+            <a:r>
+              <a:rPr lang="en-US" sz="1050" dirty="0" smtClean="0">
+                <a:hlinkClick r:id="rId4"/>
+              </a:rPr>
+              <a:t>guide.agilealliance.org</a:t>
+            </a:r>
+            <a:endParaRPr lang="en-US" sz="1050" dirty="0"/>
           </a:p>
         </p:txBody>
       </p:sp>
     </p:spTree>
     <p:extLst>
       <p:ext uri="{BB962C8B-B14F-4D97-AF65-F5344CB8AC3E}">
-        <p14:creationId xmlns:p14="http://schemas.microsoft.com/office/powerpoint/2010/main" val="437872843"/>
+        <p14:creationId xmlns:p14="http://schemas.microsoft.com/office/powerpoint/2010/main" val="1350302066"/>
       </p:ext>
     </p:extLst>
   </p:cSld>
   <p:clrMapOvr>
     <a:masterClrMapping/>
   </p:clrMapOvr>
-  <mc:AlternateContent xmlns:mc="http://schemas.openxmlformats.org/markup-compatibility/2006">
-    <mc:Choice xmlns:p14="http://schemas.microsoft.com/office/powerpoint/2010/main" Requires="p14">
+  <mc:AlternateContent xmlns:mc="http://schemas.openxmlformats.org/markup-compatibility/2006" xmlns:p14="http://schemas.microsoft.com/office/powerpoint/2010/main">
+    <mc:Choice Requires="p14">
       <p:transition spd="slow" p14:dur="2000"/>
     </mc:Choice>
-    <mc:Fallback>
+    <mc:Fallback xmlns="">
       <p:transition spd="slow"/>
     </mc:Fallback>
   </mc:AlternateContent>
@@ -16981,7 +18924,7 @@
           <a:p>
             <a:r>
               <a:rPr lang="en-US" dirty="0" smtClean="0"/>
-              <a:t>Planning Game</a:t>
+              <a:t>XP Principles</a:t>
             </a:r>
             <a:endParaRPr lang="en-US" dirty="0"/>
           </a:p>
@@ -16989,7 +18932,7 @@
       </p:sp>
       <p:sp>
         <p:nvSpPr>
-          <p:cNvPr id="3" name="Content Placeholder 2"/>
+          <p:cNvPr id="5" name="Content Placeholder 4"/>
           <p:cNvSpPr>
             <a:spLocks noGrp="1"/>
           </p:cNvSpPr>
@@ -16997,7 +18940,160 @@
             <p:ph idx="1"/>
           </p:nvPr>
         </p:nvSpPr>
-        <p:spPr/>
+        <p:spPr>
+          <a:xfrm>
+            <a:off x="335280" y="2368868"/>
+            <a:ext cx="3992880" cy="3691984"/>
+          </a:xfrm>
+        </p:spPr>
+        <p:txBody>
+          <a:bodyPr>
+            <a:normAutofit/>
+          </a:bodyPr>
+          <a:lstStyle/>
+          <a:p>
+            <a:r>
+              <a:rPr lang="en-US" sz="2000" dirty="0" smtClean="0"/>
+              <a:t>Rapid feedback</a:t>
+            </a:r>
+          </a:p>
+          <a:p>
+            <a:r>
+              <a:rPr lang="en-US" sz="2000" dirty="0" smtClean="0"/>
+              <a:t>Assume simplicity</a:t>
+            </a:r>
+          </a:p>
+          <a:p>
+            <a:r>
+              <a:rPr lang="en-US" sz="2000" dirty="0" smtClean="0"/>
+              <a:t>Incremental change</a:t>
+            </a:r>
+          </a:p>
+          <a:p>
+            <a:r>
+              <a:rPr lang="en-US" sz="2000" dirty="0" smtClean="0"/>
+              <a:t>Embracing change</a:t>
+            </a:r>
+          </a:p>
+          <a:p>
+            <a:r>
+              <a:rPr lang="en-US" sz="2000" dirty="0" smtClean="0"/>
+              <a:t>Quality work</a:t>
+            </a:r>
+            <a:endParaRPr lang="en-US" sz="2000" dirty="0"/>
+          </a:p>
+        </p:txBody>
+      </p:sp>
+      <p:sp>
+        <p:nvSpPr>
+          <p:cNvPr id="4" name="Text Placeholder 3"/>
+          <p:cNvSpPr>
+            <a:spLocks noGrp="1"/>
+          </p:cNvSpPr>
+          <p:nvPr>
+            <p:ph type="body" idx="4294967295"/>
+          </p:nvPr>
+        </p:nvSpPr>
+        <p:spPr>
+          <a:xfrm>
+            <a:off x="335280" y="1729105"/>
+            <a:ext cx="4040188" cy="639763"/>
+          </a:xfrm>
+        </p:spPr>
+        <p:style>
+          <a:lnRef idx="1">
+            <a:schemeClr val="accent1"/>
+          </a:lnRef>
+          <a:fillRef idx="2">
+            <a:schemeClr val="accent1"/>
+          </a:fillRef>
+          <a:effectRef idx="1">
+            <a:schemeClr val="accent1"/>
+          </a:effectRef>
+          <a:fontRef idx="minor">
+            <a:schemeClr val="dk1"/>
+          </a:fontRef>
+        </p:style>
+        <p:txBody>
+          <a:bodyPr>
+            <a:normAutofit/>
+          </a:bodyPr>
+          <a:lstStyle/>
+          <a:p>
+            <a:pPr marL="0" indent="0">
+              <a:buNone/>
+            </a:pPr>
+            <a:r>
+              <a:rPr lang="en-US" sz="2400" dirty="0" smtClean="0"/>
+              <a:t>Core</a:t>
+            </a:r>
+            <a:endParaRPr lang="en-US" sz="2400" dirty="0"/>
+          </a:p>
+        </p:txBody>
+      </p:sp>
+      <p:sp>
+        <p:nvSpPr>
+          <p:cNvPr id="6" name="Text Placeholder 5"/>
+          <p:cNvSpPr>
+            <a:spLocks noGrp="1"/>
+          </p:cNvSpPr>
+          <p:nvPr>
+            <p:ph type="body" sz="quarter" idx="4294967295"/>
+          </p:nvPr>
+        </p:nvSpPr>
+        <p:spPr>
+          <a:xfrm>
+            <a:off x="4858384" y="1729105"/>
+            <a:ext cx="4041775" cy="639763"/>
+          </a:xfrm>
+        </p:spPr>
+        <p:style>
+          <a:lnRef idx="1">
+            <a:schemeClr val="accent5"/>
+          </a:lnRef>
+          <a:fillRef idx="2">
+            <a:schemeClr val="accent5"/>
+          </a:fillRef>
+          <a:effectRef idx="1">
+            <a:schemeClr val="accent5"/>
+          </a:effectRef>
+          <a:fontRef idx="minor">
+            <a:schemeClr val="dk1"/>
+          </a:fontRef>
+        </p:style>
+        <p:txBody>
+          <a:bodyPr>
+            <a:normAutofit/>
+          </a:bodyPr>
+          <a:lstStyle/>
+          <a:p>
+            <a:pPr marL="0" indent="0">
+              <a:buNone/>
+            </a:pPr>
+            <a:r>
+              <a:rPr lang="en-US" sz="2400" dirty="0" smtClean="0"/>
+              <a:t>Less central</a:t>
+            </a:r>
+            <a:endParaRPr lang="en-US" sz="2400" dirty="0"/>
+          </a:p>
+        </p:txBody>
+      </p:sp>
+      <p:sp>
+        <p:nvSpPr>
+          <p:cNvPr id="7" name="Content Placeholder 6"/>
+          <p:cNvSpPr>
+            <a:spLocks noGrp="1"/>
+          </p:cNvSpPr>
+          <p:nvPr>
+            <p:ph sz="quarter" idx="4294967295"/>
+          </p:nvPr>
+        </p:nvSpPr>
+        <p:spPr>
+          <a:xfrm>
+            <a:off x="4858384" y="2434179"/>
+            <a:ext cx="4041775" cy="3757295"/>
+          </a:xfrm>
+        </p:spPr>
         <p:txBody>
           <a:bodyPr>
             <a:normAutofit fontScale="70000" lnSpcReduction="20000"/>
@@ -17006,185 +19102,83 @@
           <a:p>
             <a:r>
               <a:rPr lang="en-US" dirty="0" smtClean="0"/>
-              <a:t>Basic idea</a:t>
-            </a:r>
-          </a:p>
-          <a:p>
-            <a:pPr lvl="1"/>
+              <a:t>Teach learning</a:t>
+            </a:r>
+          </a:p>
+          <a:p>
             <a:r>
               <a:rPr lang="en-US" dirty="0" smtClean="0"/>
-              <a:t>Create a rough iteration plan</a:t>
-            </a:r>
-          </a:p>
-          <a:p>
-            <a:pPr lvl="1"/>
+              <a:t>Small initial investment</a:t>
+            </a:r>
+          </a:p>
+          <a:p>
             <a:r>
               <a:rPr lang="en-US" dirty="0" smtClean="0"/>
-              <a:t>Plan next iteration in detail</a:t>
+              <a:t>Play to win</a:t>
             </a:r>
           </a:p>
           <a:p>
             <a:r>
               <a:rPr lang="en-US" dirty="0" smtClean="0"/>
-              <a:t>Players</a:t>
-            </a:r>
-          </a:p>
-          <a:p>
-            <a:pPr lvl="1"/>
+              <a:t>Concrete requirements</a:t>
+            </a:r>
+          </a:p>
+          <a:p>
             <a:r>
               <a:rPr lang="en-US" dirty="0" smtClean="0"/>
-              <a:t>Onsite Customer</a:t>
-            </a:r>
-          </a:p>
-          <a:p>
-            <a:pPr lvl="1"/>
+              <a:t>Open, honest communication</a:t>
+            </a:r>
+          </a:p>
+          <a:p>
             <a:r>
               <a:rPr lang="en-US" dirty="0" smtClean="0"/>
-              <a:t>Team</a:t>
-            </a:r>
-          </a:p>
-          <a:p>
-            <a:pPr lvl="1"/>
+              <a:t>Work with people’s instincts, not against them</a:t>
+            </a:r>
+          </a:p>
+          <a:p>
             <a:r>
               <a:rPr lang="en-US" dirty="0" smtClean="0"/>
-              <a:t>(Coach)</a:t>
+              <a:t>Accepted responsibility</a:t>
             </a:r>
           </a:p>
           <a:p>
             <a:r>
               <a:rPr lang="en-US" dirty="0" smtClean="0"/>
-              <a:t>Moves</a:t>
-            </a:r>
-          </a:p>
-          <a:p>
-            <a:pPr lvl="1"/>
+              <a:t>Local adaptation</a:t>
+            </a:r>
+          </a:p>
+          <a:p>
             <a:r>
               <a:rPr lang="en-US" dirty="0" smtClean="0"/>
-              <a:t>Write User stories (OC + Team)</a:t>
-            </a:r>
-          </a:p>
-          <a:p>
-            <a:pPr lvl="1"/>
+              <a:t>Travel light</a:t>
+            </a:r>
+          </a:p>
+          <a:p>
             <a:r>
               <a:rPr lang="en-US" dirty="0" smtClean="0"/>
-              <a:t>[do some filtering]</a:t>
-            </a:r>
-          </a:p>
-          <a:p>
-            <a:pPr lvl="1"/>
-            <a:r>
-              <a:rPr lang="en-US" dirty="0" smtClean="0"/>
-              <a:t>OC ranks US by business value [assign Fibonacci numbers]</a:t>
-            </a:r>
-          </a:p>
-          <a:p>
-            <a:pPr lvl="1"/>
-            <a:r>
-              <a:rPr lang="en-US" dirty="0" smtClean="0"/>
-              <a:t>Team assigns story points [Planning poker]</a:t>
-            </a:r>
-          </a:p>
-          <a:p>
-            <a:pPr lvl="1"/>
-            <a:r>
-              <a:rPr lang="en-US" dirty="0" smtClean="0"/>
-              <a:t>OC put story cards in strictly prioritized order</a:t>
-            </a:r>
-          </a:p>
-          <a:p>
-            <a:pPr lvl="1"/>
-            <a:r>
-              <a:rPr lang="en-US" dirty="0" smtClean="0"/>
-              <a:t>Team selects the top n stories to match their velocity</a:t>
+              <a:t>Hones measurement</a:t>
             </a:r>
             <a:endParaRPr lang="en-US" dirty="0"/>
-          </a:p>
-          <a:p>
-            <a:endParaRPr lang="en-US" dirty="0"/>
-          </a:p>
-        </p:txBody>
-      </p:sp>
-      <p:sp>
-        <p:nvSpPr>
-          <p:cNvPr id="4" name="Footer Placeholder 3"/>
-          <p:cNvSpPr>
-            <a:spLocks noGrp="1"/>
-          </p:cNvSpPr>
-          <p:nvPr>
-            <p:ph type="ftr" sz="quarter" idx="11"/>
-          </p:nvPr>
-        </p:nvSpPr>
-        <p:spPr/>
-        <p:txBody>
-          <a:bodyPr/>
-          <a:lstStyle/>
-          <a:p>
-            <a:r>
-              <a:rPr lang="en-US" smtClean="0">
-                <a:solidFill>
-                  <a:prstClr val="black">
-                    <a:tint val="75000"/>
-                  </a:prstClr>
-                </a:solidFill>
-              </a:rPr>
-              <a:t>Eric Knauss - Continuous X 4 WASP</a:t>
-            </a:r>
-            <a:endParaRPr lang="en-US">
-              <a:solidFill>
-                <a:prstClr val="black">
-                  <a:tint val="75000"/>
-                </a:prstClr>
-              </a:solidFill>
-            </a:endParaRPr>
-          </a:p>
-        </p:txBody>
-      </p:sp>
-      <p:sp>
-        <p:nvSpPr>
-          <p:cNvPr id="5" name="Slide Number Placeholder 4"/>
-          <p:cNvSpPr>
-            <a:spLocks noGrp="1"/>
-          </p:cNvSpPr>
-          <p:nvPr>
-            <p:ph type="sldNum" sz="quarter" idx="12"/>
-          </p:nvPr>
-        </p:nvSpPr>
-        <p:spPr/>
-        <p:txBody>
-          <a:bodyPr/>
-          <a:lstStyle/>
-          <a:p>
-            <a:fld id="{112474B8-E05E-194A-B83E-2067B031ADBA}" type="slidenum">
-              <a:rPr lang="en-US" smtClean="0">
-                <a:solidFill>
-                  <a:prstClr val="black">
-                    <a:tint val="75000"/>
-                  </a:prstClr>
-                </a:solidFill>
-              </a:rPr>
-              <a:pPr/>
-              <a:t>8</a:t>
-            </a:fld>
-            <a:endParaRPr lang="en-US">
-              <a:solidFill>
-                <a:prstClr val="black">
-                  <a:tint val="75000"/>
-                </a:prstClr>
-              </a:solidFill>
-            </a:endParaRPr>
           </a:p>
         </p:txBody>
       </p:sp>
     </p:spTree>
     <p:extLst>
       <p:ext uri="{BB962C8B-B14F-4D97-AF65-F5344CB8AC3E}">
-        <p14:creationId xmlns:p14="http://schemas.microsoft.com/office/powerpoint/2010/main" val="1280674312"/>
+        <p14:creationId xmlns:p14="http://schemas.microsoft.com/office/powerpoint/2010/main" val="1158289290"/>
       </p:ext>
     </p:extLst>
   </p:cSld>
   <p:clrMapOvr>
     <a:masterClrMapping/>
   </p:clrMapOvr>
+  <p:timing>
+    <p:tnLst>
+      <p:par>
+        <p:cTn id="1" dur="indefinite" restart="never" nodeType="tmRoot"/>
+      </p:par>
+    </p:tnLst>
+  </p:timing>
 </p:sld>
 </file>
 
@@ -17222,7 +19216,7 @@
           <a:p>
             <a:r>
               <a:rPr lang="en-US" dirty="0" smtClean="0"/>
-              <a:t>Pair Programming</a:t>
+              <a:t>XP Practices</a:t>
             </a:r>
             <a:endParaRPr lang="en-US" dirty="0"/>
           </a:p>
@@ -17238,102 +19232,165 @@
             <p:ph idx="1"/>
           </p:nvPr>
         </p:nvSpPr>
-        <p:spPr/>
-        <p:txBody>
-          <a:bodyPr/>
-          <a:lstStyle/>
-          <a:p>
-            <a:r>
-              <a:rPr lang="en-US" smtClean="0"/>
-              <a:t>Two people on one computer</a:t>
-            </a:r>
-          </a:p>
-          <a:p>
-            <a:endParaRPr lang="en-US"/>
-          </a:p>
-        </p:txBody>
-      </p:sp>
-      <p:sp>
-        <p:nvSpPr>
-          <p:cNvPr id="4" name="Footer Placeholder 3"/>
-          <p:cNvSpPr>
-            <a:spLocks noGrp="1"/>
-          </p:cNvSpPr>
-          <p:nvPr>
-            <p:ph type="ftr" sz="quarter" idx="11"/>
-          </p:nvPr>
-        </p:nvSpPr>
-        <p:spPr/>
-        <p:txBody>
-          <a:bodyPr/>
-          <a:lstStyle/>
-          <a:p>
-            <a:r>
-              <a:rPr lang="en-US" smtClean="0">
-                <a:solidFill>
-                  <a:prstClr val="black">
-                    <a:tint val="75000"/>
-                  </a:prstClr>
-                </a:solidFill>
-              </a:rPr>
-              <a:t>Eric Knauss - Continuous X 4 WASP</a:t>
-            </a:r>
-            <a:endParaRPr lang="en-US">
-              <a:solidFill>
-                <a:prstClr val="black">
-                  <a:tint val="75000"/>
-                </a:prstClr>
-              </a:solidFill>
-            </a:endParaRPr>
-          </a:p>
-        </p:txBody>
-      </p:sp>
-      <p:sp>
-        <p:nvSpPr>
-          <p:cNvPr id="5" name="Slide Number Placeholder 4"/>
-          <p:cNvSpPr>
-            <a:spLocks noGrp="1"/>
-          </p:cNvSpPr>
-          <p:nvPr>
-            <p:ph type="sldNum" sz="quarter" idx="12"/>
-          </p:nvPr>
-        </p:nvSpPr>
-        <p:spPr/>
-        <p:txBody>
-          <a:bodyPr/>
-          <a:lstStyle/>
-          <a:p>
-            <a:fld id="{112474B8-E05E-194A-B83E-2067B031ADBA}" type="slidenum">
-              <a:rPr lang="en-US" smtClean="0">
-                <a:solidFill>
-                  <a:prstClr val="black">
-                    <a:tint val="75000"/>
-                  </a:prstClr>
-                </a:solidFill>
-              </a:rPr>
-              <a:pPr/>
-              <a:t>9</a:t>
-            </a:fld>
-            <a:endParaRPr lang="en-US">
-              <a:solidFill>
-                <a:prstClr val="black">
-                  <a:tint val="75000"/>
-                </a:prstClr>
-              </a:solidFill>
-            </a:endParaRPr>
+        <p:spPr>
+          <a:xfrm>
+            <a:off x="457200" y="1946031"/>
+            <a:ext cx="8229600" cy="4320808"/>
+          </a:xfrm>
+        </p:spPr>
+        <p:txBody>
+          <a:bodyPr numCol="2">
+            <a:normAutofit fontScale="70000" lnSpcReduction="20000"/>
+          </a:bodyPr>
+          <a:lstStyle/>
+          <a:p>
+            <a:r>
+              <a:rPr lang="en-US" dirty="0" smtClean="0"/>
+              <a:t>Planning game</a:t>
+            </a:r>
+          </a:p>
+          <a:p>
+            <a:endParaRPr lang="en-US" dirty="0" smtClean="0"/>
+          </a:p>
+          <a:p>
+            <a:r>
+              <a:rPr lang="en-US" dirty="0" smtClean="0"/>
+              <a:t>Small releases</a:t>
+            </a:r>
+          </a:p>
+          <a:p>
+            <a:endParaRPr lang="en-US" dirty="0" smtClean="0"/>
+          </a:p>
+          <a:p>
+            <a:r>
+              <a:rPr lang="en-US" dirty="0" smtClean="0"/>
+              <a:t>Metaphor</a:t>
+            </a:r>
+          </a:p>
+          <a:p>
+            <a:endParaRPr lang="en-US" dirty="0" smtClean="0"/>
+          </a:p>
+          <a:p>
+            <a:r>
+              <a:rPr lang="en-US" dirty="0" smtClean="0"/>
+              <a:t>Simple design</a:t>
+            </a:r>
+          </a:p>
+          <a:p>
+            <a:endParaRPr lang="en-US" dirty="0" smtClean="0"/>
+          </a:p>
+          <a:p>
+            <a:r>
+              <a:rPr lang="en-US" dirty="0" smtClean="0"/>
+              <a:t>Testing </a:t>
+            </a:r>
+            <a:br>
+              <a:rPr lang="en-US" dirty="0" smtClean="0"/>
+            </a:br>
+            <a:r>
+              <a:rPr lang="en-US" sz="1800" dirty="0" smtClean="0"/>
+              <a:t>(dedicated lecture)</a:t>
+            </a:r>
+            <a:endParaRPr lang="en-US" dirty="0" smtClean="0"/>
+          </a:p>
+          <a:p>
+            <a:endParaRPr lang="en-US" dirty="0" smtClean="0"/>
+          </a:p>
+          <a:p>
+            <a:r>
+              <a:rPr lang="en-US" dirty="0" smtClean="0"/>
+              <a:t>Refactoring</a:t>
+            </a:r>
+          </a:p>
+          <a:p>
+            <a:endParaRPr lang="en-US" dirty="0" smtClean="0"/>
+          </a:p>
+          <a:p>
+            <a:r>
+              <a:rPr lang="en-US" dirty="0" smtClean="0"/>
+              <a:t>Pair programming</a:t>
+            </a:r>
+          </a:p>
+          <a:p>
+            <a:endParaRPr lang="en-US" dirty="0" smtClean="0"/>
+          </a:p>
+          <a:p>
+            <a:r>
+              <a:rPr lang="en-US" dirty="0" smtClean="0"/>
+              <a:t>Collective ownership</a:t>
+            </a:r>
+          </a:p>
+          <a:p>
+            <a:endParaRPr lang="en-US" dirty="0" smtClean="0"/>
+          </a:p>
+          <a:p>
+            <a:r>
+              <a:rPr lang="en-US" dirty="0" smtClean="0"/>
+              <a:t>Continuous integration </a:t>
+            </a:r>
+            <a:br>
+              <a:rPr lang="en-US" dirty="0" smtClean="0"/>
+            </a:br>
+            <a:r>
+              <a:rPr lang="en-US" sz="1800" dirty="0" smtClean="0"/>
+              <a:t>(dedicated lecture)</a:t>
+            </a:r>
+          </a:p>
+          <a:p>
+            <a:endParaRPr lang="en-US" dirty="0" smtClean="0"/>
+          </a:p>
+          <a:p>
+            <a:r>
+              <a:rPr lang="en-US" dirty="0" smtClean="0"/>
+              <a:t>40h week</a:t>
+            </a:r>
+          </a:p>
+          <a:p>
+            <a:endParaRPr lang="en-US" dirty="0" smtClean="0"/>
+          </a:p>
+          <a:p>
+            <a:r>
+              <a:rPr lang="en-US" dirty="0" smtClean="0"/>
+              <a:t>On-site customer</a:t>
+            </a:r>
+          </a:p>
+          <a:p>
+            <a:endParaRPr lang="en-US" dirty="0" smtClean="0"/>
+          </a:p>
+          <a:p>
+            <a:r>
+              <a:rPr lang="en-US" dirty="0" smtClean="0"/>
+              <a:t>Coding standards</a:t>
+            </a:r>
+            <a:endParaRPr lang="en-US" dirty="0"/>
           </a:p>
         </p:txBody>
       </p:sp>
     </p:spTree>
     <p:extLst>
       <p:ext uri="{BB962C8B-B14F-4D97-AF65-F5344CB8AC3E}">
-        <p14:creationId xmlns:p14="http://schemas.microsoft.com/office/powerpoint/2010/main" val="1429743726"/>
+        <p14:creationId xmlns:p14="http://schemas.microsoft.com/office/powerpoint/2010/main" val="437872843"/>
       </p:ext>
     </p:extLst>
   </p:cSld>
   <p:clrMapOvr>
     <a:masterClrMapping/>
   </p:clrMapOvr>
+  <mc:AlternateContent xmlns:mc="http://schemas.openxmlformats.org/markup-compatibility/2006" xmlns:p14="http://schemas.microsoft.com/office/powerpoint/2010/main">
+    <mc:Choice Requires="p14">
+      <p:transition spd="slow" p14:dur="2000"/>
+    </mc:Choice>
+    <mc:Fallback xmlns="">
+      <p:transition spd="slow"/>
+    </mc:Fallback>
+  </mc:AlternateContent>
+  <p:timing>
+    <p:tnLst>
+      <p:par>
+        <p:cTn id="1" dur="indefinite" restart="never" nodeType="tmRoot"/>
+      </p:par>
+    </p:tnLst>
+  </p:timing>
 </p:sld>
 </file>
 
